--- a/document/HydroCMS水利档案管理-展示.pptx
+++ b/document/HydroCMS水利档案管理-展示.pptx
@@ -8,25 +8,28 @@
     <p:sldId id="256" r:id="rId2"/>
     <p:sldId id="278" r:id="rId3"/>
     <p:sldId id="270" r:id="rId4"/>
-    <p:sldId id="271" r:id="rId5"/>
-    <p:sldId id="272" r:id="rId6"/>
-    <p:sldId id="273" r:id="rId7"/>
-    <p:sldId id="274" r:id="rId8"/>
-    <p:sldId id="257" r:id="rId9"/>
-    <p:sldId id="258" r:id="rId10"/>
-    <p:sldId id="263" r:id="rId11"/>
-    <p:sldId id="264" r:id="rId12"/>
-    <p:sldId id="265" r:id="rId13"/>
-    <p:sldId id="259" r:id="rId14"/>
-    <p:sldId id="266" r:id="rId15"/>
-    <p:sldId id="267" r:id="rId16"/>
-    <p:sldId id="268" r:id="rId17"/>
-    <p:sldId id="279" r:id="rId18"/>
-    <p:sldId id="260" r:id="rId19"/>
-    <p:sldId id="280" r:id="rId20"/>
-    <p:sldId id="277" r:id="rId21"/>
-    <p:sldId id="275" r:id="rId22"/>
-    <p:sldId id="276" r:id="rId23"/>
+    <p:sldId id="283" r:id="rId5"/>
+    <p:sldId id="284" r:id="rId6"/>
+    <p:sldId id="271" r:id="rId7"/>
+    <p:sldId id="272" r:id="rId8"/>
+    <p:sldId id="285" r:id="rId9"/>
+    <p:sldId id="273" r:id="rId10"/>
+    <p:sldId id="274" r:id="rId11"/>
+    <p:sldId id="257" r:id="rId12"/>
+    <p:sldId id="258" r:id="rId13"/>
+    <p:sldId id="263" r:id="rId14"/>
+    <p:sldId id="264" r:id="rId15"/>
+    <p:sldId id="265" r:id="rId16"/>
+    <p:sldId id="259" r:id="rId17"/>
+    <p:sldId id="266" r:id="rId18"/>
+    <p:sldId id="267" r:id="rId19"/>
+    <p:sldId id="268" r:id="rId20"/>
+    <p:sldId id="279" r:id="rId21"/>
+    <p:sldId id="260" r:id="rId22"/>
+    <p:sldId id="280" r:id="rId23"/>
+    <p:sldId id="277" r:id="rId24"/>
+    <p:sldId id="275" r:id="rId25"/>
+    <p:sldId id="276" r:id="rId26"/>
   </p:sldIdLst>
   <p:sldSz cx="12192000" cy="6858000"/>
   <p:notesSz cx="6858000" cy="9144000"/>
@@ -4953,8 +4956,8 @@
     <dgm:cxn modelId="{5F0B5E8C-0DDD-4D09-810A-3B1DD5FB034E}" type="presOf" srcId="{848FDDBA-BE89-422D-BEC3-B8716F36A95B}" destId="{3440AD3C-10DB-4AAF-836D-7BB8DE8333E1}" srcOrd="3" destOrd="0" presId="urn:microsoft.com/office/officeart/2005/8/layout/gear1"/>
     <dgm:cxn modelId="{7ABED433-1B5C-4BDB-9626-A248C57E2B06}" srcId="{B99ED107-D53C-4D48-87CB-A721CFF75BBD}" destId="{5BED37C9-853F-493B-B918-F97822EC6BAE}" srcOrd="0" destOrd="0" parTransId="{2A7A5726-646B-42D6-8331-D6E968DD4E5C}" sibTransId="{E5AF662B-7D01-4E73-A022-699C93780585}"/>
     <dgm:cxn modelId="{1D2C9F83-1ADC-4A04-A1B6-E29DDBD3FF73}" type="presOf" srcId="{D08E42D3-A792-4E49-A384-36A763E6837F}" destId="{A6D9066F-5136-4854-B5DD-FCFE7B73CC67}" srcOrd="0" destOrd="0" presId="urn:microsoft.com/office/officeart/2005/8/layout/gear1"/>
+    <dgm:cxn modelId="{11FB3FB2-34AF-4CD4-99AD-A1091C9790F9}" type="presOf" srcId="{848FDDBA-BE89-422D-BEC3-B8716F36A95B}" destId="{EB76F5BA-94D5-4641-860B-328C57889AB9}" srcOrd="1" destOrd="0" presId="urn:microsoft.com/office/officeart/2005/8/layout/gear1"/>
     <dgm:cxn modelId="{D9A12D7C-6027-4DAA-B3F3-76A5E57996AB}" srcId="{B99ED107-D53C-4D48-87CB-A721CFF75BBD}" destId="{848FDDBA-BE89-422D-BEC3-B8716F36A95B}" srcOrd="2" destOrd="0" parTransId="{50B36D92-E1DB-4A4B-8DC8-208739725C03}" sibTransId="{9E0DAB51-5694-4409-96DE-596A1BDC65FD}"/>
-    <dgm:cxn modelId="{11FB3FB2-34AF-4CD4-99AD-A1091C9790F9}" type="presOf" srcId="{848FDDBA-BE89-422D-BEC3-B8716F36A95B}" destId="{EB76F5BA-94D5-4641-860B-328C57889AB9}" srcOrd="1" destOrd="0" presId="urn:microsoft.com/office/officeart/2005/8/layout/gear1"/>
     <dgm:cxn modelId="{63ACE2C0-F9B4-447F-ADA8-0F2C3CE38D95}" type="presOf" srcId="{5BED37C9-853F-493B-B918-F97822EC6BAE}" destId="{6F775B6A-234F-4C49-BA2C-31226E4C7FA1}" srcOrd="0" destOrd="0" presId="urn:microsoft.com/office/officeart/2005/8/layout/gear1"/>
     <dgm:cxn modelId="{64EA5187-3EF9-4826-B637-0BB9D37C4B7C}" type="presOf" srcId="{848FDDBA-BE89-422D-BEC3-B8716F36A95B}" destId="{9206B979-B23A-4C52-9818-9A9554605BDB}" srcOrd="0" destOrd="0" presId="urn:microsoft.com/office/officeart/2005/8/layout/gear1"/>
     <dgm:cxn modelId="{AAF32462-181D-4583-AEFD-41FA895B0834}" type="presOf" srcId="{848FDDBA-BE89-422D-BEC3-B8716F36A95B}" destId="{7BF1099C-61F2-43D2-89BB-4C193DCA9F2A}" srcOrd="2" destOrd="0" presId="urn:microsoft.com/office/officeart/2005/8/layout/gear1"/>
@@ -6102,12 +6105,12 @@
     <dgm:cxn modelId="{83483694-BA1E-4567-A25F-4713CFF6E730}" type="presOf" srcId="{168FE327-5CD0-43B8-B053-C9CBDD110055}" destId="{D7DFD75B-A943-4C31-8D24-8018788CE5FB}" srcOrd="0" destOrd="0" presId="urn:microsoft.com/office/officeart/2005/8/layout/hList7"/>
     <dgm:cxn modelId="{DAA65795-D55C-420C-8A7D-47F49D6EFEE5}" type="presOf" srcId="{B572A487-927B-481A-A155-588255D88F7E}" destId="{C9B598F4-100C-4129-B5DF-0B382ADB1BF8}" srcOrd="1" destOrd="0" presId="urn:microsoft.com/office/officeart/2005/8/layout/hList7"/>
     <dgm:cxn modelId="{2267C209-5056-463E-87A8-EE0A890DAF8F}" type="presOf" srcId="{AB320E12-B9C5-4B2F-BE4A-A78BBAB7859A}" destId="{B862EEFF-59BE-408A-9116-E569C85D3A14}" srcOrd="1" destOrd="0" presId="urn:microsoft.com/office/officeart/2005/8/layout/hList7"/>
+    <dgm:cxn modelId="{0CB945A1-8B27-4D6C-B3A0-E9C6BE6A84AD}" type="presOf" srcId="{FCD0FEF0-0FB4-45D8-93E2-9568C2205E4C}" destId="{918DEFC1-3BC1-4AA6-95C9-B3D86F57C59E}" srcOrd="0" destOrd="0" presId="urn:microsoft.com/office/officeart/2005/8/layout/hList7"/>
     <dgm:cxn modelId="{76769EA5-34DE-40B7-ADB6-63741AB5C10D}" srcId="{491639B1-B39C-40F5-8FFC-644AA81E01A8}" destId="{9E98F6B3-AD9E-4FDE-8E28-247BFDD0A667}" srcOrd="1" destOrd="0" parTransId="{3D41E240-524E-4068-BD40-205F18E47F4E}" sibTransId="{168FE327-5CD0-43B8-B053-C9CBDD110055}"/>
-    <dgm:cxn modelId="{0CB945A1-8B27-4D6C-B3A0-E9C6BE6A84AD}" type="presOf" srcId="{FCD0FEF0-0FB4-45D8-93E2-9568C2205E4C}" destId="{918DEFC1-3BC1-4AA6-95C9-B3D86F57C59E}" srcOrd="0" destOrd="0" presId="urn:microsoft.com/office/officeart/2005/8/layout/hList7"/>
     <dgm:cxn modelId="{9E54A2A1-4CA6-4D6D-B875-E30DFD5BB97C}" type="presOf" srcId="{9E98F6B3-AD9E-4FDE-8E28-247BFDD0A667}" destId="{BD88F1F7-0CF7-4A6E-A3C4-7E38D31DABAF}" srcOrd="1" destOrd="0" presId="urn:microsoft.com/office/officeart/2005/8/layout/hList7"/>
     <dgm:cxn modelId="{054102F9-7BA2-4918-8A95-198EBAA65000}" type="presOf" srcId="{9E98F6B3-AD9E-4FDE-8E28-247BFDD0A667}" destId="{1623CBE0-36B8-4304-916D-F15A49BEA754}" srcOrd="0" destOrd="0" presId="urn:microsoft.com/office/officeart/2005/8/layout/hList7"/>
+    <dgm:cxn modelId="{4BCDFCBF-D98E-4D54-BA72-706B94C3A135}" srcId="{491639B1-B39C-40F5-8FFC-644AA81E01A8}" destId="{AB320E12-B9C5-4B2F-BE4A-A78BBAB7859A}" srcOrd="2" destOrd="0" parTransId="{66C65047-2125-4EBF-953D-3EAA9F54D8DC}" sibTransId="{3005A7B2-CD77-4424-89C1-EB0B23394637}"/>
     <dgm:cxn modelId="{ADACE6A0-A32C-4728-9BBD-8A1D58E9B3B1}" type="presOf" srcId="{AB320E12-B9C5-4B2F-BE4A-A78BBAB7859A}" destId="{72365849-68B1-4495-B207-871B9A8DF1D7}" srcOrd="0" destOrd="0" presId="urn:microsoft.com/office/officeart/2005/8/layout/hList7"/>
-    <dgm:cxn modelId="{4BCDFCBF-D98E-4D54-BA72-706B94C3A135}" srcId="{491639B1-B39C-40F5-8FFC-644AA81E01A8}" destId="{AB320E12-B9C5-4B2F-BE4A-A78BBAB7859A}" srcOrd="2" destOrd="0" parTransId="{66C65047-2125-4EBF-953D-3EAA9F54D8DC}" sibTransId="{3005A7B2-CD77-4424-89C1-EB0B23394637}"/>
     <dgm:cxn modelId="{F616A6E4-2BD1-4480-BE43-F4C900D4CDA0}" type="presOf" srcId="{B572A487-927B-481A-A155-588255D88F7E}" destId="{367529FE-7A17-47BE-B130-77D76A1D9BC8}" srcOrd="0" destOrd="0" presId="urn:microsoft.com/office/officeart/2005/8/layout/hList7"/>
     <dgm:cxn modelId="{CD3F8E21-EFF7-4947-BD0B-98B91E9E692D}" type="presOf" srcId="{491639B1-B39C-40F5-8FFC-644AA81E01A8}" destId="{B6E99DAA-6BA7-4D82-92FC-DBDC45A5515E}" srcOrd="0" destOrd="0" presId="urn:microsoft.com/office/officeart/2005/8/layout/hList7"/>
     <dgm:cxn modelId="{E62B92C1-5688-4A7E-AB05-96871C56DC75}" type="presParOf" srcId="{B6E99DAA-6BA7-4D82-92FC-DBDC45A5515E}" destId="{20D820DE-2644-44AA-8C62-655BCFC701DB}" srcOrd="0" destOrd="0" presId="urn:microsoft.com/office/officeart/2005/8/layout/hList7"/>
@@ -6642,24 +6645,24 @@
     </dgm:pt>
   </dgm:ptLst>
   <dgm:cxnLst>
+    <dgm:cxn modelId="{70DA79E3-5A1E-45DD-8D3D-5D0EBAB1A3E3}" srcId="{A93FFD11-8FE1-4771-9BC9-750EC6EAF516}" destId="{34A3F913-E23D-4F20-B785-12BD03D9F127}" srcOrd="1" destOrd="0" parTransId="{F83583D1-E3CB-45DA-86C9-56938FE82C72}" sibTransId="{DD4949CD-B95C-49B4-918A-2EFDED9F8946}"/>
     <dgm:cxn modelId="{8DBD672D-6630-4D2C-B591-47165C2511E2}" type="presOf" srcId="{A93FFD11-8FE1-4771-9BC9-750EC6EAF516}" destId="{25331546-374D-42D8-91D7-8007B315742B}" srcOrd="0" destOrd="0" presId="urn:microsoft.com/office/officeart/2005/8/layout/hierarchy1"/>
+    <dgm:cxn modelId="{03939DF6-0A03-4E34-BA3F-B9EF207C0C63}" type="presOf" srcId="{34A3F913-E23D-4F20-B785-12BD03D9F127}" destId="{84D1EB0F-39E5-41FD-B839-A62CE71C5385}" srcOrd="0" destOrd="0" presId="urn:microsoft.com/office/officeart/2005/8/layout/hierarchy1"/>
+    <dgm:cxn modelId="{5362D74D-0B1A-480E-8B91-E8C0A061EA4B}" type="presOf" srcId="{A70E0DF8-AB36-4D50-BE16-395E4A625665}" destId="{D8D9E677-B8C6-4493-8058-C1866ECEBEBE}" srcOrd="0" destOrd="0" presId="urn:microsoft.com/office/officeart/2005/8/layout/hierarchy1"/>
+    <dgm:cxn modelId="{96C26215-A7DE-472B-B8EF-E8223AAFFAE3}" type="presOf" srcId="{FFA00069-65DC-4742-8F9D-459736AC1B51}" destId="{5D1714F9-5C4B-4AD9-AC99-11AB577DCF20}" srcOrd="0" destOrd="0" presId="urn:microsoft.com/office/officeart/2005/8/layout/hierarchy1"/>
+    <dgm:cxn modelId="{44CF7797-9040-436F-AE5E-76354655FAEA}" type="presOf" srcId="{478EB832-7E3C-45B1-B38D-66C3EC075F80}" destId="{D2DE81DC-F755-47F2-A374-1CF7C0FCB1B9}" srcOrd="0" destOrd="0" presId="urn:microsoft.com/office/officeart/2005/8/layout/hierarchy1"/>
+    <dgm:cxn modelId="{8E8EC62C-C650-485B-9A4A-765F009770E4}" type="presOf" srcId="{1A1659B4-1E02-40B9-A468-A76AE074C7CD}" destId="{480A3965-930F-4C23-BD73-7BF6C1E5941E}" srcOrd="0" destOrd="0" presId="urn:microsoft.com/office/officeart/2005/8/layout/hierarchy1"/>
+    <dgm:cxn modelId="{C3618A2A-950C-4577-872B-13660D80C0CF}" type="presOf" srcId="{A7166838-E5D3-4BAD-A80C-C0D786882662}" destId="{944D84B1-D789-4A59-BEF5-0AB63BBCD9D6}" srcOrd="0" destOrd="0" presId="urn:microsoft.com/office/officeart/2005/8/layout/hierarchy1"/>
+    <dgm:cxn modelId="{9C2489C1-2881-4DDC-8623-A3869341FAE4}" srcId="{FFA00069-65DC-4742-8F9D-459736AC1B51}" destId="{AEDF0F87-4CBA-48AA-A545-EFB73456DDC7}" srcOrd="0" destOrd="0" parTransId="{478EB832-7E3C-45B1-B38D-66C3EC075F80}" sibTransId="{E28BAE44-87A7-4167-A232-6007182D221D}"/>
     <dgm:cxn modelId="{B91E1FB2-26CE-4EE0-B276-D542B29F0735}" type="presOf" srcId="{F83583D1-E3CB-45DA-86C9-56938FE82C72}" destId="{80B87061-AD1F-4489-8BC0-287DEE8D801B}" srcOrd="0" destOrd="0" presId="urn:microsoft.com/office/officeart/2005/8/layout/hierarchy1"/>
-    <dgm:cxn modelId="{03939DF6-0A03-4E34-BA3F-B9EF207C0C63}" type="presOf" srcId="{34A3F913-E23D-4F20-B785-12BD03D9F127}" destId="{84D1EB0F-39E5-41FD-B839-A62CE71C5385}" srcOrd="0" destOrd="0" presId="urn:microsoft.com/office/officeart/2005/8/layout/hierarchy1"/>
+    <dgm:cxn modelId="{2647C74F-01A0-407B-BF9A-3DA5CB901942}" srcId="{A93FFD11-8FE1-4771-9BC9-750EC6EAF516}" destId="{A7166838-E5D3-4BAD-A80C-C0D786882662}" srcOrd="0" destOrd="0" parTransId="{A70E0DF8-AB36-4D50-BE16-395E4A625665}" sibTransId="{C0DD0B69-5E93-4A8F-B281-1B19B840D920}"/>
+    <dgm:cxn modelId="{A50856B4-24E4-4AD9-8ED3-87601E0F78FE}" type="presOf" srcId="{A9D586AC-0DC0-4987-937A-10E01CD17513}" destId="{5AACAFF0-DDE5-4553-9CE3-874BB6BAF8AC}" srcOrd="0" destOrd="0" presId="urn:microsoft.com/office/officeart/2005/8/layout/hierarchy1"/>
     <dgm:cxn modelId="{5E36255B-E2D5-46FE-9B17-5E2523768B9C}" srcId="{A9D586AC-0DC0-4987-937A-10E01CD17513}" destId="{1A1659B4-1E02-40B9-A468-A76AE074C7CD}" srcOrd="0" destOrd="0" parTransId="{3B414E7C-F3AE-4D16-8B49-7AB66317B4C5}" sibTransId="{09BB5F32-1C93-4B24-BB08-D0F183C9EFB5}"/>
-    <dgm:cxn modelId="{9C2489C1-2881-4DDC-8623-A3869341FAE4}" srcId="{FFA00069-65DC-4742-8F9D-459736AC1B51}" destId="{AEDF0F87-4CBA-48AA-A545-EFB73456DDC7}" srcOrd="0" destOrd="0" parTransId="{478EB832-7E3C-45B1-B38D-66C3EC075F80}" sibTransId="{E28BAE44-87A7-4167-A232-6007182D221D}"/>
+    <dgm:cxn modelId="{1D3A0381-0649-449C-AFDD-9778DC10F546}" type="presOf" srcId="{96746295-09BE-4733-8918-7A4CC243332B}" destId="{2FC058D6-E529-4DC1-8E75-5F6826BF6BDB}" srcOrd="0" destOrd="0" presId="urn:microsoft.com/office/officeart/2005/8/layout/hierarchy1"/>
+    <dgm:cxn modelId="{171F0845-789A-4452-89A4-D3FBE1101C7A}" type="presOf" srcId="{F3054785-74A8-454D-B358-10835FA128BA}" destId="{447823D9-3360-4444-9563-67428E41C0A4}" srcOrd="0" destOrd="0" presId="urn:microsoft.com/office/officeart/2005/8/layout/hierarchy1"/>
+    <dgm:cxn modelId="{BD46A7F5-60ED-4C1C-81CC-DB0177B019E6}" srcId="{1A1659B4-1E02-40B9-A468-A76AE074C7CD}" destId="{A93FFD11-8FE1-4771-9BC9-750EC6EAF516}" srcOrd="0" destOrd="0" parTransId="{96746295-09BE-4733-8918-7A4CC243332B}" sibTransId="{80410760-69C5-4CC6-84BF-2A83E4D6D2EA}"/>
+    <dgm:cxn modelId="{C808A678-EC9A-403F-AB5C-DB17B9BCBB4D}" srcId="{1A1659B4-1E02-40B9-A468-A76AE074C7CD}" destId="{FFA00069-65DC-4742-8F9D-459736AC1B51}" srcOrd="1" destOrd="0" parTransId="{F3054785-74A8-454D-B358-10835FA128BA}" sibTransId="{29C691D9-5FCC-4480-A741-BFEC579F9170}"/>
     <dgm:cxn modelId="{F73C6216-5427-4AE0-9A43-E85D2ACBBBE8}" type="presOf" srcId="{AEDF0F87-4CBA-48AA-A545-EFB73456DDC7}" destId="{E07DD245-D333-4D7A-9983-89CAFE5FFC2D}" srcOrd="0" destOrd="0" presId="urn:microsoft.com/office/officeart/2005/8/layout/hierarchy1"/>
-    <dgm:cxn modelId="{1D3A0381-0649-449C-AFDD-9778DC10F546}" type="presOf" srcId="{96746295-09BE-4733-8918-7A4CC243332B}" destId="{2FC058D6-E529-4DC1-8E75-5F6826BF6BDB}" srcOrd="0" destOrd="0" presId="urn:microsoft.com/office/officeart/2005/8/layout/hierarchy1"/>
-    <dgm:cxn modelId="{A50856B4-24E4-4AD9-8ED3-87601E0F78FE}" type="presOf" srcId="{A9D586AC-0DC0-4987-937A-10E01CD17513}" destId="{5AACAFF0-DDE5-4553-9CE3-874BB6BAF8AC}" srcOrd="0" destOrd="0" presId="urn:microsoft.com/office/officeart/2005/8/layout/hierarchy1"/>
-    <dgm:cxn modelId="{70DA79E3-5A1E-45DD-8D3D-5D0EBAB1A3E3}" srcId="{A93FFD11-8FE1-4771-9BC9-750EC6EAF516}" destId="{34A3F913-E23D-4F20-B785-12BD03D9F127}" srcOrd="1" destOrd="0" parTransId="{F83583D1-E3CB-45DA-86C9-56938FE82C72}" sibTransId="{DD4949CD-B95C-49B4-918A-2EFDED9F8946}"/>
-    <dgm:cxn modelId="{171F0845-789A-4452-89A4-D3FBE1101C7A}" type="presOf" srcId="{F3054785-74A8-454D-B358-10835FA128BA}" destId="{447823D9-3360-4444-9563-67428E41C0A4}" srcOrd="0" destOrd="0" presId="urn:microsoft.com/office/officeart/2005/8/layout/hierarchy1"/>
-    <dgm:cxn modelId="{44CF7797-9040-436F-AE5E-76354655FAEA}" type="presOf" srcId="{478EB832-7E3C-45B1-B38D-66C3EC075F80}" destId="{D2DE81DC-F755-47F2-A374-1CF7C0FCB1B9}" srcOrd="0" destOrd="0" presId="urn:microsoft.com/office/officeart/2005/8/layout/hierarchy1"/>
-    <dgm:cxn modelId="{C3618A2A-950C-4577-872B-13660D80C0CF}" type="presOf" srcId="{A7166838-E5D3-4BAD-A80C-C0D786882662}" destId="{944D84B1-D789-4A59-BEF5-0AB63BBCD9D6}" srcOrd="0" destOrd="0" presId="urn:microsoft.com/office/officeart/2005/8/layout/hierarchy1"/>
-    <dgm:cxn modelId="{C808A678-EC9A-403F-AB5C-DB17B9BCBB4D}" srcId="{1A1659B4-1E02-40B9-A468-A76AE074C7CD}" destId="{FFA00069-65DC-4742-8F9D-459736AC1B51}" srcOrd="1" destOrd="0" parTransId="{F3054785-74A8-454D-B358-10835FA128BA}" sibTransId="{29C691D9-5FCC-4480-A741-BFEC579F9170}"/>
-    <dgm:cxn modelId="{2647C74F-01A0-407B-BF9A-3DA5CB901942}" srcId="{A93FFD11-8FE1-4771-9BC9-750EC6EAF516}" destId="{A7166838-E5D3-4BAD-A80C-C0D786882662}" srcOrd="0" destOrd="0" parTransId="{A70E0DF8-AB36-4D50-BE16-395E4A625665}" sibTransId="{C0DD0B69-5E93-4A8F-B281-1B19B840D920}"/>
-    <dgm:cxn modelId="{BD46A7F5-60ED-4C1C-81CC-DB0177B019E6}" srcId="{1A1659B4-1E02-40B9-A468-A76AE074C7CD}" destId="{A93FFD11-8FE1-4771-9BC9-750EC6EAF516}" srcOrd="0" destOrd="0" parTransId="{96746295-09BE-4733-8918-7A4CC243332B}" sibTransId="{80410760-69C5-4CC6-84BF-2A83E4D6D2EA}"/>
-    <dgm:cxn modelId="{96C26215-A7DE-472B-B8EF-E8223AAFFAE3}" type="presOf" srcId="{FFA00069-65DC-4742-8F9D-459736AC1B51}" destId="{5D1714F9-5C4B-4AD9-AC99-11AB577DCF20}" srcOrd="0" destOrd="0" presId="urn:microsoft.com/office/officeart/2005/8/layout/hierarchy1"/>
-    <dgm:cxn modelId="{5362D74D-0B1A-480E-8B91-E8C0A061EA4B}" type="presOf" srcId="{A70E0DF8-AB36-4D50-BE16-395E4A625665}" destId="{D8D9E677-B8C6-4493-8058-C1866ECEBEBE}" srcOrd="0" destOrd="0" presId="urn:microsoft.com/office/officeart/2005/8/layout/hierarchy1"/>
-    <dgm:cxn modelId="{8E8EC62C-C650-485B-9A4A-765F009770E4}" type="presOf" srcId="{1A1659B4-1E02-40B9-A468-A76AE074C7CD}" destId="{480A3965-930F-4C23-BD73-7BF6C1E5941E}" srcOrd="0" destOrd="0" presId="urn:microsoft.com/office/officeart/2005/8/layout/hierarchy1"/>
     <dgm:cxn modelId="{E5FDA1D2-3D01-4DE0-BE36-F2907CA12350}" type="presParOf" srcId="{5AACAFF0-DDE5-4553-9CE3-874BB6BAF8AC}" destId="{C7453233-92DF-434F-A313-E0B793F98B4F}" srcOrd="0" destOrd="0" presId="urn:microsoft.com/office/officeart/2005/8/layout/hierarchy1"/>
     <dgm:cxn modelId="{BB8C405F-A679-47BB-86EA-1DD3F9EE2158}" type="presParOf" srcId="{C7453233-92DF-434F-A313-E0B793F98B4F}" destId="{796A3507-1375-4F1C-A3A3-C9F31F4C64FA}" srcOrd="0" destOrd="0" presId="urn:microsoft.com/office/officeart/2005/8/layout/hierarchy1"/>
     <dgm:cxn modelId="{7AF4E781-B5E3-406C-8B5F-482C1FE29DD7}" type="presParOf" srcId="{796A3507-1375-4F1C-A3A3-C9F31F4C64FA}" destId="{66E3B928-B225-4EA4-B3FE-4BF754D62AE0}" srcOrd="0" destOrd="0" presId="urn:microsoft.com/office/officeart/2005/8/layout/hierarchy1"/>
@@ -7458,698 +7461,6 @@
       <dsp:cNvGrpSpPr/>
     </dsp:nvGrpSpPr>
     <dsp:grpSpPr/>
-    <dsp:sp modelId="{739FD400-0D06-43EF-BEA8-1D7D98B6152C}">
-      <dsp:nvSpPr>
-        <dsp:cNvPr id="0" name=""/>
-        <dsp:cNvSpPr/>
-      </dsp:nvSpPr>
-      <dsp:spPr>
-        <a:xfrm>
-          <a:off x="2902660" y="465862"/>
-          <a:ext cx="3110079" cy="3110079"/>
-        </a:xfrm>
-        <a:prstGeom prst="blockArc">
-          <a:avLst>
-            <a:gd name="adj1" fmla="val 11880000"/>
-            <a:gd name="adj2" fmla="val 16200000"/>
-            <a:gd name="adj3" fmla="val 4642"/>
-          </a:avLst>
-        </a:prstGeom>
-        <a:solidFill>
-          <a:schemeClr val="accent1">
-            <a:tint val="60000"/>
-            <a:hueOff val="0"/>
-            <a:satOff val="0"/>
-            <a:lumOff val="0"/>
-            <a:alphaOff val="0"/>
-          </a:schemeClr>
-        </a:solidFill>
-        <a:ln>
-          <a:noFill/>
-        </a:ln>
-        <a:effectLst/>
-      </dsp:spPr>
-      <dsp:style>
-        <a:lnRef idx="0">
-          <a:scrgbClr r="0" g="0" b="0"/>
-        </a:lnRef>
-        <a:fillRef idx="1">
-          <a:scrgbClr r="0" g="0" b="0"/>
-        </a:fillRef>
-        <a:effectRef idx="0">
-          <a:scrgbClr r="0" g="0" b="0"/>
-        </a:effectRef>
-        <a:fontRef idx="minor">
-          <a:schemeClr val="lt1"/>
-        </a:fontRef>
-      </dsp:style>
-    </dsp:sp>
-    <dsp:sp modelId="{25AF2901-21E1-4D07-B36F-E096A8C7BC3C}">
-      <dsp:nvSpPr>
-        <dsp:cNvPr id="0" name=""/>
-        <dsp:cNvSpPr/>
-      </dsp:nvSpPr>
-      <dsp:spPr>
-        <a:xfrm>
-          <a:off x="2902660" y="465862"/>
-          <a:ext cx="3110079" cy="3110079"/>
-        </a:xfrm>
-        <a:prstGeom prst="blockArc">
-          <a:avLst>
-            <a:gd name="adj1" fmla="val 7560000"/>
-            <a:gd name="adj2" fmla="val 11880000"/>
-            <a:gd name="adj3" fmla="val 4642"/>
-          </a:avLst>
-        </a:prstGeom>
-        <a:solidFill>
-          <a:schemeClr val="accent1">
-            <a:tint val="60000"/>
-            <a:hueOff val="0"/>
-            <a:satOff val="0"/>
-            <a:lumOff val="0"/>
-            <a:alphaOff val="0"/>
-          </a:schemeClr>
-        </a:solidFill>
-        <a:ln>
-          <a:noFill/>
-        </a:ln>
-        <a:effectLst/>
-      </dsp:spPr>
-      <dsp:style>
-        <a:lnRef idx="0">
-          <a:scrgbClr r="0" g="0" b="0"/>
-        </a:lnRef>
-        <a:fillRef idx="1">
-          <a:scrgbClr r="0" g="0" b="0"/>
-        </a:fillRef>
-        <a:effectRef idx="0">
-          <a:scrgbClr r="0" g="0" b="0"/>
-        </a:effectRef>
-        <a:fontRef idx="minor">
-          <a:schemeClr val="lt1"/>
-        </a:fontRef>
-      </dsp:style>
-    </dsp:sp>
-    <dsp:sp modelId="{A0465FA4-78E1-4301-B040-CC586E21F61E}">
-      <dsp:nvSpPr>
-        <dsp:cNvPr id="0" name=""/>
-        <dsp:cNvSpPr/>
-      </dsp:nvSpPr>
-      <dsp:spPr>
-        <a:xfrm>
-          <a:off x="2902660" y="465862"/>
-          <a:ext cx="3110079" cy="3110079"/>
-        </a:xfrm>
-        <a:prstGeom prst="blockArc">
-          <a:avLst>
-            <a:gd name="adj1" fmla="val 3240000"/>
-            <a:gd name="adj2" fmla="val 7560000"/>
-            <a:gd name="adj3" fmla="val 4642"/>
-          </a:avLst>
-        </a:prstGeom>
-        <a:solidFill>
-          <a:schemeClr val="accent1">
-            <a:tint val="60000"/>
-            <a:hueOff val="0"/>
-            <a:satOff val="0"/>
-            <a:lumOff val="0"/>
-            <a:alphaOff val="0"/>
-          </a:schemeClr>
-        </a:solidFill>
-        <a:ln>
-          <a:noFill/>
-        </a:ln>
-        <a:effectLst/>
-      </dsp:spPr>
-      <dsp:style>
-        <a:lnRef idx="0">
-          <a:scrgbClr r="0" g="0" b="0"/>
-        </a:lnRef>
-        <a:fillRef idx="1">
-          <a:scrgbClr r="0" g="0" b="0"/>
-        </a:fillRef>
-        <a:effectRef idx="0">
-          <a:scrgbClr r="0" g="0" b="0"/>
-        </a:effectRef>
-        <a:fontRef idx="minor">
-          <a:schemeClr val="lt1"/>
-        </a:fontRef>
-      </dsp:style>
-    </dsp:sp>
-    <dsp:sp modelId="{AF1F1E69-5E4A-46EB-8090-6302E4C05691}">
-      <dsp:nvSpPr>
-        <dsp:cNvPr id="0" name=""/>
-        <dsp:cNvSpPr/>
-      </dsp:nvSpPr>
-      <dsp:spPr>
-        <a:xfrm>
-          <a:off x="2902660" y="465862"/>
-          <a:ext cx="3110079" cy="3110079"/>
-        </a:xfrm>
-        <a:prstGeom prst="blockArc">
-          <a:avLst>
-            <a:gd name="adj1" fmla="val 20520000"/>
-            <a:gd name="adj2" fmla="val 3240000"/>
-            <a:gd name="adj3" fmla="val 4642"/>
-          </a:avLst>
-        </a:prstGeom>
-        <a:solidFill>
-          <a:schemeClr val="accent1">
-            <a:tint val="60000"/>
-            <a:hueOff val="0"/>
-            <a:satOff val="0"/>
-            <a:lumOff val="0"/>
-            <a:alphaOff val="0"/>
-          </a:schemeClr>
-        </a:solidFill>
-        <a:ln>
-          <a:noFill/>
-        </a:ln>
-        <a:effectLst/>
-      </dsp:spPr>
-      <dsp:style>
-        <a:lnRef idx="0">
-          <a:scrgbClr r="0" g="0" b="0"/>
-        </a:lnRef>
-        <a:fillRef idx="1">
-          <a:scrgbClr r="0" g="0" b="0"/>
-        </a:fillRef>
-        <a:effectRef idx="0">
-          <a:scrgbClr r="0" g="0" b="0"/>
-        </a:effectRef>
-        <a:fontRef idx="minor">
-          <a:schemeClr val="lt1"/>
-        </a:fontRef>
-      </dsp:style>
-    </dsp:sp>
-    <dsp:sp modelId="{93C70AA8-5FE7-4EE1-B326-8781CA21C9BE}">
-      <dsp:nvSpPr>
-        <dsp:cNvPr id="0" name=""/>
-        <dsp:cNvSpPr/>
-      </dsp:nvSpPr>
-      <dsp:spPr>
-        <a:xfrm>
-          <a:off x="2902660" y="465862"/>
-          <a:ext cx="3110079" cy="3110079"/>
-        </a:xfrm>
-        <a:prstGeom prst="blockArc">
-          <a:avLst>
-            <a:gd name="adj1" fmla="val 16200000"/>
-            <a:gd name="adj2" fmla="val 20520000"/>
-            <a:gd name="adj3" fmla="val 4642"/>
-          </a:avLst>
-        </a:prstGeom>
-        <a:solidFill>
-          <a:schemeClr val="accent1">
-            <a:tint val="60000"/>
-            <a:hueOff val="0"/>
-            <a:satOff val="0"/>
-            <a:lumOff val="0"/>
-            <a:alphaOff val="0"/>
-          </a:schemeClr>
-        </a:solidFill>
-        <a:ln>
-          <a:noFill/>
-        </a:ln>
-        <a:effectLst/>
-      </dsp:spPr>
-      <dsp:style>
-        <a:lnRef idx="0">
-          <a:scrgbClr r="0" g="0" b="0"/>
-        </a:lnRef>
-        <a:fillRef idx="1">
-          <a:scrgbClr r="0" g="0" b="0"/>
-        </a:fillRef>
-        <a:effectRef idx="0">
-          <a:scrgbClr r="0" g="0" b="0"/>
-        </a:effectRef>
-        <a:fontRef idx="minor">
-          <a:schemeClr val="lt1"/>
-        </a:fontRef>
-      </dsp:style>
-    </dsp:sp>
-    <dsp:sp modelId="{954A9E8F-DD04-4A5E-891F-FB56C368327F}">
-      <dsp:nvSpPr>
-        <dsp:cNvPr id="0" name=""/>
-        <dsp:cNvSpPr/>
-      </dsp:nvSpPr>
-      <dsp:spPr>
-        <a:xfrm>
-          <a:off x="3741594" y="1304796"/>
-          <a:ext cx="1432210" cy="1432210"/>
-        </a:xfrm>
-        <a:prstGeom prst="ellipse">
-          <a:avLst/>
-        </a:prstGeom>
-        <a:solidFill>
-          <a:schemeClr val="accent1">
-            <a:hueOff val="0"/>
-            <a:satOff val="0"/>
-            <a:lumOff val="0"/>
-            <a:alphaOff val="0"/>
-          </a:schemeClr>
-        </a:solidFill>
-        <a:ln w="15875" cap="rnd" cmpd="sng" algn="ctr">
-          <a:solidFill>
-            <a:schemeClr val="lt1">
-              <a:hueOff val="0"/>
-              <a:satOff val="0"/>
-              <a:lumOff val="0"/>
-              <a:alphaOff val="0"/>
-            </a:schemeClr>
-          </a:solidFill>
-          <a:prstDash val="solid"/>
-        </a:ln>
-        <a:effectLst/>
-      </dsp:spPr>
-      <dsp:style>
-        <a:lnRef idx="2">
-          <a:scrgbClr r="0" g="0" b="0"/>
-        </a:lnRef>
-        <a:fillRef idx="1">
-          <a:scrgbClr r="0" g="0" b="0"/>
-        </a:fillRef>
-        <a:effectRef idx="0">
-          <a:scrgbClr r="0" g="0" b="0"/>
-        </a:effectRef>
-        <a:fontRef idx="minor">
-          <a:schemeClr val="lt1"/>
-        </a:fontRef>
-      </dsp:style>
-      <dsp:txBody>
-        <a:bodyPr spcFirstLastPara="0" vert="horz" wrap="square" lIns="39370" tIns="39370" rIns="39370" bIns="39370" numCol="1" spcCol="1270" anchor="ctr" anchorCtr="0">
-          <a:noAutofit/>
-        </a:bodyPr>
-        <a:lstStyle/>
-        <a:p>
-          <a:pPr lvl="0" algn="ctr" defTabSz="1377950">
-            <a:lnSpc>
-              <a:spcPct val="90000"/>
-            </a:lnSpc>
-            <a:spcBef>
-              <a:spcPct val="0"/>
-            </a:spcBef>
-            <a:spcAft>
-              <a:spcPct val="35000"/>
-            </a:spcAft>
-          </a:pPr>
-          <a:r>
-            <a:rPr lang="zh-CN" altLang="en-US" sz="3100" kern="1200" dirty="0" smtClean="0"/>
-            <a:t>资料管理</a:t>
-          </a:r>
-          <a:endParaRPr lang="zh-CN" altLang="en-US" sz="3100" kern="1200" dirty="0"/>
-        </a:p>
-      </dsp:txBody>
-      <dsp:txXfrm>
-        <a:off x="3951336" y="1514538"/>
-        <a:ext cx="1012726" cy="1012726"/>
-      </dsp:txXfrm>
-    </dsp:sp>
-    <dsp:sp modelId="{D664C048-8DF7-45F1-A6EA-AB636A7FAD47}">
-      <dsp:nvSpPr>
-        <dsp:cNvPr id="0" name=""/>
-        <dsp:cNvSpPr/>
-      </dsp:nvSpPr>
-      <dsp:spPr>
-        <a:xfrm>
-          <a:off x="3956426" y="680"/>
-          <a:ext cx="1002547" cy="1002547"/>
-        </a:xfrm>
-        <a:prstGeom prst="ellipse">
-          <a:avLst/>
-        </a:prstGeom>
-        <a:solidFill>
-          <a:schemeClr val="accent1">
-            <a:hueOff val="0"/>
-            <a:satOff val="0"/>
-            <a:lumOff val="0"/>
-            <a:alphaOff val="0"/>
-          </a:schemeClr>
-        </a:solidFill>
-        <a:ln w="15875" cap="rnd" cmpd="sng" algn="ctr">
-          <a:solidFill>
-            <a:schemeClr val="lt1">
-              <a:hueOff val="0"/>
-              <a:satOff val="0"/>
-              <a:lumOff val="0"/>
-              <a:alphaOff val="0"/>
-            </a:schemeClr>
-          </a:solidFill>
-          <a:prstDash val="solid"/>
-        </a:ln>
-        <a:effectLst/>
-      </dsp:spPr>
-      <dsp:style>
-        <a:lnRef idx="2">
-          <a:scrgbClr r="0" g="0" b="0"/>
-        </a:lnRef>
-        <a:fillRef idx="1">
-          <a:scrgbClr r="0" g="0" b="0"/>
-        </a:fillRef>
-        <a:effectRef idx="0">
-          <a:scrgbClr r="0" g="0" b="0"/>
-        </a:effectRef>
-        <a:fontRef idx="minor">
-          <a:schemeClr val="lt1"/>
-        </a:fontRef>
-      </dsp:style>
-      <dsp:txBody>
-        <a:bodyPr spcFirstLastPara="0" vert="horz" wrap="square" lIns="31750" tIns="31750" rIns="31750" bIns="31750" numCol="1" spcCol="1270" anchor="ctr" anchorCtr="0">
-          <a:noAutofit/>
-        </a:bodyPr>
-        <a:lstStyle/>
-        <a:p>
-          <a:pPr lvl="0" algn="ctr" defTabSz="1111250">
-            <a:lnSpc>
-              <a:spcPct val="90000"/>
-            </a:lnSpc>
-            <a:spcBef>
-              <a:spcPct val="0"/>
-            </a:spcBef>
-            <a:spcAft>
-              <a:spcPct val="35000"/>
-            </a:spcAft>
-          </a:pPr>
-          <a:r>
-            <a:rPr lang="zh-CN" altLang="en-US" sz="2500" kern="1200" dirty="0" smtClean="0"/>
-            <a:t>收集</a:t>
-          </a:r>
-          <a:endParaRPr lang="zh-CN" altLang="en-US" sz="2500" kern="1200" dirty="0"/>
-        </a:p>
-      </dsp:txBody>
-      <dsp:txXfrm>
-        <a:off x="4103246" y="147500"/>
-        <a:ext cx="708907" cy="708907"/>
-      </dsp:txXfrm>
-    </dsp:sp>
-    <dsp:sp modelId="{E3CC23A0-DAAF-4128-A122-893EA47ABEAA}">
-      <dsp:nvSpPr>
-        <dsp:cNvPr id="0" name=""/>
-        <dsp:cNvSpPr/>
-      </dsp:nvSpPr>
-      <dsp:spPr>
-        <a:xfrm>
-          <a:off x="5401031" y="1050247"/>
-          <a:ext cx="1002547" cy="1002547"/>
-        </a:xfrm>
-        <a:prstGeom prst="ellipse">
-          <a:avLst/>
-        </a:prstGeom>
-        <a:solidFill>
-          <a:schemeClr val="accent1">
-            <a:hueOff val="0"/>
-            <a:satOff val="0"/>
-            <a:lumOff val="0"/>
-            <a:alphaOff val="0"/>
-          </a:schemeClr>
-        </a:solidFill>
-        <a:ln w="15875" cap="rnd" cmpd="sng" algn="ctr">
-          <a:solidFill>
-            <a:schemeClr val="lt1">
-              <a:hueOff val="0"/>
-              <a:satOff val="0"/>
-              <a:lumOff val="0"/>
-              <a:alphaOff val="0"/>
-            </a:schemeClr>
-          </a:solidFill>
-          <a:prstDash val="solid"/>
-        </a:ln>
-        <a:effectLst/>
-      </dsp:spPr>
-      <dsp:style>
-        <a:lnRef idx="2">
-          <a:scrgbClr r="0" g="0" b="0"/>
-        </a:lnRef>
-        <a:fillRef idx="1">
-          <a:scrgbClr r="0" g="0" b="0"/>
-        </a:fillRef>
-        <a:effectRef idx="0">
-          <a:scrgbClr r="0" g="0" b="0"/>
-        </a:effectRef>
-        <a:fontRef idx="minor">
-          <a:schemeClr val="lt1"/>
-        </a:fontRef>
-      </dsp:style>
-      <dsp:txBody>
-        <a:bodyPr spcFirstLastPara="0" vert="horz" wrap="square" lIns="31750" tIns="31750" rIns="31750" bIns="31750" numCol="1" spcCol="1270" anchor="ctr" anchorCtr="0">
-          <a:noAutofit/>
-        </a:bodyPr>
-        <a:lstStyle/>
-        <a:p>
-          <a:pPr lvl="0" algn="ctr" defTabSz="1111250">
-            <a:lnSpc>
-              <a:spcPct val="90000"/>
-            </a:lnSpc>
-            <a:spcBef>
-              <a:spcPct val="0"/>
-            </a:spcBef>
-            <a:spcAft>
-              <a:spcPct val="35000"/>
-            </a:spcAft>
-          </a:pPr>
-          <a:r>
-            <a:rPr lang="zh-CN" altLang="en-US" sz="2500" kern="1200" dirty="0" smtClean="0"/>
-            <a:t>共享</a:t>
-          </a:r>
-          <a:endParaRPr lang="zh-CN" altLang="en-US" sz="2500" kern="1200" dirty="0"/>
-        </a:p>
-      </dsp:txBody>
-      <dsp:txXfrm>
-        <a:off x="5547851" y="1197067"/>
-        <a:ext cx="708907" cy="708907"/>
-      </dsp:txXfrm>
-    </dsp:sp>
-    <dsp:sp modelId="{00AF9443-F145-4865-B227-039A0D11F73A}">
-      <dsp:nvSpPr>
-        <dsp:cNvPr id="0" name=""/>
-        <dsp:cNvSpPr/>
-      </dsp:nvSpPr>
-      <dsp:spPr>
-        <a:xfrm>
-          <a:off x="4849241" y="2748482"/>
-          <a:ext cx="1002547" cy="1002547"/>
-        </a:xfrm>
-        <a:prstGeom prst="ellipse">
-          <a:avLst/>
-        </a:prstGeom>
-        <a:solidFill>
-          <a:schemeClr val="accent1">
-            <a:hueOff val="0"/>
-            <a:satOff val="0"/>
-            <a:lumOff val="0"/>
-            <a:alphaOff val="0"/>
-          </a:schemeClr>
-        </a:solidFill>
-        <a:ln w="15875" cap="rnd" cmpd="sng" algn="ctr">
-          <a:solidFill>
-            <a:schemeClr val="lt1">
-              <a:hueOff val="0"/>
-              <a:satOff val="0"/>
-              <a:lumOff val="0"/>
-              <a:alphaOff val="0"/>
-            </a:schemeClr>
-          </a:solidFill>
-          <a:prstDash val="solid"/>
-        </a:ln>
-        <a:effectLst/>
-      </dsp:spPr>
-      <dsp:style>
-        <a:lnRef idx="2">
-          <a:scrgbClr r="0" g="0" b="0"/>
-        </a:lnRef>
-        <a:fillRef idx="1">
-          <a:scrgbClr r="0" g="0" b="0"/>
-        </a:fillRef>
-        <a:effectRef idx="0">
-          <a:scrgbClr r="0" g="0" b="0"/>
-        </a:effectRef>
-        <a:fontRef idx="minor">
-          <a:schemeClr val="lt1"/>
-        </a:fontRef>
-      </dsp:style>
-      <dsp:txBody>
-        <a:bodyPr spcFirstLastPara="0" vert="horz" wrap="square" lIns="31750" tIns="31750" rIns="31750" bIns="31750" numCol="1" spcCol="1270" anchor="ctr" anchorCtr="0">
-          <a:noAutofit/>
-        </a:bodyPr>
-        <a:lstStyle/>
-        <a:p>
-          <a:pPr lvl="0" algn="ctr" defTabSz="1111250">
-            <a:lnSpc>
-              <a:spcPct val="90000"/>
-            </a:lnSpc>
-            <a:spcBef>
-              <a:spcPct val="0"/>
-            </a:spcBef>
-            <a:spcAft>
-              <a:spcPct val="35000"/>
-            </a:spcAft>
-          </a:pPr>
-          <a:r>
-            <a:rPr lang="zh-CN" altLang="en-US" sz="2500" kern="1200" dirty="0" smtClean="0"/>
-            <a:t>展示</a:t>
-          </a:r>
-          <a:endParaRPr lang="zh-CN" altLang="en-US" sz="2500" kern="1200" dirty="0"/>
-        </a:p>
-      </dsp:txBody>
-      <dsp:txXfrm>
-        <a:off x="4996061" y="2895302"/>
-        <a:ext cx="708907" cy="708907"/>
-      </dsp:txXfrm>
-    </dsp:sp>
-    <dsp:sp modelId="{FEF4CB90-560A-4350-B763-E5A7377BFB1F}">
-      <dsp:nvSpPr>
-        <dsp:cNvPr id="0" name=""/>
-        <dsp:cNvSpPr/>
-      </dsp:nvSpPr>
-      <dsp:spPr>
-        <a:xfrm>
-          <a:off x="3063611" y="2748482"/>
-          <a:ext cx="1002547" cy="1002547"/>
-        </a:xfrm>
-        <a:prstGeom prst="ellipse">
-          <a:avLst/>
-        </a:prstGeom>
-        <a:solidFill>
-          <a:schemeClr val="accent1">
-            <a:hueOff val="0"/>
-            <a:satOff val="0"/>
-            <a:lumOff val="0"/>
-            <a:alphaOff val="0"/>
-          </a:schemeClr>
-        </a:solidFill>
-        <a:ln w="15875" cap="rnd" cmpd="sng" algn="ctr">
-          <a:solidFill>
-            <a:schemeClr val="lt1">
-              <a:hueOff val="0"/>
-              <a:satOff val="0"/>
-              <a:lumOff val="0"/>
-              <a:alphaOff val="0"/>
-            </a:schemeClr>
-          </a:solidFill>
-          <a:prstDash val="solid"/>
-        </a:ln>
-        <a:effectLst/>
-      </dsp:spPr>
-      <dsp:style>
-        <a:lnRef idx="2">
-          <a:scrgbClr r="0" g="0" b="0"/>
-        </a:lnRef>
-        <a:fillRef idx="1">
-          <a:scrgbClr r="0" g="0" b="0"/>
-        </a:fillRef>
-        <a:effectRef idx="0">
-          <a:scrgbClr r="0" g="0" b="0"/>
-        </a:effectRef>
-        <a:fontRef idx="minor">
-          <a:schemeClr val="lt1"/>
-        </a:fontRef>
-      </dsp:style>
-      <dsp:txBody>
-        <a:bodyPr spcFirstLastPara="0" vert="horz" wrap="square" lIns="31750" tIns="31750" rIns="31750" bIns="31750" numCol="1" spcCol="1270" anchor="ctr" anchorCtr="0">
-          <a:noAutofit/>
-        </a:bodyPr>
-        <a:lstStyle/>
-        <a:p>
-          <a:pPr lvl="0" algn="ctr" defTabSz="1111250">
-            <a:lnSpc>
-              <a:spcPct val="90000"/>
-            </a:lnSpc>
-            <a:spcBef>
-              <a:spcPct val="0"/>
-            </a:spcBef>
-            <a:spcAft>
-              <a:spcPct val="35000"/>
-            </a:spcAft>
-          </a:pPr>
-          <a:r>
-            <a:rPr lang="zh-CN" altLang="en-US" sz="2500" kern="1200" dirty="0" smtClean="0"/>
-            <a:t>培训</a:t>
-          </a:r>
-          <a:endParaRPr lang="zh-CN" altLang="en-US" sz="2500" kern="1200" dirty="0"/>
-        </a:p>
-      </dsp:txBody>
-      <dsp:txXfrm>
-        <a:off x="3210431" y="2895302"/>
-        <a:ext cx="708907" cy="708907"/>
-      </dsp:txXfrm>
-    </dsp:sp>
-    <dsp:sp modelId="{523F2754-2591-45DA-9856-E335CAC5F5D8}">
-      <dsp:nvSpPr>
-        <dsp:cNvPr id="0" name=""/>
-        <dsp:cNvSpPr/>
-      </dsp:nvSpPr>
-      <dsp:spPr>
-        <a:xfrm>
-          <a:off x="2511821" y="1050247"/>
-          <a:ext cx="1002547" cy="1002547"/>
-        </a:xfrm>
-        <a:prstGeom prst="ellipse">
-          <a:avLst/>
-        </a:prstGeom>
-        <a:solidFill>
-          <a:schemeClr val="accent1">
-            <a:hueOff val="0"/>
-            <a:satOff val="0"/>
-            <a:lumOff val="0"/>
-            <a:alphaOff val="0"/>
-          </a:schemeClr>
-        </a:solidFill>
-        <a:ln w="15875" cap="rnd" cmpd="sng" algn="ctr">
-          <a:solidFill>
-            <a:schemeClr val="lt1">
-              <a:hueOff val="0"/>
-              <a:satOff val="0"/>
-              <a:lumOff val="0"/>
-              <a:alphaOff val="0"/>
-            </a:schemeClr>
-          </a:solidFill>
-          <a:prstDash val="solid"/>
-        </a:ln>
-        <a:effectLst/>
-      </dsp:spPr>
-      <dsp:style>
-        <a:lnRef idx="2">
-          <a:scrgbClr r="0" g="0" b="0"/>
-        </a:lnRef>
-        <a:fillRef idx="1">
-          <a:scrgbClr r="0" g="0" b="0"/>
-        </a:fillRef>
-        <a:effectRef idx="0">
-          <a:scrgbClr r="0" g="0" b="0"/>
-        </a:effectRef>
-        <a:fontRef idx="minor">
-          <a:schemeClr val="lt1"/>
-        </a:fontRef>
-      </dsp:style>
-      <dsp:txBody>
-        <a:bodyPr spcFirstLastPara="0" vert="horz" wrap="square" lIns="31750" tIns="31750" rIns="31750" bIns="31750" numCol="1" spcCol="1270" anchor="ctr" anchorCtr="0">
-          <a:noAutofit/>
-        </a:bodyPr>
-        <a:lstStyle/>
-        <a:p>
-          <a:pPr lvl="0" algn="ctr" defTabSz="1111250">
-            <a:lnSpc>
-              <a:spcPct val="90000"/>
-            </a:lnSpc>
-            <a:spcBef>
-              <a:spcPct val="0"/>
-            </a:spcBef>
-            <a:spcAft>
-              <a:spcPct val="35000"/>
-            </a:spcAft>
-          </a:pPr>
-          <a:r>
-            <a:rPr lang="zh-CN" altLang="en-US" sz="2500" kern="1200" dirty="0" smtClean="0"/>
-            <a:t>策划</a:t>
-          </a:r>
-          <a:endParaRPr lang="zh-CN" altLang="en-US" sz="2500" kern="1200" dirty="0"/>
-        </a:p>
-      </dsp:txBody>
-      <dsp:txXfrm>
-        <a:off x="2658641" y="1197067"/>
-        <a:ext cx="708907" cy="708907"/>
-      </dsp:txXfrm>
-    </dsp:sp>
   </dsp:spTree>
 </dsp:drawing>
 </file>
@@ -8162,461 +7473,6 @@
       <dsp:cNvGrpSpPr/>
     </dsp:nvGrpSpPr>
     <dsp:grpSpPr/>
-    <dsp:sp modelId="{CED100DE-6C9E-49BA-96B8-E6EBB4778980}">
-      <dsp:nvSpPr>
-        <dsp:cNvPr id="0" name=""/>
-        <dsp:cNvSpPr/>
-      </dsp:nvSpPr>
-      <dsp:spPr>
-        <a:xfrm>
-          <a:off x="0" y="0"/>
-          <a:ext cx="8915400" cy="1700212"/>
-        </a:xfrm>
-        <a:prstGeom prst="roundRect">
-          <a:avLst>
-            <a:gd name="adj" fmla="val 10000"/>
-          </a:avLst>
-        </a:prstGeom>
-        <a:solidFill>
-          <a:schemeClr val="accent1">
-            <a:alpha val="90000"/>
-            <a:tint val="40000"/>
-            <a:hueOff val="0"/>
-            <a:satOff val="0"/>
-            <a:lumOff val="0"/>
-            <a:alphaOff val="0"/>
-          </a:schemeClr>
-        </a:solidFill>
-        <a:ln w="15875" cap="rnd" cmpd="sng" algn="ctr">
-          <a:solidFill>
-            <a:schemeClr val="accent1">
-              <a:alpha val="90000"/>
-              <a:tint val="40000"/>
-              <a:hueOff val="0"/>
-              <a:satOff val="0"/>
-              <a:lumOff val="0"/>
-              <a:alphaOff val="0"/>
-            </a:schemeClr>
-          </a:solidFill>
-          <a:prstDash val="solid"/>
-        </a:ln>
-        <a:effectLst/>
-      </dsp:spPr>
-      <dsp:style>
-        <a:lnRef idx="2">
-          <a:scrgbClr r="0" g="0" b="0"/>
-        </a:lnRef>
-        <a:fillRef idx="1">
-          <a:scrgbClr r="0" g="0" b="0"/>
-        </a:fillRef>
-        <a:effectRef idx="0">
-          <a:scrgbClr r="0" g="0" b="0"/>
-        </a:effectRef>
-        <a:fontRef idx="minor"/>
-      </dsp:style>
-    </dsp:sp>
-    <dsp:sp modelId="{59EAD6FD-8547-4A36-9200-F5E5BEB0F95B}">
-      <dsp:nvSpPr>
-        <dsp:cNvPr id="0" name=""/>
-        <dsp:cNvSpPr/>
-      </dsp:nvSpPr>
-      <dsp:spPr>
-        <a:xfrm>
-          <a:off x="267462" y="226695"/>
-          <a:ext cx="2618898" cy="1246822"/>
-        </a:xfrm>
-        <a:prstGeom prst="roundRect">
-          <a:avLst>
-            <a:gd name="adj" fmla="val 10000"/>
-          </a:avLst>
-        </a:prstGeom>
-        <a:blipFill>
-          <a:blip xmlns:r="http://schemas.openxmlformats.org/officeDocument/2006/relationships" r:embed="rId1">
-            <a:extLst>
-              <a:ext uri="{28A0092B-C50C-407E-A947-70E740481C1C}">
-                <a14:useLocalDpi xmlns:a14="http://schemas.microsoft.com/office/drawing/2010/main" val="0"/>
-              </a:ext>
-            </a:extLst>
-          </a:blip>
-          <a:srcRect/>
-          <a:stretch>
-            <a:fillRect t="-31000" b="-31000"/>
-          </a:stretch>
-        </a:blipFill>
-        <a:ln w="15875" cap="rnd" cmpd="sng" algn="ctr">
-          <a:solidFill>
-            <a:schemeClr val="lt1">
-              <a:hueOff val="0"/>
-              <a:satOff val="0"/>
-              <a:lumOff val="0"/>
-              <a:alphaOff val="0"/>
-            </a:schemeClr>
-          </a:solidFill>
-          <a:prstDash val="solid"/>
-        </a:ln>
-        <a:effectLst/>
-      </dsp:spPr>
-      <dsp:style>
-        <a:lnRef idx="2">
-          <a:scrgbClr r="0" g="0" b="0"/>
-        </a:lnRef>
-        <a:fillRef idx="1">
-          <a:scrgbClr r="0" g="0" b="0"/>
-        </a:fillRef>
-        <a:effectRef idx="0">
-          <a:scrgbClr r="0" g="0" b="0"/>
-        </a:effectRef>
-        <a:fontRef idx="minor"/>
-      </dsp:style>
-    </dsp:sp>
-    <dsp:sp modelId="{56D2181B-948A-453E-A502-B0443AE625CD}">
-      <dsp:nvSpPr>
-        <dsp:cNvPr id="0" name=""/>
-        <dsp:cNvSpPr/>
-      </dsp:nvSpPr>
-      <dsp:spPr>
-        <a:xfrm rot="10800000">
-          <a:off x="267462" y="1700212"/>
-          <a:ext cx="2618898" cy="2078037"/>
-        </a:xfrm>
-        <a:prstGeom prst="round2SameRect">
-          <a:avLst>
-            <a:gd name="adj1" fmla="val 10500"/>
-            <a:gd name="adj2" fmla="val 0"/>
-          </a:avLst>
-        </a:prstGeom>
-        <a:solidFill>
-          <a:schemeClr val="accent1">
-            <a:hueOff val="0"/>
-            <a:satOff val="0"/>
-            <a:lumOff val="0"/>
-            <a:alphaOff val="0"/>
-          </a:schemeClr>
-        </a:solidFill>
-        <a:ln w="15875" cap="rnd" cmpd="sng" algn="ctr">
-          <a:solidFill>
-            <a:schemeClr val="lt1">
-              <a:hueOff val="0"/>
-              <a:satOff val="0"/>
-              <a:lumOff val="0"/>
-              <a:alphaOff val="0"/>
-            </a:schemeClr>
-          </a:solidFill>
-          <a:prstDash val="solid"/>
-        </a:ln>
-        <a:effectLst/>
-      </dsp:spPr>
-      <dsp:style>
-        <a:lnRef idx="2">
-          <a:scrgbClr r="0" g="0" b="0"/>
-        </a:lnRef>
-        <a:fillRef idx="1">
-          <a:scrgbClr r="0" g="0" b="0"/>
-        </a:fillRef>
-        <a:effectRef idx="0">
-          <a:scrgbClr r="0" g="0" b="0"/>
-        </a:effectRef>
-        <a:fontRef idx="minor">
-          <a:schemeClr val="lt1"/>
-        </a:fontRef>
-      </dsp:style>
-      <dsp:txBody>
-        <a:bodyPr spcFirstLastPara="0" vert="horz" wrap="square" lIns="270256" tIns="270256" rIns="270256" bIns="270256" numCol="1" spcCol="1270" anchor="t" anchorCtr="0">
-          <a:noAutofit/>
-        </a:bodyPr>
-        <a:lstStyle/>
-        <a:p>
-          <a:pPr lvl="0" algn="ctr" defTabSz="1689100">
-            <a:lnSpc>
-              <a:spcPct val="90000"/>
-            </a:lnSpc>
-            <a:spcBef>
-              <a:spcPct val="0"/>
-            </a:spcBef>
-            <a:spcAft>
-              <a:spcPct val="35000"/>
-            </a:spcAft>
-          </a:pPr>
-          <a:r>
-            <a:rPr lang="zh-CN" altLang="en-US" sz="3800" kern="1200" dirty="0" smtClean="0"/>
-            <a:t>规范、图集查阅</a:t>
-          </a:r>
-          <a:endParaRPr lang="zh-CN" altLang="en-US" sz="3800" kern="1200" dirty="0"/>
-        </a:p>
-      </dsp:txBody>
-      <dsp:txXfrm rot="10800000">
-        <a:off x="331369" y="1700212"/>
-        <a:ext cx="2491084" cy="2014130"/>
-      </dsp:txXfrm>
-    </dsp:sp>
-    <dsp:sp modelId="{F3AC6869-BA95-4DCD-8E41-A85BB66D1D11}">
-      <dsp:nvSpPr>
-        <dsp:cNvPr id="0" name=""/>
-        <dsp:cNvSpPr/>
-      </dsp:nvSpPr>
-      <dsp:spPr>
-        <a:xfrm>
-          <a:off x="3148250" y="226695"/>
-          <a:ext cx="2618898" cy="1246822"/>
-        </a:xfrm>
-        <a:prstGeom prst="roundRect">
-          <a:avLst>
-            <a:gd name="adj" fmla="val 10000"/>
-          </a:avLst>
-        </a:prstGeom>
-        <a:blipFill>
-          <a:blip xmlns:r="http://schemas.openxmlformats.org/officeDocument/2006/relationships" r:embed="rId2">
-            <a:extLst>
-              <a:ext uri="{28A0092B-C50C-407E-A947-70E740481C1C}">
-                <a14:useLocalDpi xmlns:a14="http://schemas.microsoft.com/office/drawing/2010/main" val="0"/>
-              </a:ext>
-            </a:extLst>
-          </a:blip>
-          <a:srcRect/>
-          <a:stretch>
-            <a:fillRect t="-3000" b="-3000"/>
-          </a:stretch>
-        </a:blipFill>
-        <a:ln w="15875" cap="rnd" cmpd="sng" algn="ctr">
-          <a:solidFill>
-            <a:schemeClr val="lt1">
-              <a:hueOff val="0"/>
-              <a:satOff val="0"/>
-              <a:lumOff val="0"/>
-              <a:alphaOff val="0"/>
-            </a:schemeClr>
-          </a:solidFill>
-          <a:prstDash val="solid"/>
-        </a:ln>
-        <a:effectLst/>
-      </dsp:spPr>
-      <dsp:style>
-        <a:lnRef idx="2">
-          <a:scrgbClr r="0" g="0" b="0"/>
-        </a:lnRef>
-        <a:fillRef idx="1">
-          <a:scrgbClr r="0" g="0" b="0"/>
-        </a:fillRef>
-        <a:effectRef idx="0">
-          <a:scrgbClr r="0" g="0" b="0"/>
-        </a:effectRef>
-        <a:fontRef idx="minor"/>
-      </dsp:style>
-    </dsp:sp>
-    <dsp:sp modelId="{71B01A2B-70AE-453A-9E0A-950895FE537B}">
-      <dsp:nvSpPr>
-        <dsp:cNvPr id="0" name=""/>
-        <dsp:cNvSpPr/>
-      </dsp:nvSpPr>
-      <dsp:spPr>
-        <a:xfrm rot="10800000">
-          <a:off x="3148250" y="1700212"/>
-          <a:ext cx="2618898" cy="2078037"/>
-        </a:xfrm>
-        <a:prstGeom prst="round2SameRect">
-          <a:avLst>
-            <a:gd name="adj1" fmla="val 10500"/>
-            <a:gd name="adj2" fmla="val 0"/>
-          </a:avLst>
-        </a:prstGeom>
-        <a:solidFill>
-          <a:schemeClr val="accent1">
-            <a:hueOff val="0"/>
-            <a:satOff val="0"/>
-            <a:lumOff val="0"/>
-            <a:alphaOff val="0"/>
-          </a:schemeClr>
-        </a:solidFill>
-        <a:ln w="15875" cap="rnd" cmpd="sng" algn="ctr">
-          <a:solidFill>
-            <a:schemeClr val="lt1">
-              <a:hueOff val="0"/>
-              <a:satOff val="0"/>
-              <a:lumOff val="0"/>
-              <a:alphaOff val="0"/>
-            </a:schemeClr>
-          </a:solidFill>
-          <a:prstDash val="solid"/>
-        </a:ln>
-        <a:effectLst/>
-      </dsp:spPr>
-      <dsp:style>
-        <a:lnRef idx="2">
-          <a:scrgbClr r="0" g="0" b="0"/>
-        </a:lnRef>
-        <a:fillRef idx="1">
-          <a:scrgbClr r="0" g="0" b="0"/>
-        </a:fillRef>
-        <a:effectRef idx="0">
-          <a:scrgbClr r="0" g="0" b="0"/>
-        </a:effectRef>
-        <a:fontRef idx="minor">
-          <a:schemeClr val="lt1"/>
-        </a:fontRef>
-      </dsp:style>
-      <dsp:txBody>
-        <a:bodyPr spcFirstLastPara="0" vert="horz" wrap="square" lIns="270256" tIns="270256" rIns="270256" bIns="270256" numCol="1" spcCol="1270" anchor="t" anchorCtr="0">
-          <a:noAutofit/>
-        </a:bodyPr>
-        <a:lstStyle/>
-        <a:p>
-          <a:pPr lvl="0" algn="ctr" defTabSz="1689100">
-            <a:lnSpc>
-              <a:spcPct val="90000"/>
-            </a:lnSpc>
-            <a:spcBef>
-              <a:spcPct val="0"/>
-            </a:spcBef>
-            <a:spcAft>
-              <a:spcPct val="35000"/>
-            </a:spcAft>
-          </a:pPr>
-          <a:r>
-            <a:rPr lang="zh-CN" altLang="en-US" sz="3800" kern="1200" dirty="0" smtClean="0"/>
-            <a:t>全局搜索</a:t>
-          </a:r>
-          <a:endParaRPr lang="zh-CN" altLang="en-US" sz="3800" kern="1200" dirty="0"/>
-        </a:p>
-      </dsp:txBody>
-      <dsp:txXfrm rot="10800000">
-        <a:off x="3212157" y="1700212"/>
-        <a:ext cx="2491084" cy="2014130"/>
-      </dsp:txXfrm>
-    </dsp:sp>
-    <dsp:sp modelId="{53E9B2AD-7393-4687-BDC0-FC545788BE36}">
-      <dsp:nvSpPr>
-        <dsp:cNvPr id="0" name=""/>
-        <dsp:cNvSpPr/>
-      </dsp:nvSpPr>
-      <dsp:spPr>
-        <a:xfrm>
-          <a:off x="6029039" y="226695"/>
-          <a:ext cx="2618898" cy="1246822"/>
-        </a:xfrm>
-        <a:prstGeom prst="roundRect">
-          <a:avLst>
-            <a:gd name="adj" fmla="val 10000"/>
-          </a:avLst>
-        </a:prstGeom>
-        <a:blipFill>
-          <a:blip xmlns:r="http://schemas.openxmlformats.org/officeDocument/2006/relationships" r:embed="rId3">
-            <a:extLst>
-              <a:ext uri="{28A0092B-C50C-407E-A947-70E740481C1C}">
-                <a14:useLocalDpi xmlns:a14="http://schemas.microsoft.com/office/drawing/2010/main" val="0"/>
-              </a:ext>
-            </a:extLst>
-          </a:blip>
-          <a:srcRect/>
-          <a:stretch>
-            <a:fillRect t="-24000" b="-24000"/>
-          </a:stretch>
-        </a:blipFill>
-        <a:ln w="15875" cap="rnd" cmpd="sng" algn="ctr">
-          <a:solidFill>
-            <a:schemeClr val="lt1">
-              <a:hueOff val="0"/>
-              <a:satOff val="0"/>
-              <a:lumOff val="0"/>
-              <a:alphaOff val="0"/>
-            </a:schemeClr>
-          </a:solidFill>
-          <a:prstDash val="solid"/>
-        </a:ln>
-        <a:effectLst/>
-      </dsp:spPr>
-      <dsp:style>
-        <a:lnRef idx="2">
-          <a:scrgbClr r="0" g="0" b="0"/>
-        </a:lnRef>
-        <a:fillRef idx="1">
-          <a:scrgbClr r="0" g="0" b="0"/>
-        </a:fillRef>
-        <a:effectRef idx="0">
-          <a:scrgbClr r="0" g="0" b="0"/>
-        </a:effectRef>
-        <a:fontRef idx="minor"/>
-      </dsp:style>
-    </dsp:sp>
-    <dsp:sp modelId="{7D5CAACF-AACF-4F0E-8429-2A673FE7AA6C}">
-      <dsp:nvSpPr>
-        <dsp:cNvPr id="0" name=""/>
-        <dsp:cNvSpPr/>
-      </dsp:nvSpPr>
-      <dsp:spPr>
-        <a:xfrm rot="10800000">
-          <a:off x="6029039" y="1700212"/>
-          <a:ext cx="2618898" cy="2078037"/>
-        </a:xfrm>
-        <a:prstGeom prst="round2SameRect">
-          <a:avLst>
-            <a:gd name="adj1" fmla="val 10500"/>
-            <a:gd name="adj2" fmla="val 0"/>
-          </a:avLst>
-        </a:prstGeom>
-        <a:solidFill>
-          <a:schemeClr val="accent1">
-            <a:hueOff val="0"/>
-            <a:satOff val="0"/>
-            <a:lumOff val="0"/>
-            <a:alphaOff val="0"/>
-          </a:schemeClr>
-        </a:solidFill>
-        <a:ln w="15875" cap="rnd" cmpd="sng" algn="ctr">
-          <a:solidFill>
-            <a:schemeClr val="lt1">
-              <a:hueOff val="0"/>
-              <a:satOff val="0"/>
-              <a:lumOff val="0"/>
-              <a:alphaOff val="0"/>
-            </a:schemeClr>
-          </a:solidFill>
-          <a:prstDash val="solid"/>
-        </a:ln>
-        <a:effectLst/>
-      </dsp:spPr>
-      <dsp:style>
-        <a:lnRef idx="2">
-          <a:scrgbClr r="0" g="0" b="0"/>
-        </a:lnRef>
-        <a:fillRef idx="1">
-          <a:scrgbClr r="0" g="0" b="0"/>
-        </a:fillRef>
-        <a:effectRef idx="0">
-          <a:scrgbClr r="0" g="0" b="0"/>
-        </a:effectRef>
-        <a:fontRef idx="minor">
-          <a:schemeClr val="lt1"/>
-        </a:fontRef>
-      </dsp:style>
-      <dsp:txBody>
-        <a:bodyPr spcFirstLastPara="0" vert="horz" wrap="square" lIns="270256" tIns="270256" rIns="270256" bIns="270256" numCol="1" spcCol="1270" anchor="t" anchorCtr="0">
-          <a:noAutofit/>
-        </a:bodyPr>
-        <a:lstStyle/>
-        <a:p>
-          <a:pPr lvl="0" algn="ctr" defTabSz="1689100">
-            <a:lnSpc>
-              <a:spcPct val="90000"/>
-            </a:lnSpc>
-            <a:spcBef>
-              <a:spcPct val="0"/>
-            </a:spcBef>
-            <a:spcAft>
-              <a:spcPct val="35000"/>
-            </a:spcAft>
-          </a:pPr>
-          <a:r>
-            <a:rPr lang="zh-CN" altLang="en-US" sz="3800" kern="1200" dirty="0" smtClean="0"/>
-            <a:t>简易论坛</a:t>
-          </a:r>
-          <a:endParaRPr lang="zh-CN" altLang="en-US" sz="3800" kern="1200" dirty="0"/>
-        </a:p>
-      </dsp:txBody>
-      <dsp:txXfrm rot="10800000">
-        <a:off x="6092946" y="1700212"/>
-        <a:ext cx="2491084" cy="2014130"/>
-      </dsp:txXfrm>
-    </dsp:sp>
   </dsp:spTree>
 </dsp:drawing>
 </file>
@@ -8629,447 +7485,6 @@
       <dsp:cNvGrpSpPr/>
     </dsp:nvGrpSpPr>
     <dsp:grpSpPr/>
-    <dsp:sp modelId="{367529FE-7A17-47BE-B130-77D76A1D9BC8}">
-      <dsp:nvSpPr>
-        <dsp:cNvPr id="0" name=""/>
-        <dsp:cNvSpPr/>
-      </dsp:nvSpPr>
-      <dsp:spPr>
-        <a:xfrm>
-          <a:off x="1871" y="0"/>
-          <a:ext cx="2912305" cy="3778250"/>
-        </a:xfrm>
-        <a:prstGeom prst="roundRect">
-          <a:avLst>
-            <a:gd name="adj" fmla="val 10000"/>
-          </a:avLst>
-        </a:prstGeom>
-        <a:solidFill>
-          <a:schemeClr val="accent1">
-            <a:hueOff val="0"/>
-            <a:satOff val="0"/>
-            <a:lumOff val="0"/>
-            <a:alphaOff val="0"/>
-          </a:schemeClr>
-        </a:solidFill>
-        <a:ln w="15875" cap="rnd" cmpd="sng" algn="ctr">
-          <a:solidFill>
-            <a:schemeClr val="lt1">
-              <a:hueOff val="0"/>
-              <a:satOff val="0"/>
-              <a:lumOff val="0"/>
-              <a:alphaOff val="0"/>
-            </a:schemeClr>
-          </a:solidFill>
-          <a:prstDash val="solid"/>
-        </a:ln>
-        <a:effectLst/>
-      </dsp:spPr>
-      <dsp:style>
-        <a:lnRef idx="2">
-          <a:scrgbClr r="0" g="0" b="0"/>
-        </a:lnRef>
-        <a:fillRef idx="1">
-          <a:scrgbClr r="0" g="0" b="0"/>
-        </a:fillRef>
-        <a:effectRef idx="0">
-          <a:scrgbClr r="0" g="0" b="0"/>
-        </a:effectRef>
-        <a:fontRef idx="minor">
-          <a:schemeClr val="lt1"/>
-        </a:fontRef>
-      </dsp:style>
-      <dsp:txBody>
-        <a:bodyPr spcFirstLastPara="0" vert="horz" wrap="square" lIns="312928" tIns="312928" rIns="312928" bIns="312928" numCol="1" spcCol="1270" anchor="ctr" anchorCtr="0">
-          <a:noAutofit/>
-        </a:bodyPr>
-        <a:lstStyle/>
-        <a:p>
-          <a:pPr lvl="0" algn="ctr" defTabSz="1955800">
-            <a:lnSpc>
-              <a:spcPct val="90000"/>
-            </a:lnSpc>
-            <a:spcBef>
-              <a:spcPct val="0"/>
-            </a:spcBef>
-            <a:spcAft>
-              <a:spcPct val="35000"/>
-            </a:spcAft>
-          </a:pPr>
-          <a:r>
-            <a:rPr lang="zh-CN" altLang="en-US" sz="4400" kern="1200" dirty="0" smtClean="0"/>
-            <a:t>打包下载</a:t>
-          </a:r>
-          <a:endParaRPr lang="zh-CN" altLang="en-US" sz="4400" kern="1200" dirty="0"/>
-        </a:p>
-      </dsp:txBody>
-      <dsp:txXfrm>
-        <a:off x="1871" y="1511300"/>
-        <a:ext cx="2912305" cy="1511300"/>
-      </dsp:txXfrm>
-    </dsp:sp>
-    <dsp:sp modelId="{FA7DE1FA-8396-465E-96BB-1E75B929DBCE}">
-      <dsp:nvSpPr>
-        <dsp:cNvPr id="0" name=""/>
-        <dsp:cNvSpPr/>
-      </dsp:nvSpPr>
-      <dsp:spPr>
-        <a:xfrm>
-          <a:off x="828946" y="226695"/>
-          <a:ext cx="1258157" cy="1258157"/>
-        </a:xfrm>
-        <a:prstGeom prst="ellipse">
-          <a:avLst/>
-        </a:prstGeom>
-        <a:blipFill>
-          <a:blip xmlns:r="http://schemas.openxmlformats.org/officeDocument/2006/relationships" r:embed="rId1">
-            <a:extLst>
-              <a:ext uri="{28A0092B-C50C-407E-A947-70E740481C1C}">
-                <a14:useLocalDpi xmlns:a14="http://schemas.microsoft.com/office/drawing/2010/main" val="0"/>
-              </a:ext>
-            </a:extLst>
-          </a:blip>
-          <a:srcRect/>
-          <a:stretch>
-            <a:fillRect l="-1000" r="-1000"/>
-          </a:stretch>
-        </a:blipFill>
-        <a:ln w="15875" cap="rnd" cmpd="sng" algn="ctr">
-          <a:solidFill>
-            <a:schemeClr val="lt1">
-              <a:hueOff val="0"/>
-              <a:satOff val="0"/>
-              <a:lumOff val="0"/>
-              <a:alphaOff val="0"/>
-            </a:schemeClr>
-          </a:solidFill>
-          <a:prstDash val="solid"/>
-        </a:ln>
-        <a:effectLst/>
-      </dsp:spPr>
-      <dsp:style>
-        <a:lnRef idx="2">
-          <a:scrgbClr r="0" g="0" b="0"/>
-        </a:lnRef>
-        <a:fillRef idx="1">
-          <a:scrgbClr r="0" g="0" b="0"/>
-        </a:fillRef>
-        <a:effectRef idx="0">
-          <a:scrgbClr r="0" g="0" b="0"/>
-        </a:effectRef>
-        <a:fontRef idx="minor"/>
-      </dsp:style>
-    </dsp:sp>
-    <dsp:sp modelId="{1623CBE0-36B8-4304-916D-F15A49BEA754}">
-      <dsp:nvSpPr>
-        <dsp:cNvPr id="0" name=""/>
-        <dsp:cNvSpPr/>
-      </dsp:nvSpPr>
-      <dsp:spPr>
-        <a:xfrm>
-          <a:off x="3001547" y="0"/>
-          <a:ext cx="2912305" cy="3778250"/>
-        </a:xfrm>
-        <a:prstGeom prst="roundRect">
-          <a:avLst>
-            <a:gd name="adj" fmla="val 10000"/>
-          </a:avLst>
-        </a:prstGeom>
-        <a:solidFill>
-          <a:schemeClr val="accent1">
-            <a:hueOff val="0"/>
-            <a:satOff val="0"/>
-            <a:lumOff val="0"/>
-            <a:alphaOff val="0"/>
-          </a:schemeClr>
-        </a:solidFill>
-        <a:ln w="15875" cap="rnd" cmpd="sng" algn="ctr">
-          <a:solidFill>
-            <a:schemeClr val="lt1">
-              <a:hueOff val="0"/>
-              <a:satOff val="0"/>
-              <a:lumOff val="0"/>
-              <a:alphaOff val="0"/>
-            </a:schemeClr>
-          </a:solidFill>
-          <a:prstDash val="solid"/>
-        </a:ln>
-        <a:effectLst/>
-      </dsp:spPr>
-      <dsp:style>
-        <a:lnRef idx="2">
-          <a:scrgbClr r="0" g="0" b="0"/>
-        </a:lnRef>
-        <a:fillRef idx="1">
-          <a:scrgbClr r="0" g="0" b="0"/>
-        </a:fillRef>
-        <a:effectRef idx="0">
-          <a:scrgbClr r="0" g="0" b="0"/>
-        </a:effectRef>
-        <a:fontRef idx="minor">
-          <a:schemeClr val="lt1"/>
-        </a:fontRef>
-      </dsp:style>
-      <dsp:txBody>
-        <a:bodyPr spcFirstLastPara="0" vert="horz" wrap="square" lIns="312928" tIns="312928" rIns="312928" bIns="312928" numCol="1" spcCol="1270" anchor="ctr" anchorCtr="0">
-          <a:noAutofit/>
-        </a:bodyPr>
-        <a:lstStyle/>
-        <a:p>
-          <a:pPr lvl="0" algn="ctr" defTabSz="1955800">
-            <a:lnSpc>
-              <a:spcPct val="90000"/>
-            </a:lnSpc>
-            <a:spcBef>
-              <a:spcPct val="0"/>
-            </a:spcBef>
-            <a:spcAft>
-              <a:spcPct val="35000"/>
-            </a:spcAft>
-          </a:pPr>
-          <a:r>
-            <a:rPr lang="zh-CN" altLang="en-US" sz="4400" kern="1200" dirty="0" smtClean="0"/>
-            <a:t>计划目录</a:t>
-          </a:r>
-          <a:endParaRPr lang="zh-CN" altLang="en-US" sz="4400" kern="1200" dirty="0"/>
-        </a:p>
-      </dsp:txBody>
-      <dsp:txXfrm>
-        <a:off x="3001547" y="1511300"/>
-        <a:ext cx="2912305" cy="1511300"/>
-      </dsp:txXfrm>
-    </dsp:sp>
-    <dsp:sp modelId="{F8E7F3C8-9003-4F28-8A5A-3E94A639507D}">
-      <dsp:nvSpPr>
-        <dsp:cNvPr id="0" name=""/>
-        <dsp:cNvSpPr/>
-      </dsp:nvSpPr>
-      <dsp:spPr>
-        <a:xfrm>
-          <a:off x="3828621" y="226695"/>
-          <a:ext cx="1258157" cy="1258157"/>
-        </a:xfrm>
-        <a:prstGeom prst="ellipse">
-          <a:avLst/>
-        </a:prstGeom>
-        <a:blipFill>
-          <a:blip xmlns:r="http://schemas.openxmlformats.org/officeDocument/2006/relationships" r:embed="rId2">
-            <a:extLst>
-              <a:ext uri="{28A0092B-C50C-407E-A947-70E740481C1C}">
-                <a14:useLocalDpi xmlns:a14="http://schemas.microsoft.com/office/drawing/2010/main" val="0"/>
-              </a:ext>
-            </a:extLst>
-          </a:blip>
-          <a:srcRect/>
-          <a:stretch>
-            <a:fillRect l="-3000" r="-3000"/>
-          </a:stretch>
-        </a:blipFill>
-        <a:ln w="15875" cap="rnd" cmpd="sng" algn="ctr">
-          <a:solidFill>
-            <a:schemeClr val="lt1">
-              <a:hueOff val="0"/>
-              <a:satOff val="0"/>
-              <a:lumOff val="0"/>
-              <a:alphaOff val="0"/>
-            </a:schemeClr>
-          </a:solidFill>
-          <a:prstDash val="solid"/>
-        </a:ln>
-        <a:effectLst/>
-      </dsp:spPr>
-      <dsp:style>
-        <a:lnRef idx="2">
-          <a:scrgbClr r="0" g="0" b="0"/>
-        </a:lnRef>
-        <a:fillRef idx="1">
-          <a:scrgbClr r="0" g="0" b="0"/>
-        </a:fillRef>
-        <a:effectRef idx="0">
-          <a:scrgbClr r="0" g="0" b="0"/>
-        </a:effectRef>
-        <a:fontRef idx="minor"/>
-      </dsp:style>
-    </dsp:sp>
-    <dsp:sp modelId="{72365849-68B1-4495-B207-871B9A8DF1D7}">
-      <dsp:nvSpPr>
-        <dsp:cNvPr id="0" name=""/>
-        <dsp:cNvSpPr/>
-      </dsp:nvSpPr>
-      <dsp:spPr>
-        <a:xfrm>
-          <a:off x="6001222" y="0"/>
-          <a:ext cx="2912305" cy="3778250"/>
-        </a:xfrm>
-        <a:prstGeom prst="roundRect">
-          <a:avLst>
-            <a:gd name="adj" fmla="val 10000"/>
-          </a:avLst>
-        </a:prstGeom>
-        <a:solidFill>
-          <a:schemeClr val="accent1">
-            <a:hueOff val="0"/>
-            <a:satOff val="0"/>
-            <a:lumOff val="0"/>
-            <a:alphaOff val="0"/>
-          </a:schemeClr>
-        </a:solidFill>
-        <a:ln w="15875" cap="rnd" cmpd="sng" algn="ctr">
-          <a:solidFill>
-            <a:schemeClr val="lt1">
-              <a:hueOff val="0"/>
-              <a:satOff val="0"/>
-              <a:lumOff val="0"/>
-              <a:alphaOff val="0"/>
-            </a:schemeClr>
-          </a:solidFill>
-          <a:prstDash val="solid"/>
-        </a:ln>
-        <a:effectLst/>
-      </dsp:spPr>
-      <dsp:style>
-        <a:lnRef idx="2">
-          <a:scrgbClr r="0" g="0" b="0"/>
-        </a:lnRef>
-        <a:fillRef idx="1">
-          <a:scrgbClr r="0" g="0" b="0"/>
-        </a:fillRef>
-        <a:effectRef idx="0">
-          <a:scrgbClr r="0" g="0" b="0"/>
-        </a:effectRef>
-        <a:fontRef idx="minor">
-          <a:schemeClr val="lt1"/>
-        </a:fontRef>
-      </dsp:style>
-      <dsp:txBody>
-        <a:bodyPr spcFirstLastPara="0" vert="horz" wrap="square" lIns="312928" tIns="312928" rIns="312928" bIns="312928" numCol="1" spcCol="1270" anchor="ctr" anchorCtr="0">
-          <a:noAutofit/>
-        </a:bodyPr>
-        <a:lstStyle/>
-        <a:p>
-          <a:pPr lvl="0" algn="ctr" defTabSz="1955800">
-            <a:lnSpc>
-              <a:spcPct val="90000"/>
-            </a:lnSpc>
-            <a:spcBef>
-              <a:spcPct val="0"/>
-            </a:spcBef>
-            <a:spcAft>
-              <a:spcPct val="35000"/>
-            </a:spcAft>
-          </a:pPr>
-          <a:r>
-            <a:rPr lang="zh-CN" altLang="en-US" sz="4400" kern="1200" dirty="0" smtClean="0"/>
-            <a:t>快捷上传</a:t>
-          </a:r>
-          <a:endParaRPr lang="zh-CN" altLang="en-US" sz="4400" kern="1200" dirty="0"/>
-        </a:p>
-      </dsp:txBody>
-      <dsp:txXfrm>
-        <a:off x="6001222" y="1511300"/>
-        <a:ext cx="2912305" cy="1511300"/>
-      </dsp:txXfrm>
-    </dsp:sp>
-    <dsp:sp modelId="{F462B757-CCB5-40E6-9967-1F2BD073722A}">
-      <dsp:nvSpPr>
-        <dsp:cNvPr id="0" name=""/>
-        <dsp:cNvSpPr/>
-      </dsp:nvSpPr>
-      <dsp:spPr>
-        <a:xfrm>
-          <a:off x="6828296" y="226695"/>
-          <a:ext cx="1258157" cy="1258157"/>
-        </a:xfrm>
-        <a:prstGeom prst="ellipse">
-          <a:avLst/>
-        </a:prstGeom>
-        <a:blipFill>
-          <a:blip xmlns:r="http://schemas.openxmlformats.org/officeDocument/2006/relationships" r:embed="rId3">
-            <a:extLst>
-              <a:ext uri="{28A0092B-C50C-407E-A947-70E740481C1C}">
-                <a14:useLocalDpi xmlns:a14="http://schemas.microsoft.com/office/drawing/2010/main" val="0"/>
-              </a:ext>
-            </a:extLst>
-          </a:blip>
-          <a:srcRect/>
-          <a:stretch>
-            <a:fillRect/>
-          </a:stretch>
-        </a:blipFill>
-        <a:ln w="15875" cap="rnd" cmpd="sng" algn="ctr">
-          <a:solidFill>
-            <a:schemeClr val="lt1">
-              <a:hueOff val="0"/>
-              <a:satOff val="0"/>
-              <a:lumOff val="0"/>
-              <a:alphaOff val="0"/>
-            </a:schemeClr>
-          </a:solidFill>
-          <a:prstDash val="solid"/>
-        </a:ln>
-        <a:effectLst/>
-      </dsp:spPr>
-      <dsp:style>
-        <a:lnRef idx="2">
-          <a:scrgbClr r="0" g="0" b="0"/>
-        </a:lnRef>
-        <a:fillRef idx="1">
-          <a:scrgbClr r="0" g="0" b="0"/>
-        </a:fillRef>
-        <a:effectRef idx="0">
-          <a:scrgbClr r="0" g="0" b="0"/>
-        </a:effectRef>
-        <a:fontRef idx="minor"/>
-      </dsp:style>
-    </dsp:sp>
-    <dsp:sp modelId="{20D820DE-2644-44AA-8C62-655BCFC701DB}">
-      <dsp:nvSpPr>
-        <dsp:cNvPr id="0" name=""/>
-        <dsp:cNvSpPr/>
-      </dsp:nvSpPr>
-      <dsp:spPr>
-        <a:xfrm>
-          <a:off x="356615" y="3022600"/>
-          <a:ext cx="8202168" cy="566737"/>
-        </a:xfrm>
-        <a:prstGeom prst="leftRightArrow">
-          <a:avLst/>
-        </a:prstGeom>
-        <a:solidFill>
-          <a:schemeClr val="accent1">
-            <a:tint val="60000"/>
-            <a:hueOff val="0"/>
-            <a:satOff val="0"/>
-            <a:lumOff val="0"/>
-            <a:alphaOff val="0"/>
-          </a:schemeClr>
-        </a:solidFill>
-        <a:ln w="15875" cap="rnd" cmpd="sng" algn="ctr">
-          <a:solidFill>
-            <a:schemeClr val="lt1">
-              <a:hueOff val="0"/>
-              <a:satOff val="0"/>
-              <a:lumOff val="0"/>
-              <a:alphaOff val="0"/>
-            </a:schemeClr>
-          </a:solidFill>
-          <a:prstDash val="solid"/>
-        </a:ln>
-        <a:effectLst/>
-      </dsp:spPr>
-      <dsp:style>
-        <a:lnRef idx="2">
-          <a:scrgbClr r="0" g="0" b="0"/>
-        </a:lnRef>
-        <a:fillRef idx="1">
-          <a:scrgbClr r="0" g="0" b="0"/>
-        </a:fillRef>
-        <a:effectRef idx="0">
-          <a:scrgbClr r="0" g="0" b="0"/>
-        </a:effectRef>
-        <a:fontRef idx="minor"/>
-      </dsp:style>
-    </dsp:sp>
   </dsp:spTree>
 </dsp:drawing>
 </file>
@@ -9082,1083 +7497,6 @@
       <dsp:cNvGrpSpPr/>
     </dsp:nvGrpSpPr>
     <dsp:grpSpPr/>
-    <dsp:sp modelId="{D2DE81DC-F755-47F2-A374-1CF7C0FCB1B9}">
-      <dsp:nvSpPr>
-        <dsp:cNvPr id="0" name=""/>
-        <dsp:cNvSpPr/>
-      </dsp:nvSpPr>
-      <dsp:spPr>
-        <a:xfrm>
-          <a:off x="6112348" y="2274946"/>
-          <a:ext cx="91440" cy="423877"/>
-        </a:xfrm>
-        <a:custGeom>
-          <a:avLst/>
-          <a:gdLst/>
-          <a:ahLst/>
-          <a:cxnLst/>
-          <a:rect l="0" t="0" r="0" b="0"/>
-          <a:pathLst>
-            <a:path>
-              <a:moveTo>
-                <a:pt x="45720" y="0"/>
-              </a:moveTo>
-              <a:lnTo>
-                <a:pt x="45720" y="423877"/>
-              </a:lnTo>
-            </a:path>
-          </a:pathLst>
-        </a:custGeom>
-        <a:noFill/>
-        <a:ln w="15875" cap="rnd" cmpd="sng" algn="ctr">
-          <a:solidFill>
-            <a:schemeClr val="accent1">
-              <a:shade val="80000"/>
-              <a:hueOff val="0"/>
-              <a:satOff val="0"/>
-              <a:lumOff val="0"/>
-              <a:alphaOff val="0"/>
-            </a:schemeClr>
-          </a:solidFill>
-          <a:prstDash val="solid"/>
-        </a:ln>
-        <a:effectLst/>
-      </dsp:spPr>
-      <dsp:style>
-        <a:lnRef idx="2">
-          <a:scrgbClr r="0" g="0" b="0"/>
-        </a:lnRef>
-        <a:fillRef idx="0">
-          <a:scrgbClr r="0" g="0" b="0"/>
-        </a:fillRef>
-        <a:effectRef idx="0">
-          <a:scrgbClr r="0" g="0" b="0"/>
-        </a:effectRef>
-        <a:fontRef idx="minor"/>
-      </dsp:style>
-    </dsp:sp>
-    <dsp:sp modelId="{447823D9-3360-4444-9563-67428E41C0A4}">
-      <dsp:nvSpPr>
-        <dsp:cNvPr id="0" name=""/>
-        <dsp:cNvSpPr/>
-      </dsp:nvSpPr>
-      <dsp:spPr>
-        <a:xfrm>
-          <a:off x="4822064" y="925582"/>
-          <a:ext cx="1336004" cy="423877"/>
-        </a:xfrm>
-        <a:custGeom>
-          <a:avLst/>
-          <a:gdLst/>
-          <a:ahLst/>
-          <a:cxnLst/>
-          <a:rect l="0" t="0" r="0" b="0"/>
-          <a:pathLst>
-            <a:path>
-              <a:moveTo>
-                <a:pt x="0" y="0"/>
-              </a:moveTo>
-              <a:lnTo>
-                <a:pt x="0" y="288860"/>
-              </a:lnTo>
-              <a:lnTo>
-                <a:pt x="1336004" y="288860"/>
-              </a:lnTo>
-              <a:lnTo>
-                <a:pt x="1336004" y="423877"/>
-              </a:lnTo>
-            </a:path>
-          </a:pathLst>
-        </a:custGeom>
-        <a:noFill/>
-        <a:ln w="15875" cap="rnd" cmpd="sng" algn="ctr">
-          <a:solidFill>
-            <a:schemeClr val="accent1">
-              <a:shade val="60000"/>
-              <a:hueOff val="0"/>
-              <a:satOff val="0"/>
-              <a:lumOff val="0"/>
-              <a:alphaOff val="0"/>
-            </a:schemeClr>
-          </a:solidFill>
-          <a:prstDash val="solid"/>
-        </a:ln>
-        <a:effectLst/>
-      </dsp:spPr>
-      <dsp:style>
-        <a:lnRef idx="2">
-          <a:scrgbClr r="0" g="0" b="0"/>
-        </a:lnRef>
-        <a:fillRef idx="0">
-          <a:scrgbClr r="0" g="0" b="0"/>
-        </a:fillRef>
-        <a:effectRef idx="0">
-          <a:scrgbClr r="0" g="0" b="0"/>
-        </a:effectRef>
-        <a:fontRef idx="minor"/>
-      </dsp:style>
-    </dsp:sp>
-    <dsp:sp modelId="{80B87061-AD1F-4489-8BC0-287DEE8D801B}">
-      <dsp:nvSpPr>
-        <dsp:cNvPr id="0" name=""/>
-        <dsp:cNvSpPr/>
-      </dsp:nvSpPr>
-      <dsp:spPr>
-        <a:xfrm>
-          <a:off x="3486060" y="2274946"/>
-          <a:ext cx="890669" cy="423877"/>
-        </a:xfrm>
-        <a:custGeom>
-          <a:avLst/>
-          <a:gdLst/>
-          <a:ahLst/>
-          <a:cxnLst/>
-          <a:rect l="0" t="0" r="0" b="0"/>
-          <a:pathLst>
-            <a:path>
-              <a:moveTo>
-                <a:pt x="0" y="0"/>
-              </a:moveTo>
-              <a:lnTo>
-                <a:pt x="0" y="288860"/>
-              </a:lnTo>
-              <a:lnTo>
-                <a:pt x="890669" y="288860"/>
-              </a:lnTo>
-              <a:lnTo>
-                <a:pt x="890669" y="423877"/>
-              </a:lnTo>
-            </a:path>
-          </a:pathLst>
-        </a:custGeom>
-        <a:noFill/>
-        <a:ln w="15875" cap="rnd" cmpd="sng" algn="ctr">
-          <a:solidFill>
-            <a:schemeClr val="accent1">
-              <a:shade val="80000"/>
-              <a:hueOff val="0"/>
-              <a:satOff val="0"/>
-              <a:lumOff val="0"/>
-              <a:alphaOff val="0"/>
-            </a:schemeClr>
-          </a:solidFill>
-          <a:prstDash val="solid"/>
-        </a:ln>
-        <a:effectLst/>
-      </dsp:spPr>
-      <dsp:style>
-        <a:lnRef idx="2">
-          <a:scrgbClr r="0" g="0" b="0"/>
-        </a:lnRef>
-        <a:fillRef idx="0">
-          <a:scrgbClr r="0" g="0" b="0"/>
-        </a:fillRef>
-        <a:effectRef idx="0">
-          <a:scrgbClr r="0" g="0" b="0"/>
-        </a:effectRef>
-        <a:fontRef idx="minor"/>
-      </dsp:style>
-    </dsp:sp>
-    <dsp:sp modelId="{D8D9E677-B8C6-4493-8058-C1866ECEBEBE}">
-      <dsp:nvSpPr>
-        <dsp:cNvPr id="0" name=""/>
-        <dsp:cNvSpPr/>
-      </dsp:nvSpPr>
-      <dsp:spPr>
-        <a:xfrm>
-          <a:off x="2595391" y="2274946"/>
-          <a:ext cx="890669" cy="423877"/>
-        </a:xfrm>
-        <a:custGeom>
-          <a:avLst/>
-          <a:gdLst/>
-          <a:ahLst/>
-          <a:cxnLst/>
-          <a:rect l="0" t="0" r="0" b="0"/>
-          <a:pathLst>
-            <a:path>
-              <a:moveTo>
-                <a:pt x="890669" y="0"/>
-              </a:moveTo>
-              <a:lnTo>
-                <a:pt x="890669" y="288860"/>
-              </a:lnTo>
-              <a:lnTo>
-                <a:pt x="0" y="288860"/>
-              </a:lnTo>
-              <a:lnTo>
-                <a:pt x="0" y="423877"/>
-              </a:lnTo>
-            </a:path>
-          </a:pathLst>
-        </a:custGeom>
-        <a:noFill/>
-        <a:ln w="15875" cap="rnd" cmpd="sng" algn="ctr">
-          <a:solidFill>
-            <a:schemeClr val="accent1">
-              <a:shade val="80000"/>
-              <a:hueOff val="0"/>
-              <a:satOff val="0"/>
-              <a:lumOff val="0"/>
-              <a:alphaOff val="0"/>
-            </a:schemeClr>
-          </a:solidFill>
-          <a:prstDash val="solid"/>
-        </a:ln>
-        <a:effectLst/>
-      </dsp:spPr>
-      <dsp:style>
-        <a:lnRef idx="2">
-          <a:scrgbClr r="0" g="0" b="0"/>
-        </a:lnRef>
-        <a:fillRef idx="0">
-          <a:scrgbClr r="0" g="0" b="0"/>
-        </a:fillRef>
-        <a:effectRef idx="0">
-          <a:scrgbClr r="0" g="0" b="0"/>
-        </a:effectRef>
-        <a:fontRef idx="minor"/>
-      </dsp:style>
-    </dsp:sp>
-    <dsp:sp modelId="{2FC058D6-E529-4DC1-8E75-5F6826BF6BDB}">
-      <dsp:nvSpPr>
-        <dsp:cNvPr id="0" name=""/>
-        <dsp:cNvSpPr/>
-      </dsp:nvSpPr>
-      <dsp:spPr>
-        <a:xfrm>
-          <a:off x="3486060" y="925582"/>
-          <a:ext cx="1336004" cy="423877"/>
-        </a:xfrm>
-        <a:custGeom>
-          <a:avLst/>
-          <a:gdLst/>
-          <a:ahLst/>
-          <a:cxnLst/>
-          <a:rect l="0" t="0" r="0" b="0"/>
-          <a:pathLst>
-            <a:path>
-              <a:moveTo>
-                <a:pt x="1336004" y="0"/>
-              </a:moveTo>
-              <a:lnTo>
-                <a:pt x="1336004" y="288860"/>
-              </a:lnTo>
-              <a:lnTo>
-                <a:pt x="0" y="288860"/>
-              </a:lnTo>
-              <a:lnTo>
-                <a:pt x="0" y="423877"/>
-              </a:lnTo>
-            </a:path>
-          </a:pathLst>
-        </a:custGeom>
-        <a:noFill/>
-        <a:ln w="15875" cap="rnd" cmpd="sng" algn="ctr">
-          <a:solidFill>
-            <a:schemeClr val="accent1">
-              <a:shade val="60000"/>
-              <a:hueOff val="0"/>
-              <a:satOff val="0"/>
-              <a:lumOff val="0"/>
-              <a:alphaOff val="0"/>
-            </a:schemeClr>
-          </a:solidFill>
-          <a:prstDash val="solid"/>
-        </a:ln>
-        <a:effectLst/>
-      </dsp:spPr>
-      <dsp:style>
-        <a:lnRef idx="2">
-          <a:scrgbClr r="0" g="0" b="0"/>
-        </a:lnRef>
-        <a:fillRef idx="0">
-          <a:scrgbClr r="0" g="0" b="0"/>
-        </a:fillRef>
-        <a:effectRef idx="0">
-          <a:scrgbClr r="0" g="0" b="0"/>
-        </a:effectRef>
-        <a:fontRef idx="minor"/>
-      </dsp:style>
-    </dsp:sp>
-    <dsp:sp modelId="{66E3B928-B225-4EA4-B3FE-4BF754D62AE0}">
-      <dsp:nvSpPr>
-        <dsp:cNvPr id="0" name=""/>
-        <dsp:cNvSpPr/>
-      </dsp:nvSpPr>
-      <dsp:spPr>
-        <a:xfrm>
-          <a:off x="4093335" y="96"/>
-          <a:ext cx="1457458" cy="925486"/>
-        </a:xfrm>
-        <a:prstGeom prst="roundRect">
-          <a:avLst>
-            <a:gd name="adj" fmla="val 10000"/>
-          </a:avLst>
-        </a:prstGeom>
-        <a:solidFill>
-          <a:schemeClr val="accent1">
-            <a:hueOff val="0"/>
-            <a:satOff val="0"/>
-            <a:lumOff val="0"/>
-            <a:alphaOff val="0"/>
-          </a:schemeClr>
-        </a:solidFill>
-        <a:ln w="15875" cap="rnd" cmpd="sng" algn="ctr">
-          <a:solidFill>
-            <a:schemeClr val="lt1">
-              <a:hueOff val="0"/>
-              <a:satOff val="0"/>
-              <a:lumOff val="0"/>
-              <a:alphaOff val="0"/>
-            </a:schemeClr>
-          </a:solidFill>
-          <a:prstDash val="solid"/>
-        </a:ln>
-        <a:effectLst/>
-      </dsp:spPr>
-      <dsp:style>
-        <a:lnRef idx="2">
-          <a:scrgbClr r="0" g="0" b="0"/>
-        </a:lnRef>
-        <a:fillRef idx="1">
-          <a:scrgbClr r="0" g="0" b="0"/>
-        </a:fillRef>
-        <a:effectRef idx="0">
-          <a:scrgbClr r="0" g="0" b="0"/>
-        </a:effectRef>
-        <a:fontRef idx="minor">
-          <a:schemeClr val="lt1"/>
-        </a:fontRef>
-      </dsp:style>
-    </dsp:sp>
-    <dsp:sp modelId="{480A3965-930F-4C23-BD73-7BF6C1E5941E}">
-      <dsp:nvSpPr>
-        <dsp:cNvPr id="0" name=""/>
-        <dsp:cNvSpPr/>
-      </dsp:nvSpPr>
-      <dsp:spPr>
-        <a:xfrm>
-          <a:off x="4255275" y="153939"/>
-          <a:ext cx="1457458" cy="925486"/>
-        </a:xfrm>
-        <a:prstGeom prst="roundRect">
-          <a:avLst>
-            <a:gd name="adj" fmla="val 10000"/>
-          </a:avLst>
-        </a:prstGeom>
-        <a:solidFill>
-          <a:schemeClr val="lt1">
-            <a:alpha val="90000"/>
-            <a:hueOff val="0"/>
-            <a:satOff val="0"/>
-            <a:lumOff val="0"/>
-            <a:alphaOff val="0"/>
-          </a:schemeClr>
-        </a:solidFill>
-        <a:ln w="15875" cap="rnd" cmpd="sng" algn="ctr">
-          <a:solidFill>
-            <a:schemeClr val="accent1">
-              <a:hueOff val="0"/>
-              <a:satOff val="0"/>
-              <a:lumOff val="0"/>
-              <a:alphaOff val="0"/>
-            </a:schemeClr>
-          </a:solidFill>
-          <a:prstDash val="solid"/>
-        </a:ln>
-        <a:effectLst/>
-      </dsp:spPr>
-      <dsp:style>
-        <a:lnRef idx="2">
-          <a:scrgbClr r="0" g="0" b="0"/>
-        </a:lnRef>
-        <a:fillRef idx="1">
-          <a:scrgbClr r="0" g="0" b="0"/>
-        </a:fillRef>
-        <a:effectRef idx="0">
-          <a:scrgbClr r="0" g="0" b="0"/>
-        </a:effectRef>
-        <a:fontRef idx="minor"/>
-      </dsp:style>
-      <dsp:txBody>
-        <a:bodyPr spcFirstLastPara="0" vert="horz" wrap="square" lIns="91440" tIns="91440" rIns="91440" bIns="91440" numCol="1" spcCol="1270" anchor="ctr" anchorCtr="0">
-          <a:noAutofit/>
-        </a:bodyPr>
-        <a:lstStyle/>
-        <a:p>
-          <a:pPr lvl="0" algn="ctr" defTabSz="1066800">
-            <a:lnSpc>
-              <a:spcPct val="90000"/>
-            </a:lnSpc>
-            <a:spcBef>
-              <a:spcPct val="0"/>
-            </a:spcBef>
-            <a:spcAft>
-              <a:spcPct val="35000"/>
-            </a:spcAft>
-          </a:pPr>
-          <a:r>
-            <a:rPr lang="zh-CN" altLang="en-US" sz="2400" kern="1200" dirty="0" smtClean="0"/>
-            <a:t>权限设计</a:t>
-          </a:r>
-          <a:endParaRPr lang="zh-CN" altLang="en-US" sz="2400" kern="1200" dirty="0"/>
-        </a:p>
-      </dsp:txBody>
-      <dsp:txXfrm>
-        <a:off x="4282382" y="181046"/>
-        <a:ext cx="1403244" cy="871272"/>
-      </dsp:txXfrm>
-    </dsp:sp>
-    <dsp:sp modelId="{85EF73CD-CFB2-4180-BBBC-DCB3A464182C}">
-      <dsp:nvSpPr>
-        <dsp:cNvPr id="0" name=""/>
-        <dsp:cNvSpPr/>
-      </dsp:nvSpPr>
-      <dsp:spPr>
-        <a:xfrm>
-          <a:off x="2757331" y="1349460"/>
-          <a:ext cx="1457458" cy="925486"/>
-        </a:xfrm>
-        <a:prstGeom prst="roundRect">
-          <a:avLst>
-            <a:gd name="adj" fmla="val 10000"/>
-          </a:avLst>
-        </a:prstGeom>
-        <a:solidFill>
-          <a:schemeClr val="accent1">
-            <a:hueOff val="0"/>
-            <a:satOff val="0"/>
-            <a:lumOff val="0"/>
-            <a:alphaOff val="0"/>
-          </a:schemeClr>
-        </a:solidFill>
-        <a:ln w="15875" cap="rnd" cmpd="sng" algn="ctr">
-          <a:solidFill>
-            <a:schemeClr val="lt1">
-              <a:hueOff val="0"/>
-              <a:satOff val="0"/>
-              <a:lumOff val="0"/>
-              <a:alphaOff val="0"/>
-            </a:schemeClr>
-          </a:solidFill>
-          <a:prstDash val="solid"/>
-        </a:ln>
-        <a:effectLst/>
-      </dsp:spPr>
-      <dsp:style>
-        <a:lnRef idx="2">
-          <a:scrgbClr r="0" g="0" b="0"/>
-        </a:lnRef>
-        <a:fillRef idx="1">
-          <a:scrgbClr r="0" g="0" b="0"/>
-        </a:fillRef>
-        <a:effectRef idx="0">
-          <a:scrgbClr r="0" g="0" b="0"/>
-        </a:effectRef>
-        <a:fontRef idx="minor">
-          <a:schemeClr val="lt1"/>
-        </a:fontRef>
-      </dsp:style>
-    </dsp:sp>
-    <dsp:sp modelId="{25331546-374D-42D8-91D7-8007B315742B}">
-      <dsp:nvSpPr>
-        <dsp:cNvPr id="0" name=""/>
-        <dsp:cNvSpPr/>
-      </dsp:nvSpPr>
-      <dsp:spPr>
-        <a:xfrm>
-          <a:off x="2919271" y="1503303"/>
-          <a:ext cx="1457458" cy="925486"/>
-        </a:xfrm>
-        <a:prstGeom prst="roundRect">
-          <a:avLst>
-            <a:gd name="adj" fmla="val 10000"/>
-          </a:avLst>
-        </a:prstGeom>
-        <a:solidFill>
-          <a:schemeClr val="lt1">
-            <a:alpha val="90000"/>
-            <a:hueOff val="0"/>
-            <a:satOff val="0"/>
-            <a:lumOff val="0"/>
-            <a:alphaOff val="0"/>
-          </a:schemeClr>
-        </a:solidFill>
-        <a:ln w="15875" cap="rnd" cmpd="sng" algn="ctr">
-          <a:solidFill>
-            <a:schemeClr val="accent1">
-              <a:hueOff val="0"/>
-              <a:satOff val="0"/>
-              <a:lumOff val="0"/>
-              <a:alphaOff val="0"/>
-            </a:schemeClr>
-          </a:solidFill>
-          <a:prstDash val="solid"/>
-        </a:ln>
-        <a:effectLst/>
-      </dsp:spPr>
-      <dsp:style>
-        <a:lnRef idx="2">
-          <a:scrgbClr r="0" g="0" b="0"/>
-        </a:lnRef>
-        <a:fillRef idx="1">
-          <a:scrgbClr r="0" g="0" b="0"/>
-        </a:fillRef>
-        <a:effectRef idx="0">
-          <a:scrgbClr r="0" g="0" b="0"/>
-        </a:effectRef>
-        <a:fontRef idx="minor"/>
-      </dsp:style>
-      <dsp:txBody>
-        <a:bodyPr spcFirstLastPara="0" vert="horz" wrap="square" lIns="91440" tIns="91440" rIns="91440" bIns="91440" numCol="1" spcCol="1270" anchor="ctr" anchorCtr="0">
-          <a:noAutofit/>
-        </a:bodyPr>
-        <a:lstStyle/>
-        <a:p>
-          <a:pPr lvl="0" algn="ctr" defTabSz="1066800">
-            <a:lnSpc>
-              <a:spcPct val="90000"/>
-            </a:lnSpc>
-            <a:spcBef>
-              <a:spcPct val="0"/>
-            </a:spcBef>
-            <a:spcAft>
-              <a:spcPct val="35000"/>
-            </a:spcAft>
-          </a:pPr>
-          <a:r>
-            <a:rPr lang="zh-CN" altLang="en-US" sz="2400" kern="1200" dirty="0" smtClean="0"/>
-            <a:t>访问权限</a:t>
-          </a:r>
-          <a:endParaRPr lang="zh-CN" altLang="en-US" sz="2400" kern="1200" dirty="0"/>
-        </a:p>
-      </dsp:txBody>
-      <dsp:txXfrm>
-        <a:off x="2946378" y="1530410"/>
-        <a:ext cx="1403244" cy="871272"/>
-      </dsp:txXfrm>
-    </dsp:sp>
-    <dsp:sp modelId="{B50213C9-6EF4-4DBE-B31C-5733A4BE7B65}">
-      <dsp:nvSpPr>
-        <dsp:cNvPr id="0" name=""/>
-        <dsp:cNvSpPr/>
-      </dsp:nvSpPr>
-      <dsp:spPr>
-        <a:xfrm>
-          <a:off x="1866661" y="2698824"/>
-          <a:ext cx="1457458" cy="925486"/>
-        </a:xfrm>
-        <a:prstGeom prst="roundRect">
-          <a:avLst>
-            <a:gd name="adj" fmla="val 10000"/>
-          </a:avLst>
-        </a:prstGeom>
-        <a:solidFill>
-          <a:schemeClr val="accent1">
-            <a:hueOff val="0"/>
-            <a:satOff val="0"/>
-            <a:lumOff val="0"/>
-            <a:alphaOff val="0"/>
-          </a:schemeClr>
-        </a:solidFill>
-        <a:ln w="15875" cap="rnd" cmpd="sng" algn="ctr">
-          <a:solidFill>
-            <a:schemeClr val="lt1">
-              <a:hueOff val="0"/>
-              <a:satOff val="0"/>
-              <a:lumOff val="0"/>
-              <a:alphaOff val="0"/>
-            </a:schemeClr>
-          </a:solidFill>
-          <a:prstDash val="solid"/>
-        </a:ln>
-        <a:effectLst/>
-      </dsp:spPr>
-      <dsp:style>
-        <a:lnRef idx="2">
-          <a:scrgbClr r="0" g="0" b="0"/>
-        </a:lnRef>
-        <a:fillRef idx="1">
-          <a:scrgbClr r="0" g="0" b="0"/>
-        </a:fillRef>
-        <a:effectRef idx="0">
-          <a:scrgbClr r="0" g="0" b="0"/>
-        </a:effectRef>
-        <a:fontRef idx="minor">
-          <a:schemeClr val="lt1"/>
-        </a:fontRef>
-      </dsp:style>
-    </dsp:sp>
-    <dsp:sp modelId="{944D84B1-D789-4A59-BEF5-0AB63BBCD9D6}">
-      <dsp:nvSpPr>
-        <dsp:cNvPr id="0" name=""/>
-        <dsp:cNvSpPr/>
-      </dsp:nvSpPr>
-      <dsp:spPr>
-        <a:xfrm>
-          <a:off x="2028601" y="2852667"/>
-          <a:ext cx="1457458" cy="925486"/>
-        </a:xfrm>
-        <a:prstGeom prst="roundRect">
-          <a:avLst>
-            <a:gd name="adj" fmla="val 10000"/>
-          </a:avLst>
-        </a:prstGeom>
-        <a:solidFill>
-          <a:schemeClr val="lt1">
-            <a:alpha val="90000"/>
-            <a:hueOff val="0"/>
-            <a:satOff val="0"/>
-            <a:lumOff val="0"/>
-            <a:alphaOff val="0"/>
-          </a:schemeClr>
-        </a:solidFill>
-        <a:ln w="15875" cap="rnd" cmpd="sng" algn="ctr">
-          <a:solidFill>
-            <a:schemeClr val="accent1">
-              <a:hueOff val="0"/>
-              <a:satOff val="0"/>
-              <a:lumOff val="0"/>
-              <a:alphaOff val="0"/>
-            </a:schemeClr>
-          </a:solidFill>
-          <a:prstDash val="solid"/>
-        </a:ln>
-        <a:effectLst/>
-      </dsp:spPr>
-      <dsp:style>
-        <a:lnRef idx="2">
-          <a:scrgbClr r="0" g="0" b="0"/>
-        </a:lnRef>
-        <a:fillRef idx="1">
-          <a:scrgbClr r="0" g="0" b="0"/>
-        </a:fillRef>
-        <a:effectRef idx="0">
-          <a:scrgbClr r="0" g="0" b="0"/>
-        </a:effectRef>
-        <a:fontRef idx="minor"/>
-      </dsp:style>
-      <dsp:txBody>
-        <a:bodyPr spcFirstLastPara="0" vert="horz" wrap="square" lIns="91440" tIns="91440" rIns="91440" bIns="91440" numCol="1" spcCol="1270" anchor="ctr" anchorCtr="0">
-          <a:noAutofit/>
-        </a:bodyPr>
-        <a:lstStyle/>
-        <a:p>
-          <a:pPr lvl="0" algn="ctr" defTabSz="1066800">
-            <a:lnSpc>
-              <a:spcPct val="90000"/>
-            </a:lnSpc>
-            <a:spcBef>
-              <a:spcPct val="0"/>
-            </a:spcBef>
-            <a:spcAft>
-              <a:spcPct val="35000"/>
-            </a:spcAft>
-          </a:pPr>
-          <a:r>
-            <a:rPr lang="en-US" altLang="zh-CN" sz="2400" kern="1200" dirty="0" smtClean="0"/>
-            <a:t>IP</a:t>
-          </a:r>
-          <a:r>
-            <a:rPr lang="zh-CN" altLang="en-US" sz="2400" kern="1200" dirty="0" smtClean="0"/>
-            <a:t>地址段</a:t>
-          </a:r>
-          <a:endParaRPr lang="zh-CN" altLang="en-US" sz="2400" kern="1200" dirty="0"/>
-        </a:p>
-      </dsp:txBody>
-      <dsp:txXfrm>
-        <a:off x="2055708" y="2879774"/>
-        <a:ext cx="1403244" cy="871272"/>
-      </dsp:txXfrm>
-    </dsp:sp>
-    <dsp:sp modelId="{A17AAAE7-1486-46BF-ABAA-B1EFB4B72DC5}">
-      <dsp:nvSpPr>
-        <dsp:cNvPr id="0" name=""/>
-        <dsp:cNvSpPr/>
-      </dsp:nvSpPr>
-      <dsp:spPr>
-        <a:xfrm>
-          <a:off x="3648000" y="2698824"/>
-          <a:ext cx="1457458" cy="925486"/>
-        </a:xfrm>
-        <a:prstGeom prst="roundRect">
-          <a:avLst>
-            <a:gd name="adj" fmla="val 10000"/>
-          </a:avLst>
-        </a:prstGeom>
-        <a:solidFill>
-          <a:schemeClr val="accent1">
-            <a:hueOff val="0"/>
-            <a:satOff val="0"/>
-            <a:lumOff val="0"/>
-            <a:alphaOff val="0"/>
-          </a:schemeClr>
-        </a:solidFill>
-        <a:ln w="15875" cap="rnd" cmpd="sng" algn="ctr">
-          <a:solidFill>
-            <a:schemeClr val="lt1">
-              <a:hueOff val="0"/>
-              <a:satOff val="0"/>
-              <a:lumOff val="0"/>
-              <a:alphaOff val="0"/>
-            </a:schemeClr>
-          </a:solidFill>
-          <a:prstDash val="solid"/>
-        </a:ln>
-        <a:effectLst/>
-      </dsp:spPr>
-      <dsp:style>
-        <a:lnRef idx="2">
-          <a:scrgbClr r="0" g="0" b="0"/>
-        </a:lnRef>
-        <a:fillRef idx="1">
-          <a:scrgbClr r="0" g="0" b="0"/>
-        </a:fillRef>
-        <a:effectRef idx="0">
-          <a:scrgbClr r="0" g="0" b="0"/>
-        </a:effectRef>
-        <a:fontRef idx="minor">
-          <a:schemeClr val="lt1"/>
-        </a:fontRef>
-      </dsp:style>
-    </dsp:sp>
-    <dsp:sp modelId="{84D1EB0F-39E5-41FD-B839-A62CE71C5385}">
-      <dsp:nvSpPr>
-        <dsp:cNvPr id="0" name=""/>
-        <dsp:cNvSpPr/>
-      </dsp:nvSpPr>
-      <dsp:spPr>
-        <a:xfrm>
-          <a:off x="3809940" y="2852667"/>
-          <a:ext cx="1457458" cy="925486"/>
-        </a:xfrm>
-        <a:prstGeom prst="roundRect">
-          <a:avLst>
-            <a:gd name="adj" fmla="val 10000"/>
-          </a:avLst>
-        </a:prstGeom>
-        <a:solidFill>
-          <a:schemeClr val="lt1">
-            <a:alpha val="90000"/>
-            <a:hueOff val="0"/>
-            <a:satOff val="0"/>
-            <a:lumOff val="0"/>
-            <a:alphaOff val="0"/>
-          </a:schemeClr>
-        </a:solidFill>
-        <a:ln w="15875" cap="rnd" cmpd="sng" algn="ctr">
-          <a:solidFill>
-            <a:schemeClr val="accent1">
-              <a:hueOff val="0"/>
-              <a:satOff val="0"/>
-              <a:lumOff val="0"/>
-              <a:alphaOff val="0"/>
-            </a:schemeClr>
-          </a:solidFill>
-          <a:prstDash val="solid"/>
-        </a:ln>
-        <a:effectLst/>
-      </dsp:spPr>
-      <dsp:style>
-        <a:lnRef idx="2">
-          <a:scrgbClr r="0" g="0" b="0"/>
-        </a:lnRef>
-        <a:fillRef idx="1">
-          <a:scrgbClr r="0" g="0" b="0"/>
-        </a:fillRef>
-        <a:effectRef idx="0">
-          <a:scrgbClr r="0" g="0" b="0"/>
-        </a:effectRef>
-        <a:fontRef idx="minor"/>
-      </dsp:style>
-      <dsp:txBody>
-        <a:bodyPr spcFirstLastPara="0" vert="horz" wrap="square" lIns="91440" tIns="91440" rIns="91440" bIns="91440" numCol="1" spcCol="1270" anchor="ctr" anchorCtr="0">
-          <a:noAutofit/>
-        </a:bodyPr>
-        <a:lstStyle/>
-        <a:p>
-          <a:pPr lvl="0" algn="ctr" defTabSz="1066800">
-            <a:lnSpc>
-              <a:spcPct val="90000"/>
-            </a:lnSpc>
-            <a:spcBef>
-              <a:spcPct val="0"/>
-            </a:spcBef>
-            <a:spcAft>
-              <a:spcPct val="35000"/>
-            </a:spcAft>
-          </a:pPr>
-          <a:r>
-            <a:rPr lang="zh-CN" altLang="en-US" sz="2400" kern="1200" dirty="0" smtClean="0"/>
-            <a:t>登录</a:t>
-          </a:r>
-          <a:endParaRPr lang="zh-CN" altLang="en-US" sz="2400" kern="1200" dirty="0"/>
-        </a:p>
-      </dsp:txBody>
-      <dsp:txXfrm>
-        <a:off x="3837047" y="2879774"/>
-        <a:ext cx="1403244" cy="871272"/>
-      </dsp:txXfrm>
-    </dsp:sp>
-    <dsp:sp modelId="{707A1194-B3D9-4140-BDEC-A99142FFB133}">
-      <dsp:nvSpPr>
-        <dsp:cNvPr id="0" name=""/>
-        <dsp:cNvSpPr/>
-      </dsp:nvSpPr>
-      <dsp:spPr>
-        <a:xfrm>
-          <a:off x="5429339" y="1349460"/>
-          <a:ext cx="1457458" cy="925486"/>
-        </a:xfrm>
-        <a:prstGeom prst="roundRect">
-          <a:avLst>
-            <a:gd name="adj" fmla="val 10000"/>
-          </a:avLst>
-        </a:prstGeom>
-        <a:solidFill>
-          <a:schemeClr val="accent1">
-            <a:hueOff val="0"/>
-            <a:satOff val="0"/>
-            <a:lumOff val="0"/>
-            <a:alphaOff val="0"/>
-          </a:schemeClr>
-        </a:solidFill>
-        <a:ln w="15875" cap="rnd" cmpd="sng" algn="ctr">
-          <a:solidFill>
-            <a:schemeClr val="lt1">
-              <a:hueOff val="0"/>
-              <a:satOff val="0"/>
-              <a:lumOff val="0"/>
-              <a:alphaOff val="0"/>
-            </a:schemeClr>
-          </a:solidFill>
-          <a:prstDash val="solid"/>
-        </a:ln>
-        <a:effectLst/>
-      </dsp:spPr>
-      <dsp:style>
-        <a:lnRef idx="2">
-          <a:scrgbClr r="0" g="0" b="0"/>
-        </a:lnRef>
-        <a:fillRef idx="1">
-          <a:scrgbClr r="0" g="0" b="0"/>
-        </a:fillRef>
-        <a:effectRef idx="0">
-          <a:scrgbClr r="0" g="0" b="0"/>
-        </a:effectRef>
-        <a:fontRef idx="minor">
-          <a:schemeClr val="lt1"/>
-        </a:fontRef>
-      </dsp:style>
-    </dsp:sp>
-    <dsp:sp modelId="{5D1714F9-5C4B-4AD9-AC99-11AB577DCF20}">
-      <dsp:nvSpPr>
-        <dsp:cNvPr id="0" name=""/>
-        <dsp:cNvSpPr/>
-      </dsp:nvSpPr>
-      <dsp:spPr>
-        <a:xfrm>
-          <a:off x="5591279" y="1503303"/>
-          <a:ext cx="1457458" cy="925486"/>
-        </a:xfrm>
-        <a:prstGeom prst="roundRect">
-          <a:avLst>
-            <a:gd name="adj" fmla="val 10000"/>
-          </a:avLst>
-        </a:prstGeom>
-        <a:solidFill>
-          <a:schemeClr val="lt1">
-            <a:alpha val="90000"/>
-            <a:hueOff val="0"/>
-            <a:satOff val="0"/>
-            <a:lumOff val="0"/>
-            <a:alphaOff val="0"/>
-          </a:schemeClr>
-        </a:solidFill>
-        <a:ln w="15875" cap="rnd" cmpd="sng" algn="ctr">
-          <a:solidFill>
-            <a:schemeClr val="accent1">
-              <a:hueOff val="0"/>
-              <a:satOff val="0"/>
-              <a:lumOff val="0"/>
-              <a:alphaOff val="0"/>
-            </a:schemeClr>
-          </a:solidFill>
-          <a:prstDash val="solid"/>
-        </a:ln>
-        <a:effectLst/>
-      </dsp:spPr>
-      <dsp:style>
-        <a:lnRef idx="2">
-          <a:scrgbClr r="0" g="0" b="0"/>
-        </a:lnRef>
-        <a:fillRef idx="1">
-          <a:scrgbClr r="0" g="0" b="0"/>
-        </a:fillRef>
-        <a:effectRef idx="0">
-          <a:scrgbClr r="0" g="0" b="0"/>
-        </a:effectRef>
-        <a:fontRef idx="minor"/>
-      </dsp:style>
-      <dsp:txBody>
-        <a:bodyPr spcFirstLastPara="0" vert="horz" wrap="square" lIns="91440" tIns="91440" rIns="91440" bIns="91440" numCol="1" spcCol="1270" anchor="ctr" anchorCtr="0">
-          <a:noAutofit/>
-        </a:bodyPr>
-        <a:lstStyle/>
-        <a:p>
-          <a:pPr lvl="0" algn="ctr" defTabSz="1066800">
-            <a:lnSpc>
-              <a:spcPct val="90000"/>
-            </a:lnSpc>
-            <a:spcBef>
-              <a:spcPct val="0"/>
-            </a:spcBef>
-            <a:spcAft>
-              <a:spcPct val="35000"/>
-            </a:spcAft>
-          </a:pPr>
-          <a:r>
-            <a:rPr lang="zh-CN" altLang="en-US" sz="2400" kern="1200" dirty="0" smtClean="0"/>
-            <a:t>写权限</a:t>
-          </a:r>
-          <a:endParaRPr lang="zh-CN" altLang="en-US" sz="2400" kern="1200" dirty="0"/>
-        </a:p>
-      </dsp:txBody>
-      <dsp:txXfrm>
-        <a:off x="5618386" y="1530410"/>
-        <a:ext cx="1403244" cy="871272"/>
-      </dsp:txXfrm>
-    </dsp:sp>
-    <dsp:sp modelId="{48602C31-13E7-4F40-B197-CC7FFB048F25}">
-      <dsp:nvSpPr>
-        <dsp:cNvPr id="0" name=""/>
-        <dsp:cNvSpPr/>
-      </dsp:nvSpPr>
-      <dsp:spPr>
-        <a:xfrm>
-          <a:off x="5429339" y="2698824"/>
-          <a:ext cx="1457458" cy="925486"/>
-        </a:xfrm>
-        <a:prstGeom prst="roundRect">
-          <a:avLst>
-            <a:gd name="adj" fmla="val 10000"/>
-          </a:avLst>
-        </a:prstGeom>
-        <a:solidFill>
-          <a:schemeClr val="accent1">
-            <a:hueOff val="0"/>
-            <a:satOff val="0"/>
-            <a:lumOff val="0"/>
-            <a:alphaOff val="0"/>
-          </a:schemeClr>
-        </a:solidFill>
-        <a:ln w="15875" cap="rnd" cmpd="sng" algn="ctr">
-          <a:solidFill>
-            <a:schemeClr val="lt1">
-              <a:hueOff val="0"/>
-              <a:satOff val="0"/>
-              <a:lumOff val="0"/>
-              <a:alphaOff val="0"/>
-            </a:schemeClr>
-          </a:solidFill>
-          <a:prstDash val="solid"/>
-        </a:ln>
-        <a:effectLst/>
-      </dsp:spPr>
-      <dsp:style>
-        <a:lnRef idx="2">
-          <a:scrgbClr r="0" g="0" b="0"/>
-        </a:lnRef>
-        <a:fillRef idx="1">
-          <a:scrgbClr r="0" g="0" b="0"/>
-        </a:fillRef>
-        <a:effectRef idx="0">
-          <a:scrgbClr r="0" g="0" b="0"/>
-        </a:effectRef>
-        <a:fontRef idx="minor">
-          <a:schemeClr val="lt1"/>
-        </a:fontRef>
-      </dsp:style>
-    </dsp:sp>
-    <dsp:sp modelId="{E07DD245-D333-4D7A-9983-89CAFE5FFC2D}">
-      <dsp:nvSpPr>
-        <dsp:cNvPr id="0" name=""/>
-        <dsp:cNvSpPr/>
-      </dsp:nvSpPr>
-      <dsp:spPr>
-        <a:xfrm>
-          <a:off x="5591279" y="2852667"/>
-          <a:ext cx="1457458" cy="925486"/>
-        </a:xfrm>
-        <a:prstGeom prst="roundRect">
-          <a:avLst>
-            <a:gd name="adj" fmla="val 10000"/>
-          </a:avLst>
-        </a:prstGeom>
-        <a:solidFill>
-          <a:schemeClr val="lt1">
-            <a:alpha val="90000"/>
-            <a:hueOff val="0"/>
-            <a:satOff val="0"/>
-            <a:lumOff val="0"/>
-            <a:alphaOff val="0"/>
-          </a:schemeClr>
-        </a:solidFill>
-        <a:ln w="15875" cap="rnd" cmpd="sng" algn="ctr">
-          <a:solidFill>
-            <a:schemeClr val="accent1">
-              <a:hueOff val="0"/>
-              <a:satOff val="0"/>
-              <a:lumOff val="0"/>
-              <a:alphaOff val="0"/>
-            </a:schemeClr>
-          </a:solidFill>
-          <a:prstDash val="solid"/>
-        </a:ln>
-        <a:effectLst/>
-      </dsp:spPr>
-      <dsp:style>
-        <a:lnRef idx="2">
-          <a:scrgbClr r="0" g="0" b="0"/>
-        </a:lnRef>
-        <a:fillRef idx="1">
-          <a:scrgbClr r="0" g="0" b="0"/>
-        </a:fillRef>
-        <a:effectRef idx="0">
-          <a:scrgbClr r="0" g="0" b="0"/>
-        </a:effectRef>
-        <a:fontRef idx="minor"/>
-      </dsp:style>
-      <dsp:txBody>
-        <a:bodyPr spcFirstLastPara="0" vert="horz" wrap="square" lIns="91440" tIns="91440" rIns="91440" bIns="91440" numCol="1" spcCol="1270" anchor="ctr" anchorCtr="0">
-          <a:noAutofit/>
-        </a:bodyPr>
-        <a:lstStyle/>
-        <a:p>
-          <a:pPr lvl="0" algn="ctr" defTabSz="1066800">
-            <a:lnSpc>
-              <a:spcPct val="90000"/>
-            </a:lnSpc>
-            <a:spcBef>
-              <a:spcPct val="0"/>
-            </a:spcBef>
-            <a:spcAft>
-              <a:spcPct val="35000"/>
-            </a:spcAft>
-          </a:pPr>
-          <a:r>
-            <a:rPr lang="zh-CN" altLang="en-US" sz="2400" kern="1200" dirty="0" smtClean="0"/>
-            <a:t>登录</a:t>
-          </a:r>
-          <a:endParaRPr lang="zh-CN" altLang="en-US" sz="2400" kern="1200" dirty="0"/>
-        </a:p>
-      </dsp:txBody>
-      <dsp:txXfrm>
-        <a:off x="5618386" y="2879774"/>
-        <a:ext cx="1403244" cy="871272"/>
-      </dsp:txXfrm>
-    </dsp:sp>
   </dsp:spTree>
 </dsp:drawing>
 </file>
@@ -10171,642 +7509,6 @@
       <dsp:cNvGrpSpPr/>
     </dsp:nvGrpSpPr>
     <dsp:grpSpPr/>
-    <dsp:sp modelId="{0B394667-2F4B-4196-B43D-1358C88F5307}">
-      <dsp:nvSpPr>
-        <dsp:cNvPr id="0" name=""/>
-        <dsp:cNvSpPr/>
-      </dsp:nvSpPr>
-      <dsp:spPr>
-        <a:xfrm>
-          <a:off x="2663577" y="1602355"/>
-          <a:ext cx="2175534" cy="2175894"/>
-        </a:xfrm>
-        <a:prstGeom prst="ellipse">
-          <a:avLst/>
-        </a:prstGeom>
-        <a:solidFill>
-          <a:schemeClr val="accent1">
-            <a:hueOff val="0"/>
-            <a:satOff val="0"/>
-            <a:lumOff val="0"/>
-            <a:alphaOff val="0"/>
-          </a:schemeClr>
-        </a:solidFill>
-        <a:ln w="15875" cap="rnd" cmpd="sng" algn="ctr">
-          <a:solidFill>
-            <a:schemeClr val="accent1">
-              <a:hueOff val="0"/>
-              <a:satOff val="0"/>
-              <a:lumOff val="0"/>
-              <a:alphaOff val="0"/>
-            </a:schemeClr>
-          </a:solidFill>
-          <a:prstDash val="solid"/>
-        </a:ln>
-        <a:effectLst/>
-      </dsp:spPr>
-      <dsp:style>
-        <a:lnRef idx="2">
-          <a:scrgbClr r="0" g="0" b="0"/>
-        </a:lnRef>
-        <a:fillRef idx="1">
-          <a:scrgbClr r="0" g="0" b="0"/>
-        </a:fillRef>
-        <a:effectRef idx="0">
-          <a:scrgbClr r="0" g="0" b="0"/>
-        </a:effectRef>
-        <a:fontRef idx="minor">
-          <a:schemeClr val="lt1"/>
-        </a:fontRef>
-      </dsp:style>
-    </dsp:sp>
-    <dsp:sp modelId="{2C1442B3-D1B2-4183-B1AD-49A015BEE295}">
-      <dsp:nvSpPr>
-        <dsp:cNvPr id="0" name=""/>
-        <dsp:cNvSpPr/>
-      </dsp:nvSpPr>
-      <dsp:spPr>
-        <a:xfrm>
-          <a:off x="4051231" y="0"/>
-          <a:ext cx="646117" cy="645702"/>
-        </a:xfrm>
-        <a:prstGeom prst="donut">
-          <a:avLst>
-            <a:gd name="adj" fmla="val 7460"/>
-          </a:avLst>
-        </a:prstGeom>
-        <a:solidFill>
-          <a:schemeClr val="accent1">
-            <a:hueOff val="0"/>
-            <a:satOff val="0"/>
-            <a:lumOff val="0"/>
-            <a:alphaOff val="0"/>
-          </a:schemeClr>
-        </a:solidFill>
-        <a:ln w="15875" cap="rnd" cmpd="sng" algn="ctr">
-          <a:solidFill>
-            <a:schemeClr val="accent1">
-              <a:hueOff val="0"/>
-              <a:satOff val="0"/>
-              <a:lumOff val="0"/>
-              <a:alphaOff val="0"/>
-            </a:schemeClr>
-          </a:solidFill>
-          <a:prstDash val="solid"/>
-        </a:ln>
-        <a:effectLst/>
-      </dsp:spPr>
-      <dsp:style>
-        <a:lnRef idx="2">
-          <a:scrgbClr r="0" g="0" b="0"/>
-        </a:lnRef>
-        <a:fillRef idx="1">
-          <a:scrgbClr r="0" g="0" b="0"/>
-        </a:fillRef>
-        <a:effectRef idx="0">
-          <a:scrgbClr r="0" g="0" b="0"/>
-        </a:effectRef>
-        <a:fontRef idx="minor">
-          <a:schemeClr val="lt1"/>
-        </a:fontRef>
-      </dsp:style>
-    </dsp:sp>
-    <dsp:sp modelId="{72AD77DF-DC16-4FF9-A03E-20D0A664D78E}">
-      <dsp:nvSpPr>
-        <dsp:cNvPr id="0" name=""/>
-        <dsp:cNvSpPr/>
-      </dsp:nvSpPr>
-      <dsp:spPr>
-        <a:xfrm>
-          <a:off x="2747182" y="1685855"/>
-          <a:ext cx="2009234" cy="2008895"/>
-        </a:xfrm>
-        <a:prstGeom prst="ellipse">
-          <a:avLst/>
-        </a:prstGeom>
-        <a:blipFill>
-          <a:blip xmlns:r="http://schemas.openxmlformats.org/officeDocument/2006/relationships" r:embed="rId1">
-            <a:extLst>
-              <a:ext uri="{28A0092B-C50C-407E-A947-70E740481C1C}">
-                <a14:useLocalDpi xmlns:a14="http://schemas.microsoft.com/office/drawing/2010/main" val="0"/>
-              </a:ext>
-            </a:extLst>
-          </a:blip>
-          <a:srcRect/>
-          <a:stretch>
-            <a:fillRect l="-13000" r="-13000"/>
-          </a:stretch>
-        </a:blipFill>
-        <a:ln w="15875" cap="rnd" cmpd="sng" algn="ctr">
-          <a:solidFill>
-            <a:schemeClr val="lt1">
-              <a:hueOff val="0"/>
-              <a:satOff val="0"/>
-              <a:lumOff val="0"/>
-              <a:alphaOff val="0"/>
-            </a:schemeClr>
-          </a:solidFill>
-          <a:prstDash val="solid"/>
-        </a:ln>
-        <a:effectLst/>
-      </dsp:spPr>
-      <dsp:style>
-        <a:lnRef idx="2">
-          <a:scrgbClr r="0" g="0" b="0"/>
-        </a:lnRef>
-        <a:fillRef idx="1">
-          <a:scrgbClr r="0" g="0" b="0"/>
-        </a:fillRef>
-        <a:effectRef idx="0">
-          <a:scrgbClr r="0" g="0" b="0"/>
-        </a:effectRef>
-        <a:fontRef idx="minor"/>
-      </dsp:style>
-    </dsp:sp>
-    <dsp:sp modelId="{D1EDC7DC-AF10-4F6C-8D2A-AF90F0D064B9}">
-      <dsp:nvSpPr>
-        <dsp:cNvPr id="0" name=""/>
-        <dsp:cNvSpPr/>
-      </dsp:nvSpPr>
-      <dsp:spPr>
-        <a:xfrm>
-          <a:off x="4997234" y="2013429"/>
-          <a:ext cx="1138657" cy="1138386"/>
-        </a:xfrm>
-        <a:prstGeom prst="ellipse">
-          <a:avLst/>
-        </a:prstGeom>
-        <a:solidFill>
-          <a:schemeClr val="accent1">
-            <a:hueOff val="0"/>
-            <a:satOff val="0"/>
-            <a:lumOff val="0"/>
-            <a:alphaOff val="0"/>
-          </a:schemeClr>
-        </a:solidFill>
-        <a:ln w="15875" cap="rnd" cmpd="sng" algn="ctr">
-          <a:solidFill>
-            <a:schemeClr val="accent1">
-              <a:hueOff val="0"/>
-              <a:satOff val="0"/>
-              <a:lumOff val="0"/>
-              <a:alphaOff val="0"/>
-            </a:schemeClr>
-          </a:solidFill>
-          <a:prstDash val="solid"/>
-        </a:ln>
-        <a:effectLst/>
-      </dsp:spPr>
-      <dsp:style>
-        <a:lnRef idx="2">
-          <a:scrgbClr r="0" g="0" b="0"/>
-        </a:lnRef>
-        <a:fillRef idx="1">
-          <a:scrgbClr r="0" g="0" b="0"/>
-        </a:fillRef>
-        <a:effectRef idx="0">
-          <a:scrgbClr r="0" g="0" b="0"/>
-        </a:effectRef>
-        <a:fontRef idx="minor">
-          <a:schemeClr val="lt1"/>
-        </a:fontRef>
-      </dsp:style>
-    </dsp:sp>
-    <dsp:sp modelId="{5864F6E5-EEDF-4A79-B640-D53F48F1F634}">
-      <dsp:nvSpPr>
-        <dsp:cNvPr id="0" name=""/>
-        <dsp:cNvSpPr/>
-      </dsp:nvSpPr>
-      <dsp:spPr>
-        <a:xfrm>
-          <a:off x="5064481" y="2080682"/>
-          <a:ext cx="1004162" cy="1004258"/>
-        </a:xfrm>
-        <a:prstGeom prst="ellipse">
-          <a:avLst/>
-        </a:prstGeom>
-        <a:blipFill>
-          <a:blip xmlns:r="http://schemas.openxmlformats.org/officeDocument/2006/relationships" r:embed="rId2">
-            <a:extLst>
-              <a:ext uri="{28A0092B-C50C-407E-A947-70E740481C1C}">
-                <a14:useLocalDpi xmlns:a14="http://schemas.microsoft.com/office/drawing/2010/main" val="0"/>
-              </a:ext>
-            </a:extLst>
-          </a:blip>
-          <a:srcRect/>
-          <a:stretch>
-            <a:fillRect l="-3000" r="-3000"/>
-          </a:stretch>
-        </a:blipFill>
-        <a:ln w="15875" cap="rnd" cmpd="sng" algn="ctr">
-          <a:solidFill>
-            <a:schemeClr val="lt1">
-              <a:hueOff val="0"/>
-              <a:satOff val="0"/>
-              <a:lumOff val="0"/>
-              <a:alphaOff val="0"/>
-            </a:schemeClr>
-          </a:solidFill>
-          <a:prstDash val="solid"/>
-        </a:ln>
-        <a:effectLst/>
-      </dsp:spPr>
-      <dsp:style>
-        <a:lnRef idx="2">
-          <a:scrgbClr r="0" g="0" b="0"/>
-        </a:lnRef>
-        <a:fillRef idx="1">
-          <a:scrgbClr r="0" g="0" b="0"/>
-        </a:fillRef>
-        <a:effectRef idx="0">
-          <a:scrgbClr r="0" g="0" b="0"/>
-        </a:effectRef>
-        <a:fontRef idx="minor"/>
-      </dsp:style>
-    </dsp:sp>
-    <dsp:sp modelId="{A982B4D0-0A47-492C-9EAF-545798C8B9C3}">
-      <dsp:nvSpPr>
-        <dsp:cNvPr id="0" name=""/>
-        <dsp:cNvSpPr/>
-      </dsp:nvSpPr>
-      <dsp:spPr>
-        <a:xfrm>
-          <a:off x="4551949" y="406539"/>
-          <a:ext cx="1459443" cy="1459915"/>
-        </a:xfrm>
-        <a:prstGeom prst="ellipse">
-          <a:avLst/>
-        </a:prstGeom>
-        <a:solidFill>
-          <a:schemeClr val="accent1">
-            <a:hueOff val="0"/>
-            <a:satOff val="0"/>
-            <a:lumOff val="0"/>
-            <a:alphaOff val="0"/>
-          </a:schemeClr>
-        </a:solidFill>
-        <a:ln w="15875" cap="rnd" cmpd="sng" algn="ctr">
-          <a:solidFill>
-            <a:schemeClr val="accent1">
-              <a:hueOff val="0"/>
-              <a:satOff val="0"/>
-              <a:lumOff val="0"/>
-              <a:alphaOff val="0"/>
-            </a:schemeClr>
-          </a:solidFill>
-          <a:prstDash val="solid"/>
-        </a:ln>
-        <a:effectLst/>
-      </dsp:spPr>
-      <dsp:style>
-        <a:lnRef idx="2">
-          <a:scrgbClr r="0" g="0" b="0"/>
-        </a:lnRef>
-        <a:fillRef idx="1">
-          <a:scrgbClr r="0" g="0" b="0"/>
-        </a:fillRef>
-        <a:effectRef idx="0">
-          <a:scrgbClr r="0" g="0" b="0"/>
-        </a:effectRef>
-        <a:fontRef idx="minor">
-          <a:schemeClr val="lt1"/>
-        </a:fontRef>
-      </dsp:style>
-    </dsp:sp>
-    <dsp:sp modelId="{0C7BF5FF-DCE5-46AB-9EDD-EA6453357200}">
-      <dsp:nvSpPr>
-        <dsp:cNvPr id="0" name=""/>
-        <dsp:cNvSpPr/>
-      </dsp:nvSpPr>
-      <dsp:spPr>
-        <a:xfrm>
-          <a:off x="5772393" y="47983"/>
-          <a:ext cx="477999" cy="478326"/>
-        </a:xfrm>
-        <a:prstGeom prst="donut">
-          <a:avLst>
-            <a:gd name="adj" fmla="val 7460"/>
-          </a:avLst>
-        </a:prstGeom>
-        <a:solidFill>
-          <a:schemeClr val="accent1">
-            <a:hueOff val="0"/>
-            <a:satOff val="0"/>
-            <a:lumOff val="0"/>
-            <a:alphaOff val="0"/>
-          </a:schemeClr>
-        </a:solidFill>
-        <a:ln w="15875" cap="rnd" cmpd="sng" algn="ctr">
-          <a:solidFill>
-            <a:schemeClr val="accent1">
-              <a:hueOff val="0"/>
-              <a:satOff val="0"/>
-              <a:lumOff val="0"/>
-              <a:alphaOff val="0"/>
-            </a:schemeClr>
-          </a:solidFill>
-          <a:prstDash val="solid"/>
-        </a:ln>
-        <a:effectLst/>
-      </dsp:spPr>
-      <dsp:style>
-        <a:lnRef idx="2">
-          <a:scrgbClr r="0" g="0" b="0"/>
-        </a:lnRef>
-        <a:fillRef idx="1">
-          <a:scrgbClr r="0" g="0" b="0"/>
-        </a:fillRef>
-        <a:effectRef idx="0">
-          <a:scrgbClr r="0" g="0" b="0"/>
-        </a:effectRef>
-        <a:fontRef idx="minor">
-          <a:schemeClr val="lt1"/>
-        </a:fontRef>
-      </dsp:style>
-    </dsp:sp>
-    <dsp:sp modelId="{6A5D9C0D-0E5D-41F9-86E9-31EABA42AF53}">
-      <dsp:nvSpPr>
-        <dsp:cNvPr id="0" name=""/>
-        <dsp:cNvSpPr/>
-      </dsp:nvSpPr>
-      <dsp:spPr>
-        <a:xfrm>
-          <a:off x="6251302" y="3156727"/>
-          <a:ext cx="358954" cy="358555"/>
-        </a:xfrm>
-        <a:prstGeom prst="donut">
-          <a:avLst>
-            <a:gd name="adj" fmla="val 7460"/>
-          </a:avLst>
-        </a:prstGeom>
-        <a:solidFill>
-          <a:schemeClr val="accent1">
-            <a:hueOff val="0"/>
-            <a:satOff val="0"/>
-            <a:lumOff val="0"/>
-            <a:alphaOff val="0"/>
-          </a:schemeClr>
-        </a:solidFill>
-        <a:ln w="15875" cap="rnd" cmpd="sng" algn="ctr">
-          <a:solidFill>
-            <a:schemeClr val="accent1">
-              <a:hueOff val="0"/>
-              <a:satOff val="0"/>
-              <a:lumOff val="0"/>
-              <a:alphaOff val="0"/>
-            </a:schemeClr>
-          </a:solidFill>
-          <a:prstDash val="solid"/>
-        </a:ln>
-        <a:effectLst/>
-      </dsp:spPr>
-      <dsp:style>
-        <a:lnRef idx="2">
-          <a:scrgbClr r="0" g="0" b="0"/>
-        </a:lnRef>
-        <a:fillRef idx="1">
-          <a:scrgbClr r="0" g="0" b="0"/>
-        </a:fillRef>
-        <a:effectRef idx="0">
-          <a:scrgbClr r="0" g="0" b="0"/>
-        </a:effectRef>
-        <a:fontRef idx="minor">
-          <a:schemeClr val="lt1"/>
-        </a:fontRef>
-      </dsp:style>
-    </dsp:sp>
-    <dsp:sp modelId="{859DEB26-1DB4-4F5F-99A1-2A8B544237A5}">
-      <dsp:nvSpPr>
-        <dsp:cNvPr id="0" name=""/>
-        <dsp:cNvSpPr/>
-      </dsp:nvSpPr>
-      <dsp:spPr>
-        <a:xfrm>
-          <a:off x="4629192" y="483615"/>
-          <a:ext cx="1305866" cy="1305763"/>
-        </a:xfrm>
-        <a:prstGeom prst="ellipse">
-          <a:avLst/>
-        </a:prstGeom>
-        <a:blipFill>
-          <a:blip xmlns:r="http://schemas.openxmlformats.org/officeDocument/2006/relationships" r:embed="rId3">
-            <a:extLst>
-              <a:ext uri="{28A0092B-C50C-407E-A947-70E740481C1C}">
-                <a14:useLocalDpi xmlns:a14="http://schemas.microsoft.com/office/drawing/2010/main" val="0"/>
-              </a:ext>
-            </a:extLst>
-          </a:blip>
-          <a:srcRect/>
-          <a:stretch>
-            <a:fillRect t="-3000" b="-3000"/>
-          </a:stretch>
-        </a:blipFill>
-        <a:ln w="15875" cap="rnd" cmpd="sng" algn="ctr">
-          <a:solidFill>
-            <a:schemeClr val="lt1">
-              <a:hueOff val="0"/>
-              <a:satOff val="0"/>
-              <a:lumOff val="0"/>
-              <a:alphaOff val="0"/>
-            </a:schemeClr>
-          </a:solidFill>
-          <a:prstDash val="solid"/>
-        </a:ln>
-        <a:effectLst/>
-      </dsp:spPr>
-      <dsp:style>
-        <a:lnRef idx="2">
-          <a:scrgbClr r="0" g="0" b="0"/>
-        </a:lnRef>
-        <a:fillRef idx="1">
-          <a:scrgbClr r="0" g="0" b="0"/>
-        </a:fillRef>
-        <a:effectRef idx="0">
-          <a:scrgbClr r="0" g="0" b="0"/>
-        </a:effectRef>
-        <a:fontRef idx="minor"/>
-      </dsp:style>
-    </dsp:sp>
-    <dsp:sp modelId="{D662E563-E01D-4E09-BDC8-D67DF6C21453}">
-      <dsp:nvSpPr>
-        <dsp:cNvPr id="0" name=""/>
-        <dsp:cNvSpPr/>
-      </dsp:nvSpPr>
-      <dsp:spPr>
-        <a:xfrm>
-          <a:off x="511670" y="483615"/>
-          <a:ext cx="3228769" cy="1048464"/>
-        </a:xfrm>
-        <a:prstGeom prst="rect">
-          <a:avLst/>
-        </a:prstGeom>
-        <a:noFill/>
-        <a:ln>
-          <a:noFill/>
-        </a:ln>
-        <a:effectLst/>
-      </dsp:spPr>
-      <dsp:style>
-        <a:lnRef idx="0">
-          <a:scrgbClr r="0" g="0" b="0"/>
-        </a:lnRef>
-        <a:fillRef idx="0">
-          <a:scrgbClr r="0" g="0" b="0"/>
-        </a:fillRef>
-        <a:effectRef idx="0">
-          <a:scrgbClr r="0" g="0" b="0"/>
-        </a:effectRef>
-        <a:fontRef idx="minor"/>
-      </dsp:style>
-      <dsp:txBody>
-        <a:bodyPr spcFirstLastPara="0" vert="horz" wrap="square" lIns="44450" tIns="44450" rIns="44450" bIns="4445" numCol="1" spcCol="1270" anchor="b" anchorCtr="0">
-          <a:noAutofit/>
-        </a:bodyPr>
-        <a:lstStyle/>
-        <a:p>
-          <a:pPr lvl="0" algn="r" defTabSz="1555750">
-            <a:lnSpc>
-              <a:spcPct val="90000"/>
-            </a:lnSpc>
-            <a:spcBef>
-              <a:spcPct val="0"/>
-            </a:spcBef>
-            <a:spcAft>
-              <a:spcPct val="35000"/>
-            </a:spcAft>
-          </a:pPr>
-          <a:r>
-            <a:rPr lang="zh-CN" altLang="en-US" sz="3500" kern="1200" dirty="0" smtClean="0"/>
-            <a:t>自定义树状目录</a:t>
-          </a:r>
-          <a:endParaRPr lang="zh-CN" altLang="en-US" sz="3500" kern="1200" dirty="0"/>
-        </a:p>
-      </dsp:txBody>
-      <dsp:txXfrm>
-        <a:off x="511670" y="483615"/>
-        <a:ext cx="3228769" cy="1048464"/>
-      </dsp:txXfrm>
-    </dsp:sp>
-    <dsp:sp modelId="{928ABC52-124C-4D7A-9173-0C4DBCB42C07}">
-      <dsp:nvSpPr>
-        <dsp:cNvPr id="0" name=""/>
-        <dsp:cNvSpPr/>
-      </dsp:nvSpPr>
-      <dsp:spPr>
-        <a:xfrm>
-          <a:off x="6370347" y="2080682"/>
-          <a:ext cx="3228769" cy="1004258"/>
-        </a:xfrm>
-        <a:prstGeom prst="rect">
-          <a:avLst/>
-        </a:prstGeom>
-        <a:noFill/>
-        <a:ln>
-          <a:noFill/>
-        </a:ln>
-        <a:effectLst/>
-      </dsp:spPr>
-      <dsp:style>
-        <a:lnRef idx="0">
-          <a:scrgbClr r="0" g="0" b="0"/>
-        </a:lnRef>
-        <a:fillRef idx="0">
-          <a:scrgbClr r="0" g="0" b="0"/>
-        </a:fillRef>
-        <a:effectRef idx="0">
-          <a:scrgbClr r="0" g="0" b="0"/>
-        </a:effectRef>
-        <a:fontRef idx="minor"/>
-      </dsp:style>
-      <dsp:txBody>
-        <a:bodyPr spcFirstLastPara="0" vert="horz" wrap="square" lIns="44450" tIns="44450" rIns="44450" bIns="44450" numCol="1" spcCol="1270" anchor="ctr" anchorCtr="0">
-          <a:noAutofit/>
-        </a:bodyPr>
-        <a:lstStyle/>
-        <a:p>
-          <a:pPr lvl="0" algn="l" defTabSz="1555750">
-            <a:lnSpc>
-              <a:spcPct val="90000"/>
-            </a:lnSpc>
-            <a:spcBef>
-              <a:spcPct val="0"/>
-            </a:spcBef>
-            <a:spcAft>
-              <a:spcPct val="35000"/>
-            </a:spcAft>
-          </a:pPr>
-          <a:r>
-            <a:rPr lang="zh-CN" altLang="en-US" sz="3500" kern="1200" dirty="0" smtClean="0"/>
-            <a:t>显示、隐藏</a:t>
-          </a:r>
-          <a:endParaRPr lang="zh-CN" altLang="en-US" sz="3500" kern="1200" dirty="0"/>
-        </a:p>
-      </dsp:txBody>
-      <dsp:txXfrm>
-        <a:off x="6370347" y="2080682"/>
-        <a:ext cx="3228769" cy="1004258"/>
-      </dsp:txXfrm>
-    </dsp:sp>
-    <dsp:sp modelId="{1852000B-1C04-45DE-B2F9-87276E2C1EDF}">
-      <dsp:nvSpPr>
-        <dsp:cNvPr id="0" name=""/>
-        <dsp:cNvSpPr/>
-      </dsp:nvSpPr>
-      <dsp:spPr>
-        <a:xfrm>
-          <a:off x="6192570" y="541670"/>
-          <a:ext cx="2933079" cy="1305763"/>
-        </a:xfrm>
-        <a:prstGeom prst="rect">
-          <a:avLst/>
-        </a:prstGeom>
-        <a:noFill/>
-        <a:ln>
-          <a:noFill/>
-        </a:ln>
-        <a:effectLst/>
-      </dsp:spPr>
-      <dsp:style>
-        <a:lnRef idx="0">
-          <a:scrgbClr r="0" g="0" b="0"/>
-        </a:lnRef>
-        <a:fillRef idx="0">
-          <a:scrgbClr r="0" g="0" b="0"/>
-        </a:fillRef>
-        <a:effectRef idx="0">
-          <a:scrgbClr r="0" g="0" b="0"/>
-        </a:effectRef>
-        <a:fontRef idx="minor"/>
-      </dsp:style>
-      <dsp:txBody>
-        <a:bodyPr spcFirstLastPara="0" vert="horz" wrap="square" lIns="44450" tIns="44450" rIns="44450" bIns="44450" numCol="1" spcCol="1270" anchor="ctr" anchorCtr="0">
-          <a:noAutofit/>
-        </a:bodyPr>
-        <a:lstStyle/>
-        <a:p>
-          <a:pPr lvl="0" algn="l" defTabSz="1555750">
-            <a:lnSpc>
-              <a:spcPct val="90000"/>
-            </a:lnSpc>
-            <a:spcBef>
-              <a:spcPct val="0"/>
-            </a:spcBef>
-            <a:spcAft>
-              <a:spcPct val="35000"/>
-            </a:spcAft>
-          </a:pPr>
-          <a:r>
-            <a:rPr lang="zh-CN" altLang="en-US" sz="3500" kern="1200" dirty="0" smtClean="0"/>
-            <a:t>添加、修改、插入、删除</a:t>
-          </a:r>
-          <a:endParaRPr lang="zh-CN" altLang="en-US" sz="3500" kern="1200" dirty="0"/>
-        </a:p>
-      </dsp:txBody>
-      <dsp:txXfrm>
-        <a:off x="6192570" y="541670"/>
-        <a:ext cx="2933079" cy="1305763"/>
-      </dsp:txXfrm>
-    </dsp:sp>
   </dsp:spTree>
 </dsp:drawing>
 </file>
@@ -20893,7 +17595,7 @@
             <a:fld id="{B61BEF0D-F0BB-DE4B-95CE-6DB70DBA9567}" type="datetimeFigureOut">
               <a:rPr lang="en-US" dirty="0"/>
               <a:pPr/>
-              <a:t>5/30/2016</a:t>
+              <a:t>5/31/2016</a:t>
             </a:fld>
             <a:endParaRPr lang="en-US" dirty="0"/>
           </a:p>
@@ -21228,7 +17930,7 @@
             <a:fld id="{B61BEF0D-F0BB-DE4B-95CE-6DB70DBA9567}" type="datetimeFigureOut">
               <a:rPr lang="en-US" dirty="0"/>
               <a:pPr/>
-              <a:t>5/30/2016</a:t>
+              <a:t>5/31/2016</a:t>
             </a:fld>
             <a:endParaRPr lang="en-US" dirty="0"/>
           </a:p>
@@ -21626,7 +18328,7 @@
             <a:fld id="{B61BEF0D-F0BB-DE4B-95CE-6DB70DBA9567}" type="datetimeFigureOut">
               <a:rPr lang="en-US" dirty="0"/>
               <a:pPr/>
-              <a:t>5/30/2016</a:t>
+              <a:t>5/31/2016</a:t>
             </a:fld>
             <a:endParaRPr lang="en-US" dirty="0"/>
           </a:p>
@@ -21959,7 +18661,7 @@
             <a:fld id="{B61BEF0D-F0BB-DE4B-95CE-6DB70DBA9567}" type="datetimeFigureOut">
               <a:rPr lang="en-US" dirty="0"/>
               <a:pPr/>
-              <a:t>5/30/2016</a:t>
+              <a:t>5/31/2016</a:t>
             </a:fld>
             <a:endParaRPr lang="en-US" dirty="0"/>
           </a:p>
@@ -22276,7 +18978,7 @@
             <a:fld id="{B61BEF0D-F0BB-DE4B-95CE-6DB70DBA9567}" type="datetimeFigureOut">
               <a:rPr lang="en-US" dirty="0"/>
               <a:pPr/>
-              <a:t>5/30/2016</a:t>
+              <a:t>5/31/2016</a:t>
             </a:fld>
             <a:endParaRPr lang="en-US" dirty="0"/>
           </a:p>
@@ -22669,7 +19371,7 @@
             <a:fld id="{B61BEF0D-F0BB-DE4B-95CE-6DB70DBA9567}" type="datetimeFigureOut">
               <a:rPr lang="en-US" dirty="0"/>
               <a:pPr/>
-              <a:t>5/30/2016</a:t>
+              <a:t>5/31/2016</a:t>
             </a:fld>
             <a:endParaRPr lang="en-US" dirty="0"/>
           </a:p>
@@ -22923,7 +19625,7 @@
             <a:fld id="{B61BEF0D-F0BB-DE4B-95CE-6DB70DBA9567}" type="datetimeFigureOut">
               <a:rPr lang="en-US" dirty="0"/>
               <a:pPr/>
-              <a:t>5/30/2016</a:t>
+              <a:t>5/31/2016</a:t>
             </a:fld>
             <a:endParaRPr lang="en-US" dirty="0"/>
           </a:p>
@@ -23182,7 +19884,7 @@
             <a:fld id="{B61BEF0D-F0BB-DE4B-95CE-6DB70DBA9567}" type="datetimeFigureOut">
               <a:rPr lang="en-US" dirty="0"/>
               <a:pPr/>
-              <a:t>5/30/2016</a:t>
+              <a:t>5/31/2016</a:t>
             </a:fld>
             <a:endParaRPr lang="en-US" dirty="0"/>
           </a:p>
@@ -23441,7 +20143,7 @@
             <a:fld id="{B61BEF0D-F0BB-DE4B-95CE-6DB70DBA9567}" type="datetimeFigureOut">
               <a:rPr lang="en-US" dirty="0"/>
               <a:pPr/>
-              <a:t>5/30/2016</a:t>
+              <a:t>5/31/2016</a:t>
             </a:fld>
             <a:endParaRPr lang="en-US" dirty="0"/>
           </a:p>
@@ -23767,7 +20469,7 @@
             <a:fld id="{B61BEF0D-F0BB-DE4B-95CE-6DB70DBA9567}" type="datetimeFigureOut">
               <a:rPr lang="en-US" dirty="0"/>
               <a:pPr/>
-              <a:t>5/30/2016</a:t>
+              <a:t>5/31/2016</a:t>
             </a:fld>
             <a:endParaRPr lang="en-US" dirty="0"/>
           </a:p>
@@ -24087,7 +20789,7 @@
             <a:fld id="{B61BEF0D-F0BB-DE4B-95CE-6DB70DBA9567}" type="datetimeFigureOut">
               <a:rPr lang="en-US" dirty="0"/>
               <a:pPr/>
-              <a:t>5/30/2016</a:t>
+              <a:t>5/31/2016</a:t>
             </a:fld>
             <a:endParaRPr lang="en-US" dirty="0"/>
           </a:p>
@@ -24541,7 +21243,7 @@
             <a:fld id="{B61BEF0D-F0BB-DE4B-95CE-6DB70DBA9567}" type="datetimeFigureOut">
               <a:rPr lang="en-US" dirty="0"/>
               <a:pPr/>
-              <a:t>5/30/2016</a:t>
+              <a:t>5/31/2016</a:t>
             </a:fld>
             <a:endParaRPr lang="en-US" dirty="0"/>
           </a:p>
@@ -24743,7 +21445,7 @@
             <a:fld id="{B61BEF0D-F0BB-DE4B-95CE-6DB70DBA9567}" type="datetimeFigureOut">
               <a:rPr lang="en-US" dirty="0"/>
               <a:pPr/>
-              <a:t>5/30/2016</a:t>
+              <a:t>5/31/2016</a:t>
             </a:fld>
             <a:endParaRPr lang="en-US" dirty="0"/>
           </a:p>
@@ -24917,7 +21619,7 @@
             <a:fld id="{B61BEF0D-F0BB-DE4B-95CE-6DB70DBA9567}" type="datetimeFigureOut">
               <a:rPr lang="en-US" dirty="0"/>
               <a:pPr/>
-              <a:t>5/30/2016</a:t>
+              <a:t>5/31/2016</a:t>
             </a:fld>
             <a:endParaRPr lang="en-US" dirty="0"/>
           </a:p>
@@ -25247,7 +21949,7 @@
             <a:fld id="{B61BEF0D-F0BB-DE4B-95CE-6DB70DBA9567}" type="datetimeFigureOut">
               <a:rPr lang="en-US" dirty="0"/>
               <a:pPr/>
-              <a:t>5/30/2016</a:t>
+              <a:t>5/31/2016</a:t>
             </a:fld>
             <a:endParaRPr lang="en-US" dirty="0"/>
           </a:p>
@@ -25589,7 +22291,7 @@
             <a:fld id="{B61BEF0D-F0BB-DE4B-95CE-6DB70DBA9567}" type="datetimeFigureOut">
               <a:rPr lang="en-US" dirty="0"/>
               <a:pPr/>
-              <a:t>5/30/2016</a:t>
+              <a:t>5/31/2016</a:t>
             </a:fld>
             <a:endParaRPr lang="en-US" dirty="0"/>
           </a:p>
@@ -27703,7 +24405,7 @@
             <a:fld id="{B61BEF0D-F0BB-DE4B-95CE-6DB70DBA9567}" type="datetimeFigureOut">
               <a:rPr lang="en-US" dirty="0"/>
               <a:pPr/>
-              <a:t>5/30/2016</a:t>
+              <a:t>5/31/2016</a:t>
             </a:fld>
             <a:endParaRPr lang="en-US" dirty="0"/>
           </a:p>
@@ -28249,13 +24951,7 @@
               <a:rPr lang="zh-CN" altLang="en-US" dirty="0" smtClean="0">
                 <a:hlinkClick r:id="rId2"/>
               </a:rPr>
-              <a:t>水</a:t>
-            </a:r>
-            <a:r>
-              <a:rPr lang="zh-CN" altLang="en-US" dirty="0" smtClean="0">
-                <a:hlinkClick r:id="rId2"/>
-              </a:rPr>
-              <a:t>利档案管</a:t>
+              <a:t>水利档案管</a:t>
             </a:r>
             <a:r>
               <a:rPr lang="zh-CN" altLang="en-US" dirty="0">
@@ -28314,6 +25010,391 @@
 </file>
 
 <file path=ppt/slides/slide10.xml><?xml version="1.0" encoding="utf-8"?>
+<p:sld xmlns:a="http://schemas.openxmlformats.org/drawingml/2006/main" xmlns:r="http://schemas.openxmlformats.org/officeDocument/2006/relationships" xmlns:p="http://schemas.openxmlformats.org/presentationml/2006/main">
+  <p:cSld>
+    <p:spTree>
+      <p:nvGrpSpPr>
+        <p:cNvPr id="1" name=""/>
+        <p:cNvGrpSpPr/>
+        <p:nvPr/>
+      </p:nvGrpSpPr>
+      <p:grpSpPr>
+        <a:xfrm>
+          <a:off x="0" y="0"/>
+          <a:ext cx="0" cy="0"/>
+          <a:chOff x="0" y="0"/>
+          <a:chExt cx="0" cy="0"/>
+        </a:xfrm>
+      </p:grpSpPr>
+      <p:sp>
+        <p:nvSpPr>
+          <p:cNvPr id="6" name="标题 1"/>
+          <p:cNvSpPr>
+            <a:spLocks noGrp="1"/>
+          </p:cNvSpPr>
+          <p:nvPr>
+            <p:ph type="title"/>
+          </p:nvPr>
+        </p:nvSpPr>
+        <p:spPr>
+          <a:xfrm>
+            <a:off x="2682781" y="707785"/>
+            <a:ext cx="4807619" cy="912082"/>
+          </a:xfrm>
+        </p:spPr>
+        <p:txBody>
+          <a:bodyPr>
+            <a:normAutofit/>
+          </a:bodyPr>
+          <a:lstStyle/>
+          <a:p>
+            <a:r>
+              <a:rPr lang="zh-CN" altLang="en-US" dirty="0" smtClean="0"/>
+              <a:t>产品差异性及竞争优势</a:t>
+            </a:r>
+            <a:endParaRPr lang="zh-CN" altLang="en-US" dirty="0"/>
+          </a:p>
+        </p:txBody>
+      </p:sp>
+      <p:sp>
+        <p:nvSpPr>
+          <p:cNvPr id="3" name="内容占位符 2"/>
+          <p:cNvSpPr>
+            <a:spLocks noGrp="1"/>
+          </p:cNvSpPr>
+          <p:nvPr>
+            <p:ph idx="1"/>
+          </p:nvPr>
+        </p:nvSpPr>
+        <p:spPr>
+          <a:xfrm>
+            <a:off x="2829925" y="2167588"/>
+            <a:ext cx="7201864" cy="2655629"/>
+          </a:xfrm>
+        </p:spPr>
+        <p:txBody>
+          <a:bodyPr>
+            <a:normAutofit/>
+          </a:bodyPr>
+          <a:lstStyle/>
+          <a:p>
+            <a:r>
+              <a:rPr lang="zh-CN" altLang="en-US" sz="2000" dirty="0" smtClean="0"/>
+              <a:t>基于工程师个人电脑运行，又与局域网中其它</a:t>
+            </a:r>
+            <a:r>
+              <a:rPr lang="en-US" altLang="zh-CN" sz="2000" dirty="0" err="1" smtClean="0"/>
+              <a:t>cms</a:t>
+            </a:r>
+            <a:r>
+              <a:rPr lang="zh-CN" altLang="en-US" sz="2000" dirty="0"/>
+              <a:t>无障</a:t>
+            </a:r>
+            <a:r>
+              <a:rPr lang="zh-CN" altLang="en-US" sz="2000" dirty="0" smtClean="0"/>
+              <a:t>碍搜索、互访。</a:t>
+            </a:r>
+            <a:endParaRPr lang="en-US" altLang="zh-CN" sz="2000" dirty="0"/>
+          </a:p>
+          <a:p>
+            <a:r>
+              <a:rPr lang="zh-CN" altLang="en-US" sz="2000" dirty="0" smtClean="0"/>
+              <a:t>符合水利行业资料管理习惯。</a:t>
+            </a:r>
+            <a:endParaRPr lang="en-US" altLang="zh-CN" sz="2000" dirty="0" smtClean="0"/>
+          </a:p>
+          <a:p>
+            <a:r>
+              <a:rPr lang="zh-CN" altLang="en-US" sz="2000" dirty="0" smtClean="0"/>
+              <a:t>快捷上传资料。</a:t>
+            </a:r>
+            <a:endParaRPr lang="en-US" altLang="zh-CN" sz="2000" dirty="0" smtClean="0"/>
+          </a:p>
+          <a:p>
+            <a:r>
+              <a:rPr lang="zh-CN" altLang="en-US" sz="2000" dirty="0" smtClean="0"/>
+              <a:t>规范、图集的管理。</a:t>
+            </a:r>
+            <a:endParaRPr lang="en-US" altLang="zh-CN" sz="2000" dirty="0" smtClean="0"/>
+          </a:p>
+          <a:p>
+            <a:endParaRPr lang="zh-CN" altLang="en-US" sz="2000" dirty="0"/>
+          </a:p>
+        </p:txBody>
+      </p:sp>
+    </p:spTree>
+    <p:extLst>
+      <p:ext uri="{BB962C8B-B14F-4D97-AF65-F5344CB8AC3E}">
+        <p14:creationId xmlns:p14="http://schemas.microsoft.com/office/powerpoint/2010/main" val="2052053070"/>
+      </p:ext>
+    </p:extLst>
+  </p:cSld>
+  <p:clrMapOvr>
+    <a:masterClrMapping/>
+  </p:clrMapOvr>
+</p:sld>
+</file>
+
+<file path=ppt/slides/slide11.xml><?xml version="1.0" encoding="utf-8"?>
+<p:sld xmlns:a="http://schemas.openxmlformats.org/drawingml/2006/main" xmlns:r="http://schemas.openxmlformats.org/officeDocument/2006/relationships" xmlns:p="http://schemas.openxmlformats.org/presentationml/2006/main">
+  <p:cSld>
+    <p:spTree>
+      <p:nvGrpSpPr>
+        <p:cNvPr id="1" name=""/>
+        <p:cNvGrpSpPr/>
+        <p:nvPr/>
+      </p:nvGrpSpPr>
+      <p:grpSpPr>
+        <a:xfrm>
+          <a:off x="0" y="0"/>
+          <a:ext cx="0" cy="0"/>
+          <a:chOff x="0" y="0"/>
+          <a:chExt cx="0" cy="0"/>
+        </a:xfrm>
+      </p:grpSpPr>
+      <p:sp>
+        <p:nvSpPr>
+          <p:cNvPr id="2" name="标题 1"/>
+          <p:cNvSpPr>
+            <a:spLocks noGrp="1"/>
+          </p:cNvSpPr>
+          <p:nvPr>
+            <p:ph type="title"/>
+          </p:nvPr>
+        </p:nvSpPr>
+        <p:spPr/>
+        <p:txBody>
+          <a:bodyPr/>
+          <a:lstStyle/>
+          <a:p>
+            <a:r>
+              <a:rPr lang="zh-CN" altLang="en-US" dirty="0" smtClean="0"/>
+              <a:t>一、核心功能</a:t>
+            </a:r>
+            <a:endParaRPr lang="zh-CN" altLang="en-US" dirty="0"/>
+          </a:p>
+        </p:txBody>
+      </p:sp>
+      <p:sp>
+        <p:nvSpPr>
+          <p:cNvPr id="3" name="内容占位符 2"/>
+          <p:cNvSpPr>
+            <a:spLocks noGrp="1"/>
+          </p:cNvSpPr>
+          <p:nvPr>
+            <p:ph idx="1"/>
+          </p:nvPr>
+        </p:nvSpPr>
+        <p:spPr/>
+        <p:txBody>
+          <a:bodyPr>
+            <a:normAutofit/>
+          </a:bodyPr>
+          <a:lstStyle/>
+          <a:p>
+            <a:r>
+              <a:rPr lang="zh-CN" altLang="en-US" sz="2800" dirty="0"/>
+              <a:t>完善的资料</a:t>
+            </a:r>
+            <a:r>
+              <a:rPr lang="zh-CN" altLang="en-US" sz="2800" dirty="0" smtClean="0"/>
+              <a:t>管理</a:t>
+            </a:r>
+            <a:endParaRPr lang="en-US" altLang="zh-CN" sz="2800" dirty="0" smtClean="0"/>
+          </a:p>
+          <a:p>
+            <a:r>
+              <a:rPr lang="zh-CN" altLang="en-US" sz="2800" dirty="0"/>
+              <a:t>水利档案</a:t>
+            </a:r>
+            <a:r>
+              <a:rPr lang="zh-CN" altLang="en-US" sz="2800" dirty="0" smtClean="0"/>
+              <a:t>标准化</a:t>
+            </a:r>
+            <a:endParaRPr lang="en-US" altLang="zh-CN" sz="2800" dirty="0" smtClean="0"/>
+          </a:p>
+          <a:p>
+            <a:r>
+              <a:rPr lang="zh-CN" altLang="en-US" sz="2800" dirty="0"/>
+              <a:t>水利设计全流程</a:t>
+            </a:r>
+            <a:r>
+              <a:rPr lang="zh-CN" altLang="en-US" sz="2800" dirty="0" smtClean="0"/>
+              <a:t>文档：项目</a:t>
+            </a:r>
+            <a:r>
+              <a:rPr lang="en-US" altLang="zh-CN" sz="2800" dirty="0" smtClean="0"/>
+              <a:t>&gt;</a:t>
+            </a:r>
+            <a:r>
+              <a:rPr lang="zh-CN" altLang="en-US" sz="2800" dirty="0" smtClean="0"/>
+              <a:t>阶段</a:t>
+            </a:r>
+            <a:r>
+              <a:rPr lang="en-US" altLang="zh-CN" sz="2800" dirty="0" smtClean="0"/>
+              <a:t>&gt;</a:t>
+            </a:r>
+            <a:r>
+              <a:rPr lang="zh-CN" altLang="en-US" sz="2800" dirty="0"/>
+              <a:t>文</a:t>
+            </a:r>
+            <a:r>
+              <a:rPr lang="zh-CN" altLang="en-US" sz="2800" dirty="0" smtClean="0"/>
+              <a:t>档类型</a:t>
+            </a:r>
+            <a:r>
+              <a:rPr lang="en-US" altLang="zh-CN" sz="2800" dirty="0" smtClean="0"/>
+              <a:t>&gt;</a:t>
+            </a:r>
+            <a:r>
+              <a:rPr lang="zh-CN" altLang="en-US" sz="2800" dirty="0"/>
+              <a:t>专业</a:t>
+            </a:r>
+            <a:endParaRPr lang="en-US" altLang="zh-CN" sz="2800" dirty="0"/>
+          </a:p>
+          <a:p>
+            <a:r>
+              <a:rPr lang="zh-CN" altLang="en-US" sz="2800" dirty="0" smtClean="0"/>
+              <a:t>一</a:t>
+            </a:r>
+            <a:r>
+              <a:rPr lang="zh-CN" altLang="en-US" sz="2800" dirty="0"/>
+              <a:t>键发布</a:t>
+            </a:r>
+            <a:r>
+              <a:rPr lang="zh-CN" altLang="en-US" sz="2800" dirty="0" smtClean="0"/>
+              <a:t>，快捷共享</a:t>
+            </a:r>
+            <a:r>
+              <a:rPr lang="zh-CN" altLang="en-US" sz="2800" dirty="0"/>
+              <a:t>：</a:t>
+            </a:r>
+            <a:r>
+              <a:rPr lang="zh-CN" altLang="en-US" sz="2800" dirty="0" smtClean="0"/>
+              <a:t>现场图文记录、图文日记</a:t>
+            </a:r>
+            <a:endParaRPr lang="zh-CN" altLang="en-US" sz="2800" dirty="0"/>
+          </a:p>
+        </p:txBody>
+      </p:sp>
+    </p:spTree>
+    <p:extLst>
+      <p:ext uri="{BB962C8B-B14F-4D97-AF65-F5344CB8AC3E}">
+        <p14:creationId xmlns:p14="http://schemas.microsoft.com/office/powerpoint/2010/main" val="3730729"/>
+      </p:ext>
+    </p:extLst>
+  </p:cSld>
+  <p:clrMapOvr>
+    <a:masterClrMapping/>
+  </p:clrMapOvr>
+  <p:timing>
+    <p:tnLst>
+      <p:par>
+        <p:cTn id="1" dur="indefinite" restart="never" nodeType="tmRoot"/>
+      </p:par>
+    </p:tnLst>
+  </p:timing>
+</p:sld>
+</file>
+
+<file path=ppt/slides/slide12.xml><?xml version="1.0" encoding="utf-8"?>
+<p:sld xmlns:a="http://schemas.openxmlformats.org/drawingml/2006/main" xmlns:r="http://schemas.openxmlformats.org/officeDocument/2006/relationships" xmlns:p="http://schemas.openxmlformats.org/presentationml/2006/main">
+  <p:cSld>
+    <p:spTree>
+      <p:nvGrpSpPr>
+        <p:cNvPr id="1" name=""/>
+        <p:cNvGrpSpPr/>
+        <p:nvPr/>
+      </p:nvGrpSpPr>
+      <p:grpSpPr>
+        <a:xfrm>
+          <a:off x="0" y="0"/>
+          <a:ext cx="0" cy="0"/>
+          <a:chOff x="0" y="0"/>
+          <a:chExt cx="0" cy="0"/>
+        </a:xfrm>
+      </p:grpSpPr>
+      <p:sp>
+        <p:nvSpPr>
+          <p:cNvPr id="2" name="标题 1"/>
+          <p:cNvSpPr>
+            <a:spLocks noGrp="1"/>
+          </p:cNvSpPr>
+          <p:nvPr>
+            <p:ph type="title"/>
+          </p:nvPr>
+        </p:nvSpPr>
+        <p:spPr/>
+        <p:txBody>
+          <a:bodyPr/>
+          <a:lstStyle/>
+          <a:p>
+            <a:r>
+              <a:rPr lang="en-US" altLang="zh-CN" dirty="0" smtClean="0"/>
+              <a:t>1.1</a:t>
+            </a:r>
+            <a:r>
+              <a:rPr lang="zh-CN" altLang="en-US" dirty="0" smtClean="0"/>
+              <a:t> 核心功能</a:t>
+            </a:r>
+            <a:r>
+              <a:rPr lang="en-US" altLang="zh-CN" dirty="0" smtClean="0"/>
+              <a:t>——</a:t>
+            </a:r>
+            <a:r>
+              <a:rPr lang="zh-CN" altLang="en-US" dirty="0" smtClean="0"/>
+              <a:t>完善的资料管理</a:t>
+            </a:r>
+            <a:endParaRPr lang="zh-CN" altLang="en-US" dirty="0"/>
+          </a:p>
+        </p:txBody>
+      </p:sp>
+      <p:graphicFrame>
+        <p:nvGraphicFramePr>
+          <p:cNvPr id="4" name="内容占位符 3"/>
+          <p:cNvGraphicFramePr>
+            <a:graphicFrameLocks noGrp="1"/>
+          </p:cNvGraphicFramePr>
+          <p:nvPr>
+            <p:ph idx="1"/>
+            <p:extLst>
+              <p:ext uri="{D42A27DB-BD31-4B8C-83A1-F6EECF244321}">
+                <p14:modId xmlns:p14="http://schemas.microsoft.com/office/powerpoint/2010/main" val="1590062711"/>
+              </p:ext>
+            </p:extLst>
+          </p:nvPr>
+        </p:nvGraphicFramePr>
+        <p:xfrm>
+          <a:off x="1723581" y="1962912"/>
+          <a:ext cx="8915400" cy="3778250"/>
+        </p:xfrm>
+        <a:graphic>
+          <a:graphicData uri="http://schemas.openxmlformats.org/drawingml/2006/diagram">
+            <dgm:relIds xmlns:dgm="http://schemas.openxmlformats.org/drawingml/2006/diagram" xmlns:r="http://schemas.openxmlformats.org/officeDocument/2006/relationships" r:dm="rId2" r:lo="rId3" r:qs="rId4" r:cs="rId5"/>
+          </a:graphicData>
+        </a:graphic>
+      </p:graphicFrame>
+    </p:spTree>
+    <p:extLst>
+      <p:ext uri="{BB962C8B-B14F-4D97-AF65-F5344CB8AC3E}">
+        <p14:creationId xmlns:p14="http://schemas.microsoft.com/office/powerpoint/2010/main" val="393846539"/>
+      </p:ext>
+    </p:extLst>
+  </p:cSld>
+  <p:clrMapOvr>
+    <a:masterClrMapping/>
+  </p:clrMapOvr>
+  <p:timing>
+    <p:tnLst>
+      <p:par>
+        <p:cTn id="1" dur="indefinite" restart="never" nodeType="tmRoot"/>
+      </p:par>
+    </p:tnLst>
+  </p:timing>
+</p:sld>
+</file>
+
+<file path=ppt/slides/slide13.xml><?xml version="1.0" encoding="utf-8"?>
 <p:sld xmlns:a="http://schemas.openxmlformats.org/drawingml/2006/main" xmlns:r="http://schemas.openxmlformats.org/officeDocument/2006/relationships" xmlns:p="http://schemas.openxmlformats.org/presentationml/2006/main">
   <p:cSld>
     <p:spTree>
@@ -28409,7 +25490,7 @@
 </p:sld>
 </file>
 
-<file path=ppt/slides/slide11.xml><?xml version="1.0" encoding="utf-8"?>
+<file path=ppt/slides/slide14.xml><?xml version="1.0" encoding="utf-8"?>
 <p:sld xmlns:a="http://schemas.openxmlformats.org/drawingml/2006/main" xmlns:r="http://schemas.openxmlformats.org/officeDocument/2006/relationships" xmlns:p="http://schemas.openxmlformats.org/presentationml/2006/main">
   <p:cSld>
     <p:spTree>
@@ -28505,7 +25586,7 @@
 </p:sld>
 </file>
 
-<file path=ppt/slides/slide12.xml><?xml version="1.0" encoding="utf-8"?>
+<file path=ppt/slides/slide15.xml><?xml version="1.0" encoding="utf-8"?>
 <p:sld xmlns:a="http://schemas.openxmlformats.org/drawingml/2006/main" xmlns:r="http://schemas.openxmlformats.org/officeDocument/2006/relationships" xmlns:p="http://schemas.openxmlformats.org/presentationml/2006/main">
   <p:cSld>
     <p:spTree>
@@ -28601,7 +25682,7 @@
 </p:sld>
 </file>
 
-<file path=ppt/slides/slide13.xml><?xml version="1.0" encoding="utf-8"?>
+<file path=ppt/slides/slide16.xml><?xml version="1.0" encoding="utf-8"?>
 <p:sld xmlns:a="http://schemas.openxmlformats.org/drawingml/2006/main" xmlns:r="http://schemas.openxmlformats.org/officeDocument/2006/relationships" xmlns:p="http://schemas.openxmlformats.org/presentationml/2006/main">
   <p:cSld>
     <p:spTree>
@@ -28694,7 +25775,7 @@
 </p:sld>
 </file>
 
-<file path=ppt/slides/slide14.xml><?xml version="1.0" encoding="utf-8"?>
+<file path=ppt/slides/slide17.xml><?xml version="1.0" encoding="utf-8"?>
 <p:sld xmlns:a="http://schemas.openxmlformats.org/drawingml/2006/main" xmlns:r="http://schemas.openxmlformats.org/officeDocument/2006/relationships" xmlns:p="http://schemas.openxmlformats.org/presentationml/2006/main">
   <p:cSld>
     <p:spTree>
@@ -28827,7 +25908,7 @@
 </p:sld>
 </file>
 
-<file path=ppt/slides/slide15.xml><?xml version="1.0" encoding="utf-8"?>
+<file path=ppt/slides/slide18.xml><?xml version="1.0" encoding="utf-8"?>
 <p:sld xmlns:a="http://schemas.openxmlformats.org/drawingml/2006/main" xmlns:r="http://schemas.openxmlformats.org/officeDocument/2006/relationships" xmlns:p="http://schemas.openxmlformats.org/presentationml/2006/main">
   <p:cSld>
     <p:spTree>
@@ -28960,7 +26041,7 @@
 </p:sld>
 </file>
 
-<file path=ppt/slides/slide16.xml><?xml version="1.0" encoding="utf-8"?>
+<file path=ppt/slides/slide19.xml><?xml version="1.0" encoding="utf-8"?>
 <p:sld xmlns:a="http://schemas.openxmlformats.org/drawingml/2006/main" xmlns:r="http://schemas.openxmlformats.org/officeDocument/2006/relationships" xmlns:p="http://schemas.openxmlformats.org/presentationml/2006/main">
   <p:cSld>
     <p:spTree>
@@ -29093,7 +26174,113 @@
 </p:sld>
 </file>
 
-<file path=ppt/slides/slide17.xml><?xml version="1.0" encoding="utf-8"?>
+<file path=ppt/slides/slide2.xml><?xml version="1.0" encoding="utf-8"?>
+<p:sld xmlns:a="http://schemas.openxmlformats.org/drawingml/2006/main" xmlns:r="http://schemas.openxmlformats.org/officeDocument/2006/relationships" xmlns:p="http://schemas.openxmlformats.org/presentationml/2006/main">
+  <p:cSld>
+    <p:spTree>
+      <p:nvGrpSpPr>
+        <p:cNvPr id="1" name=""/>
+        <p:cNvGrpSpPr/>
+        <p:nvPr/>
+      </p:nvGrpSpPr>
+      <p:grpSpPr>
+        <a:xfrm>
+          <a:off x="0" y="0"/>
+          <a:ext cx="0" cy="0"/>
+          <a:chOff x="0" y="0"/>
+          <a:chExt cx="0" cy="0"/>
+        </a:xfrm>
+      </p:grpSpPr>
+      <p:sp>
+        <p:nvSpPr>
+          <p:cNvPr id="2" name="标题 1"/>
+          <p:cNvSpPr>
+            <a:spLocks noGrp="1"/>
+          </p:cNvSpPr>
+          <p:nvPr>
+            <p:ph type="title"/>
+          </p:nvPr>
+        </p:nvSpPr>
+        <p:spPr/>
+        <p:txBody>
+          <a:bodyPr/>
+          <a:lstStyle/>
+          <a:p>
+            <a:r>
+              <a:rPr lang="en-US" altLang="zh-CN" dirty="0" err="1" smtClean="0"/>
+              <a:t>HydroCMS</a:t>
+            </a:r>
+            <a:r>
+              <a:rPr lang="zh-CN" altLang="en-US" dirty="0"/>
+              <a:t>是什么</a:t>
+            </a:r>
+          </a:p>
+        </p:txBody>
+      </p:sp>
+      <p:graphicFrame>
+        <p:nvGraphicFramePr>
+          <p:cNvPr id="10" name="内容占位符 9"/>
+          <p:cNvGraphicFramePr>
+            <a:graphicFrameLocks noGrp="1"/>
+          </p:cNvGraphicFramePr>
+          <p:nvPr>
+            <p:ph idx="1"/>
+            <p:extLst/>
+          </p:nvPr>
+        </p:nvGraphicFramePr>
+        <p:xfrm>
+          <a:off x="2589213" y="2133600"/>
+          <a:ext cx="8915400" cy="3778250"/>
+        </p:xfrm>
+        <a:graphic>
+          <a:graphicData uri="http://schemas.openxmlformats.org/drawingml/2006/diagram">
+            <dgm:relIds xmlns:dgm="http://schemas.openxmlformats.org/drawingml/2006/diagram" xmlns:r="http://schemas.openxmlformats.org/officeDocument/2006/relationships" r:dm="rId2" r:lo="rId3" r:qs="rId4" r:cs="rId5"/>
+          </a:graphicData>
+        </a:graphic>
+      </p:graphicFrame>
+      <p:sp>
+        <p:nvSpPr>
+          <p:cNvPr id="5" name="矩形 4"/>
+          <p:cNvSpPr/>
+          <p:nvPr/>
+        </p:nvSpPr>
+        <p:spPr>
+          <a:xfrm>
+            <a:off x="2896773" y="1625084"/>
+            <a:ext cx="4801314" cy="369332"/>
+          </a:xfrm>
+          <a:prstGeom prst="rect">
+            <a:avLst/>
+          </a:prstGeom>
+        </p:spPr>
+        <p:txBody>
+          <a:bodyPr wrap="none">
+            <a:spAutoFit/>
+          </a:bodyPr>
+          <a:lstStyle/>
+          <a:p>
+            <a:r>
+              <a:rPr lang="zh-CN" altLang="en-US" dirty="0" smtClean="0"/>
+              <a:t>工程师利用它管理、发布职业生涯中的资料。</a:t>
+            </a:r>
+            <a:endParaRPr lang="zh-CN" altLang="en-US" dirty="0"/>
+          </a:p>
+        </p:txBody>
+      </p:sp>
+    </p:spTree>
+    <p:extLst>
+      <p:ext uri="{BB962C8B-B14F-4D97-AF65-F5344CB8AC3E}">
+        <p14:creationId xmlns:p14="http://schemas.microsoft.com/office/powerpoint/2010/main" val="1613434927"/>
+      </p:ext>
+    </p:extLst>
+  </p:cSld>
+  <p:clrMapOvr>
+    <a:masterClrMapping/>
+  </p:clrMapOvr>
+</p:sld>
+</file>
+
+<file path=ppt/slides/slide20.xml><?xml version="1.0" encoding="utf-8"?>
 <p:sld xmlns:a="http://schemas.openxmlformats.org/drawingml/2006/main" xmlns:r="http://schemas.openxmlformats.org/officeDocument/2006/relationships" xmlns:p="http://schemas.openxmlformats.org/presentationml/2006/main">
   <p:cSld>
     <p:spTree>
@@ -29127,11 +26314,7 @@
           <a:p>
             <a:r>
               <a:rPr lang="zh-CN" altLang="en-US" dirty="0" smtClean="0"/>
-              <a:t>三、</a:t>
-            </a:r>
-            <a:r>
-              <a:rPr lang="zh-CN" altLang="en-US" dirty="0" smtClean="0"/>
-              <a:t>增强体验</a:t>
+              <a:t>三、增强体验</a:t>
             </a:r>
             <a:r>
               <a:rPr lang="en-US" altLang="zh-CN" dirty="0" smtClean="0"/>
@@ -29186,7 +26369,7 @@
 </p:sld>
 </file>
 
-<file path=ppt/slides/slide18.xml><?xml version="1.0" encoding="utf-8"?>
+<file path=ppt/slides/slide21.xml><?xml version="1.0" encoding="utf-8"?>
 <p:sld xmlns:a="http://schemas.openxmlformats.org/drawingml/2006/main" xmlns:r="http://schemas.openxmlformats.org/officeDocument/2006/relationships" xmlns:p="http://schemas.openxmlformats.org/presentationml/2006/main">
   <p:cSld>
     <p:spTree>
@@ -29327,7 +26510,7 @@
 </p:sld>
 </file>
 
-<file path=ppt/slides/slide19.xml><?xml version="1.0" encoding="utf-8"?>
+<file path=ppt/slides/slide22.xml><?xml version="1.0" encoding="utf-8"?>
 <p:sld xmlns:a="http://schemas.openxmlformats.org/drawingml/2006/main" xmlns:r="http://schemas.openxmlformats.org/officeDocument/2006/relationships" xmlns:p="http://schemas.openxmlformats.org/presentationml/2006/main">
   <p:cSld>
     <p:spTree>
@@ -29361,11 +26544,7 @@
           <a:p>
             <a:r>
               <a:rPr lang="zh-CN" altLang="en-US" dirty="0" smtClean="0"/>
-              <a:t>五、</a:t>
-            </a:r>
-            <a:r>
-              <a:rPr lang="zh-CN" altLang="en-US" dirty="0" smtClean="0"/>
-              <a:t>自定义目录</a:t>
+              <a:t>五、自定义目录</a:t>
             </a:r>
             <a:r>
               <a:rPr lang="en-US" altLang="zh-CN" dirty="0" smtClean="0"/>
@@ -29424,114 +26603,7 @@
 </p:sld>
 </file>
 
-<file path=ppt/slides/slide2.xml><?xml version="1.0" encoding="utf-8"?>
-<p:sld xmlns:a="http://schemas.openxmlformats.org/drawingml/2006/main" xmlns:r="http://schemas.openxmlformats.org/officeDocument/2006/relationships" xmlns:p="http://schemas.openxmlformats.org/presentationml/2006/main">
-  <p:cSld>
-    <p:spTree>
-      <p:nvGrpSpPr>
-        <p:cNvPr id="1" name=""/>
-        <p:cNvGrpSpPr/>
-        <p:nvPr/>
-      </p:nvGrpSpPr>
-      <p:grpSpPr>
-        <a:xfrm>
-          <a:off x="0" y="0"/>
-          <a:ext cx="0" cy="0"/>
-          <a:chOff x="0" y="0"/>
-          <a:chExt cx="0" cy="0"/>
-        </a:xfrm>
-      </p:grpSpPr>
-      <p:sp>
-        <p:nvSpPr>
-          <p:cNvPr id="2" name="标题 1"/>
-          <p:cNvSpPr>
-            <a:spLocks noGrp="1"/>
-          </p:cNvSpPr>
-          <p:nvPr>
-            <p:ph type="title"/>
-          </p:nvPr>
-        </p:nvSpPr>
-        <p:spPr/>
-        <p:txBody>
-          <a:bodyPr/>
-          <a:lstStyle/>
-          <a:p>
-            <a:r>
-              <a:rPr lang="en-US" altLang="zh-CN" dirty="0" err="1" smtClean="0"/>
-              <a:t>HydroCMS</a:t>
-            </a:r>
-            <a:r>
-              <a:rPr lang="zh-CN" altLang="en-US" dirty="0"/>
-              <a:t>是什么</a:t>
-            </a:r>
-            <a:endParaRPr lang="zh-CN" altLang="en-US" dirty="0"/>
-          </a:p>
-        </p:txBody>
-      </p:sp>
-      <p:graphicFrame>
-        <p:nvGraphicFramePr>
-          <p:cNvPr id="10" name="内容占位符 9"/>
-          <p:cNvGraphicFramePr>
-            <a:graphicFrameLocks noGrp="1"/>
-          </p:cNvGraphicFramePr>
-          <p:nvPr>
-            <p:ph idx="1"/>
-            <p:extLst/>
-          </p:nvPr>
-        </p:nvGraphicFramePr>
-        <p:xfrm>
-          <a:off x="2589213" y="2133600"/>
-          <a:ext cx="8915400" cy="3778250"/>
-        </p:xfrm>
-        <a:graphic>
-          <a:graphicData uri="http://schemas.openxmlformats.org/drawingml/2006/diagram">
-            <dgm:relIds xmlns:dgm="http://schemas.openxmlformats.org/drawingml/2006/diagram" xmlns:r="http://schemas.openxmlformats.org/officeDocument/2006/relationships" r:dm="rId2" r:lo="rId3" r:qs="rId4" r:cs="rId5"/>
-          </a:graphicData>
-        </a:graphic>
-      </p:graphicFrame>
-      <p:sp>
-        <p:nvSpPr>
-          <p:cNvPr id="5" name="矩形 4"/>
-          <p:cNvSpPr/>
-          <p:nvPr/>
-        </p:nvSpPr>
-        <p:spPr>
-          <a:xfrm>
-            <a:off x="2896773" y="1625084"/>
-            <a:ext cx="4801314" cy="369332"/>
-          </a:xfrm>
-          <a:prstGeom prst="rect">
-            <a:avLst/>
-          </a:prstGeom>
-        </p:spPr>
-        <p:txBody>
-          <a:bodyPr wrap="none">
-            <a:spAutoFit/>
-          </a:bodyPr>
-          <a:lstStyle/>
-          <a:p>
-            <a:r>
-              <a:rPr lang="zh-CN" altLang="en-US" dirty="0" smtClean="0"/>
-              <a:t>工程师利用它管理、发布职业生涯中的资料。</a:t>
-            </a:r>
-            <a:endParaRPr lang="zh-CN" altLang="en-US" dirty="0"/>
-          </a:p>
-        </p:txBody>
-      </p:sp>
-    </p:spTree>
-    <p:extLst>
-      <p:ext uri="{BB962C8B-B14F-4D97-AF65-F5344CB8AC3E}">
-        <p14:creationId xmlns:p14="http://schemas.microsoft.com/office/powerpoint/2010/main" val="1613434927"/>
-      </p:ext>
-    </p:extLst>
-  </p:cSld>
-  <p:clrMapOvr>
-    <a:masterClrMapping/>
-  </p:clrMapOvr>
-</p:sld>
-</file>
-
-<file path=ppt/slides/slide20.xml><?xml version="1.0" encoding="utf-8"?>
+<file path=ppt/slides/slide23.xml><?xml version="1.0" encoding="utf-8"?>
 <p:sld xmlns:a="http://schemas.openxmlformats.org/drawingml/2006/main" xmlns:r="http://schemas.openxmlformats.org/officeDocument/2006/relationships" xmlns:p="http://schemas.openxmlformats.org/presentationml/2006/main">
   <p:cSld>
     <p:spTree>
@@ -29649,7 +26721,7 @@
 </p:sld>
 </file>
 
-<file path=ppt/slides/slide21.xml><?xml version="1.0" encoding="utf-8"?>
+<file path=ppt/slides/slide24.xml><?xml version="1.0" encoding="utf-8"?>
 <p:sld xmlns:a="http://schemas.openxmlformats.org/drawingml/2006/main" xmlns:r="http://schemas.openxmlformats.org/officeDocument/2006/relationships" xmlns:p="http://schemas.openxmlformats.org/presentationml/2006/main">
   <p:cSld>
     <p:spTree>
@@ -29772,7 +26844,7 @@
 </p:sld>
 </file>
 
-<file path=ppt/slides/slide22.xml><?xml version="1.0" encoding="utf-8"?>
+<file path=ppt/slides/slide25.xml><?xml version="1.0" encoding="utf-8"?>
 <p:sld xmlns:a="http://schemas.openxmlformats.org/drawingml/2006/main" xmlns:r="http://schemas.openxmlformats.org/officeDocument/2006/relationships" xmlns:p="http://schemas.openxmlformats.org/presentationml/2006/main">
   <p:cSld>
     <p:spTree>
@@ -29891,6 +26963,20 @@
               <a:rPr lang="en-US" altLang="zh-CN" sz="2800" dirty="0" smtClean="0"/>
               <a:t>xc-qin@163.com</a:t>
             </a:r>
+          </a:p>
+          <a:p>
+            <a:r>
+              <a:rPr lang="en-US" altLang="zh-CN" sz="2800" dirty="0" err="1" smtClean="0"/>
+              <a:t>Github</a:t>
+            </a:r>
+            <a:r>
+              <a:rPr lang="zh-CN" altLang="en-US" sz="2800" dirty="0" smtClean="0"/>
+              <a:t>：</a:t>
+            </a:r>
+            <a:r>
+              <a:rPr lang="en-US" altLang="zh-CN" sz="2800" dirty="0"/>
+              <a:t>https://github.com/3xxx</a:t>
+            </a:r>
             <a:endParaRPr lang="en-US" altLang="zh-CN" sz="2800" dirty="0" smtClean="0"/>
           </a:p>
         </p:txBody>
@@ -29947,7 +27033,184 @@
           <a:p>
             <a:r>
               <a:rPr lang="zh-CN" altLang="en-US" dirty="0" smtClean="0"/>
-              <a:t>解决了什么痛点</a:t>
+              <a:t>解决了什么</a:t>
+            </a:r>
+            <a:r>
+              <a:rPr lang="zh-CN" altLang="en-US" dirty="0" smtClean="0"/>
+              <a:t>痛点</a:t>
+            </a:r>
+            <a:r>
+              <a:rPr lang="en-US" altLang="zh-CN" dirty="0" smtClean="0"/>
+              <a:t>1</a:t>
+            </a:r>
+            <a:br>
+              <a:rPr lang="en-US" altLang="zh-CN" dirty="0" smtClean="0"/>
+            </a:br>
+            <a:r>
+              <a:rPr lang="en-US" altLang="zh-CN" dirty="0" smtClean="0"/>
+              <a:t>——</a:t>
+            </a:r>
+            <a:r>
+              <a:rPr lang="zh-CN" altLang="en-US" dirty="0" smtClean="0"/>
+              <a:t>管理员</a:t>
+            </a:r>
+            <a:endParaRPr lang="zh-CN" altLang="en-US" dirty="0"/>
+          </a:p>
+        </p:txBody>
+      </p:sp>
+      <p:sp>
+        <p:nvSpPr>
+          <p:cNvPr id="9" name="内容占位符 2"/>
+          <p:cNvSpPr>
+            <a:spLocks noGrp="1"/>
+          </p:cNvSpPr>
+          <p:nvPr>
+            <p:ph idx="1"/>
+          </p:nvPr>
+        </p:nvSpPr>
+        <p:spPr>
+          <a:xfrm>
+            <a:off x="2592925" y="1905000"/>
+            <a:ext cx="7584745" cy="3568148"/>
+          </a:xfrm>
+        </p:spPr>
+        <p:txBody>
+          <a:bodyPr>
+            <a:normAutofit/>
+          </a:bodyPr>
+          <a:lstStyle/>
+          <a:p>
+            <a:r>
+              <a:rPr lang="en-US" altLang="zh-CN" sz="2400" dirty="0" smtClean="0"/>
+              <a:t>Web</a:t>
+            </a:r>
+            <a:r>
+              <a:rPr lang="zh-CN" altLang="en-US" sz="2400" dirty="0" smtClean="0"/>
+              <a:t>应用需要安装</a:t>
+            </a:r>
+            <a:endParaRPr lang="en-US" altLang="zh-CN" sz="2400" dirty="0" smtClean="0"/>
+          </a:p>
+          <a:p>
+            <a:r>
+              <a:rPr lang="zh-CN" altLang="en-US" sz="2400" dirty="0" smtClean="0"/>
+              <a:t>需要维护</a:t>
+            </a:r>
+            <a:endParaRPr lang="en-US" altLang="zh-CN" sz="2400" dirty="0" smtClean="0"/>
+          </a:p>
+          <a:p>
+            <a:r>
+              <a:rPr lang="zh-CN" altLang="en-US" sz="2400" dirty="0" smtClean="0"/>
+              <a:t>需要服务器</a:t>
+            </a:r>
+            <a:endParaRPr lang="en-US" altLang="zh-CN" sz="2400" dirty="0" smtClean="0"/>
+          </a:p>
+          <a:p>
+            <a:r>
+              <a:rPr lang="zh-CN" altLang="en-US" sz="2400" dirty="0" smtClean="0"/>
+              <a:t>需要数据库服务器</a:t>
+            </a:r>
+            <a:endParaRPr lang="en-US" altLang="zh-CN" sz="2400" dirty="0" smtClean="0"/>
+          </a:p>
+          <a:p>
+            <a:r>
+              <a:rPr lang="zh-CN" altLang="en-US" sz="2400" dirty="0" smtClean="0"/>
+              <a:t>收费</a:t>
+            </a:r>
+            <a:endParaRPr lang="en-US" altLang="zh-CN" sz="2400" dirty="0" smtClean="0"/>
+          </a:p>
+          <a:p>
+            <a:r>
+              <a:rPr lang="en-US" altLang="zh-CN" sz="2400" dirty="0" err="1" smtClean="0"/>
+              <a:t>HydroCMS</a:t>
+            </a:r>
+            <a:r>
+              <a:rPr lang="zh-CN" altLang="en-US" sz="2400" dirty="0" smtClean="0"/>
+              <a:t>直接运行</a:t>
+            </a:r>
+            <a:r>
+              <a:rPr lang="en-US" altLang="zh-CN" sz="2400" dirty="0" smtClean="0"/>
+              <a:t>exe</a:t>
+            </a:r>
+            <a:r>
+              <a:rPr lang="zh-CN" altLang="en-US" sz="2400" dirty="0" smtClean="0"/>
+              <a:t>文件、轻量、免维护、免费开源</a:t>
+            </a:r>
+            <a:endParaRPr lang="zh-CN" altLang="en-US" sz="2400" dirty="0"/>
+          </a:p>
+        </p:txBody>
+      </p:sp>
+    </p:spTree>
+    <p:extLst>
+      <p:ext uri="{BB962C8B-B14F-4D97-AF65-F5344CB8AC3E}">
+        <p14:creationId xmlns:p14="http://schemas.microsoft.com/office/powerpoint/2010/main" val="791214566"/>
+      </p:ext>
+    </p:extLst>
+  </p:cSld>
+  <p:clrMapOvr>
+    <a:masterClrMapping/>
+  </p:clrMapOvr>
+</p:sld>
+</file>
+
+<file path=ppt/slides/slide4.xml><?xml version="1.0" encoding="utf-8"?>
+<p:sld xmlns:a="http://schemas.openxmlformats.org/drawingml/2006/main" xmlns:r="http://schemas.openxmlformats.org/officeDocument/2006/relationships" xmlns:p="http://schemas.openxmlformats.org/presentationml/2006/main">
+  <p:cSld>
+    <p:spTree>
+      <p:nvGrpSpPr>
+        <p:cNvPr id="1" name=""/>
+        <p:cNvGrpSpPr/>
+        <p:nvPr/>
+      </p:nvGrpSpPr>
+      <p:grpSpPr>
+        <a:xfrm>
+          <a:off x="0" y="0"/>
+          <a:ext cx="0" cy="0"/>
+          <a:chOff x="0" y="0"/>
+          <a:chExt cx="0" cy="0"/>
+        </a:xfrm>
+      </p:grpSpPr>
+      <p:sp>
+        <p:nvSpPr>
+          <p:cNvPr id="6" name="标题 1"/>
+          <p:cNvSpPr>
+            <a:spLocks noGrp="1"/>
+          </p:cNvSpPr>
+          <p:nvPr>
+            <p:ph type="title"/>
+          </p:nvPr>
+        </p:nvSpPr>
+        <p:spPr>
+          <a:xfrm>
+            <a:off x="2592925" y="624110"/>
+            <a:ext cx="8911687" cy="1280890"/>
+          </a:xfrm>
+        </p:spPr>
+        <p:txBody>
+          <a:bodyPr/>
+          <a:lstStyle/>
+          <a:p>
+            <a:r>
+              <a:rPr lang="zh-CN" altLang="en-US" dirty="0" smtClean="0"/>
+              <a:t>解决了什么</a:t>
+            </a:r>
+            <a:r>
+              <a:rPr lang="zh-CN" altLang="en-US" dirty="0" smtClean="0"/>
+              <a:t>痛点</a:t>
+            </a:r>
+            <a:r>
+              <a:rPr lang="en-US" altLang="zh-CN" dirty="0" smtClean="0"/>
+              <a:t>2</a:t>
+            </a:r>
+            <a:br>
+              <a:rPr lang="en-US" altLang="zh-CN" dirty="0" smtClean="0"/>
+            </a:br>
+            <a:r>
+              <a:rPr lang="en-US" altLang="zh-CN" dirty="0" smtClean="0"/>
+              <a:t>——</a:t>
+            </a:r>
+            <a:r>
+              <a:rPr lang="zh-CN" altLang="en-US" dirty="0" smtClean="0"/>
+              <a:t>工程师</a:t>
             </a:r>
             <a:endParaRPr lang="zh-CN" altLang="en-US" dirty="0"/>
           </a:p>
@@ -30545,7 +27808,7 @@
     </p:spTree>
     <p:extLst>
       <p:ext uri="{BB962C8B-B14F-4D97-AF65-F5344CB8AC3E}">
-        <p14:creationId xmlns:p14="http://schemas.microsoft.com/office/powerpoint/2010/main" val="791214566"/>
+        <p14:creationId xmlns:p14="http://schemas.microsoft.com/office/powerpoint/2010/main" val="938990569"/>
       </p:ext>
     </p:extLst>
   </p:cSld>
@@ -30555,7 +27818,648 @@
 </p:sld>
 </file>
 
-<file path=ppt/slides/slide4.xml><?xml version="1.0" encoding="utf-8"?>
+<file path=ppt/slides/slide5.xml><?xml version="1.0" encoding="utf-8"?>
+<p:sld xmlns:a="http://schemas.openxmlformats.org/drawingml/2006/main" xmlns:r="http://schemas.openxmlformats.org/officeDocument/2006/relationships" xmlns:p="http://schemas.openxmlformats.org/presentationml/2006/main">
+  <p:cSld>
+    <p:spTree>
+      <p:nvGrpSpPr>
+        <p:cNvPr id="1" name=""/>
+        <p:cNvGrpSpPr/>
+        <p:nvPr/>
+      </p:nvGrpSpPr>
+      <p:grpSpPr>
+        <a:xfrm>
+          <a:off x="0" y="0"/>
+          <a:ext cx="0" cy="0"/>
+          <a:chOff x="0" y="0"/>
+          <a:chExt cx="0" cy="0"/>
+        </a:xfrm>
+      </p:grpSpPr>
+      <p:sp>
+        <p:nvSpPr>
+          <p:cNvPr id="6" name="标题 1"/>
+          <p:cNvSpPr>
+            <a:spLocks noGrp="1"/>
+          </p:cNvSpPr>
+          <p:nvPr>
+            <p:ph type="title"/>
+          </p:nvPr>
+        </p:nvSpPr>
+        <p:spPr>
+          <a:xfrm>
+            <a:off x="2592925" y="624110"/>
+            <a:ext cx="8911687" cy="1280890"/>
+          </a:xfrm>
+        </p:spPr>
+        <p:txBody>
+          <a:bodyPr/>
+          <a:lstStyle/>
+          <a:p>
+            <a:r>
+              <a:rPr lang="zh-CN" altLang="en-US" dirty="0" smtClean="0"/>
+              <a:t>解决了什么</a:t>
+            </a:r>
+            <a:r>
+              <a:rPr lang="zh-CN" altLang="en-US" dirty="0" smtClean="0"/>
+              <a:t>痛点</a:t>
+            </a:r>
+            <a:r>
+              <a:rPr lang="en-US" altLang="zh-CN" dirty="0" smtClean="0"/>
+              <a:t>3</a:t>
+            </a:r>
+            <a:br>
+              <a:rPr lang="en-US" altLang="zh-CN" dirty="0" smtClean="0"/>
+            </a:br>
+            <a:r>
+              <a:rPr lang="en-US" altLang="zh-CN" dirty="0" smtClean="0"/>
+              <a:t>——</a:t>
+            </a:r>
+            <a:r>
+              <a:rPr lang="zh-CN" altLang="en-US" dirty="0" smtClean="0"/>
+              <a:t>产品经理</a:t>
+            </a:r>
+            <a:endParaRPr lang="zh-CN" altLang="en-US" dirty="0"/>
+          </a:p>
+        </p:txBody>
+      </p:sp>
+      <p:cxnSp>
+        <p:nvCxnSpPr>
+          <p:cNvPr id="3" name="直线连接符 2"/>
+          <p:cNvCxnSpPr/>
+          <p:nvPr/>
+        </p:nvCxnSpPr>
+        <p:spPr>
+          <a:xfrm>
+            <a:off x="6797040" y="1905000"/>
+            <a:ext cx="0" cy="4069080"/>
+          </a:xfrm>
+          <a:prstGeom prst="line">
+            <a:avLst/>
+          </a:prstGeom>
+        </p:spPr>
+        <p:style>
+          <a:lnRef idx="1">
+            <a:schemeClr val="accent1"/>
+          </a:lnRef>
+          <a:fillRef idx="0">
+            <a:schemeClr val="accent1"/>
+          </a:fillRef>
+          <a:effectRef idx="0">
+            <a:schemeClr val="accent1"/>
+          </a:effectRef>
+          <a:fontRef idx="minor">
+            <a:schemeClr val="tx1"/>
+          </a:fontRef>
+        </p:style>
+      </p:cxnSp>
+      <p:sp>
+        <p:nvSpPr>
+          <p:cNvPr id="7" name="标题 1"/>
+          <p:cNvSpPr txBox="1">
+            <a:spLocks/>
+          </p:cNvSpPr>
+          <p:nvPr/>
+        </p:nvSpPr>
+        <p:spPr>
+          <a:xfrm>
+            <a:off x="2089469" y="2489486"/>
+            <a:ext cx="3649379" cy="656050"/>
+          </a:xfrm>
+          <a:prstGeom prst="rect">
+            <a:avLst/>
+          </a:prstGeom>
+        </p:spPr>
+        <p:txBody>
+          <a:bodyPr vert="horz" lIns="91440" tIns="45720" rIns="91440" bIns="45720" rtlCol="0" anchor="t">
+            <a:normAutofit/>
+          </a:bodyPr>
+          <a:lstStyle>
+            <a:lvl1pPr algn="l" defTabSz="457200" rtl="0" eaLnBrk="1" latinLnBrk="0" hangingPunct="1">
+              <a:spcBef>
+                <a:spcPct val="0"/>
+              </a:spcBef>
+              <a:buNone/>
+              <a:defRPr sz="3600" kern="1200">
+                <a:solidFill>
+                  <a:schemeClr val="tx1">
+                    <a:lumMod val="85000"/>
+                    <a:lumOff val="15000"/>
+                  </a:schemeClr>
+                </a:solidFill>
+                <a:latin typeface="+mj-lt"/>
+                <a:ea typeface="+mj-ea"/>
+                <a:cs typeface="+mj-cs"/>
+              </a:defRPr>
+            </a:lvl1pPr>
+            <a:lvl2pPr eaLnBrk="1" hangingPunct="1">
+              <a:defRPr>
+                <a:solidFill>
+                  <a:schemeClr val="tx2"/>
+                </a:solidFill>
+              </a:defRPr>
+            </a:lvl2pPr>
+            <a:lvl3pPr eaLnBrk="1" hangingPunct="1">
+              <a:defRPr>
+                <a:solidFill>
+                  <a:schemeClr val="tx2"/>
+                </a:solidFill>
+              </a:defRPr>
+            </a:lvl3pPr>
+            <a:lvl4pPr eaLnBrk="1" hangingPunct="1">
+              <a:defRPr>
+                <a:solidFill>
+                  <a:schemeClr val="tx2"/>
+                </a:solidFill>
+              </a:defRPr>
+            </a:lvl4pPr>
+            <a:lvl5pPr eaLnBrk="1" hangingPunct="1">
+              <a:defRPr>
+                <a:solidFill>
+                  <a:schemeClr val="tx2"/>
+                </a:solidFill>
+              </a:defRPr>
+            </a:lvl5pPr>
+            <a:lvl6pPr eaLnBrk="1" hangingPunct="1">
+              <a:defRPr>
+                <a:solidFill>
+                  <a:schemeClr val="tx2"/>
+                </a:solidFill>
+              </a:defRPr>
+            </a:lvl6pPr>
+            <a:lvl7pPr eaLnBrk="1" hangingPunct="1">
+              <a:defRPr>
+                <a:solidFill>
+                  <a:schemeClr val="tx2"/>
+                </a:solidFill>
+              </a:defRPr>
+            </a:lvl7pPr>
+            <a:lvl8pPr eaLnBrk="1" hangingPunct="1">
+              <a:defRPr>
+                <a:solidFill>
+                  <a:schemeClr val="tx2"/>
+                </a:solidFill>
+              </a:defRPr>
+            </a:lvl8pPr>
+            <a:lvl9pPr eaLnBrk="1" hangingPunct="1">
+              <a:defRPr>
+                <a:solidFill>
+                  <a:schemeClr val="tx2"/>
+                </a:solidFill>
+              </a:defRPr>
+            </a:lvl9pPr>
+          </a:lstStyle>
+          <a:p>
+            <a:r>
+              <a:rPr lang="zh-CN" altLang="en-US" dirty="0" smtClean="0"/>
+              <a:t>原来的工作模式</a:t>
+            </a:r>
+            <a:endParaRPr lang="zh-CN" altLang="en-US" dirty="0"/>
+          </a:p>
+        </p:txBody>
+      </p:sp>
+      <p:sp>
+        <p:nvSpPr>
+          <p:cNvPr id="8" name="标题 1"/>
+          <p:cNvSpPr txBox="1">
+            <a:spLocks/>
+          </p:cNvSpPr>
+          <p:nvPr/>
+        </p:nvSpPr>
+        <p:spPr>
+          <a:xfrm>
+            <a:off x="7855233" y="2489486"/>
+            <a:ext cx="3649379" cy="656050"/>
+          </a:xfrm>
+          <a:prstGeom prst="rect">
+            <a:avLst/>
+          </a:prstGeom>
+        </p:spPr>
+        <p:txBody>
+          <a:bodyPr vert="horz" lIns="91440" tIns="45720" rIns="91440" bIns="45720" rtlCol="0" anchor="t">
+            <a:normAutofit/>
+          </a:bodyPr>
+          <a:lstStyle>
+            <a:lvl1pPr algn="l" defTabSz="457200" rtl="0" eaLnBrk="1" latinLnBrk="0" hangingPunct="1">
+              <a:spcBef>
+                <a:spcPct val="0"/>
+              </a:spcBef>
+              <a:buNone/>
+              <a:defRPr sz="3600" kern="1200">
+                <a:solidFill>
+                  <a:schemeClr val="tx1">
+                    <a:lumMod val="85000"/>
+                    <a:lumOff val="15000"/>
+                  </a:schemeClr>
+                </a:solidFill>
+                <a:latin typeface="+mj-lt"/>
+                <a:ea typeface="+mj-ea"/>
+                <a:cs typeface="+mj-cs"/>
+              </a:defRPr>
+            </a:lvl1pPr>
+            <a:lvl2pPr eaLnBrk="1" hangingPunct="1">
+              <a:defRPr>
+                <a:solidFill>
+                  <a:schemeClr val="tx2"/>
+                </a:solidFill>
+              </a:defRPr>
+            </a:lvl2pPr>
+            <a:lvl3pPr eaLnBrk="1" hangingPunct="1">
+              <a:defRPr>
+                <a:solidFill>
+                  <a:schemeClr val="tx2"/>
+                </a:solidFill>
+              </a:defRPr>
+            </a:lvl3pPr>
+            <a:lvl4pPr eaLnBrk="1" hangingPunct="1">
+              <a:defRPr>
+                <a:solidFill>
+                  <a:schemeClr val="tx2"/>
+                </a:solidFill>
+              </a:defRPr>
+            </a:lvl4pPr>
+            <a:lvl5pPr eaLnBrk="1" hangingPunct="1">
+              <a:defRPr>
+                <a:solidFill>
+                  <a:schemeClr val="tx2"/>
+                </a:solidFill>
+              </a:defRPr>
+            </a:lvl5pPr>
+            <a:lvl6pPr eaLnBrk="1" hangingPunct="1">
+              <a:defRPr>
+                <a:solidFill>
+                  <a:schemeClr val="tx2"/>
+                </a:solidFill>
+              </a:defRPr>
+            </a:lvl6pPr>
+            <a:lvl7pPr eaLnBrk="1" hangingPunct="1">
+              <a:defRPr>
+                <a:solidFill>
+                  <a:schemeClr val="tx2"/>
+                </a:solidFill>
+              </a:defRPr>
+            </a:lvl7pPr>
+            <a:lvl8pPr eaLnBrk="1" hangingPunct="1">
+              <a:defRPr>
+                <a:solidFill>
+                  <a:schemeClr val="tx2"/>
+                </a:solidFill>
+              </a:defRPr>
+            </a:lvl8pPr>
+            <a:lvl9pPr eaLnBrk="1" hangingPunct="1">
+              <a:defRPr>
+                <a:solidFill>
+                  <a:schemeClr val="tx2"/>
+                </a:solidFill>
+              </a:defRPr>
+            </a:lvl9pPr>
+          </a:lstStyle>
+          <a:p>
+            <a:r>
+              <a:rPr lang="zh-CN" altLang="en-US" dirty="0" smtClean="0"/>
+              <a:t>现在工作模式</a:t>
+            </a:r>
+            <a:endParaRPr lang="zh-CN" altLang="en-US" dirty="0"/>
+          </a:p>
+        </p:txBody>
+      </p:sp>
+      <p:sp>
+        <p:nvSpPr>
+          <p:cNvPr id="9" name="内容占位符 2"/>
+          <p:cNvSpPr>
+            <a:spLocks noGrp="1"/>
+          </p:cNvSpPr>
+          <p:nvPr>
+            <p:ph idx="1"/>
+          </p:nvPr>
+        </p:nvSpPr>
+        <p:spPr>
+          <a:xfrm>
+            <a:off x="2152606" y="3300328"/>
+            <a:ext cx="4239955" cy="2673752"/>
+          </a:xfrm>
+        </p:spPr>
+        <p:txBody>
+          <a:bodyPr/>
+          <a:lstStyle/>
+          <a:p>
+            <a:r>
+              <a:rPr lang="zh-CN" altLang="en-US" dirty="0" smtClean="0"/>
+              <a:t>推销一款工程上的产品，需要有大量的</a:t>
+            </a:r>
+            <a:r>
+              <a:rPr lang="zh-CN" altLang="en-US" dirty="0" smtClean="0"/>
+              <a:t>工程</a:t>
+            </a:r>
+            <a:r>
+              <a:rPr lang="zh-CN" altLang="en-US" dirty="0"/>
+              <a:t>应用案例</a:t>
+            </a:r>
+            <a:r>
+              <a:rPr lang="zh-CN" altLang="en-US" dirty="0" smtClean="0"/>
+              <a:t>，它们存放在一个个文件夹中，难以寻找</a:t>
+            </a:r>
+            <a:endParaRPr lang="en-US" altLang="zh-CN" dirty="0" smtClean="0"/>
+          </a:p>
+          <a:p>
+            <a:r>
+              <a:rPr lang="zh-CN" altLang="en-US" dirty="0" smtClean="0"/>
+              <a:t>针对特定客户，汇报前要大量时间整理资料：视频、照片等</a:t>
+            </a:r>
+            <a:endParaRPr lang="en-US" altLang="zh-CN" dirty="0" smtClean="0"/>
+          </a:p>
+          <a:p>
+            <a:r>
+              <a:rPr lang="zh-CN" altLang="en-US" dirty="0" smtClean="0"/>
+              <a:t>汇报现场寻找多个工程文件夹，定位到一个视频或照片，难度大</a:t>
+            </a:r>
+            <a:endParaRPr lang="zh-CN" altLang="en-US" dirty="0"/>
+          </a:p>
+        </p:txBody>
+      </p:sp>
+      <p:sp>
+        <p:nvSpPr>
+          <p:cNvPr id="10" name="内容占位符 2"/>
+          <p:cNvSpPr txBox="1">
+            <a:spLocks/>
+          </p:cNvSpPr>
+          <p:nvPr/>
+        </p:nvSpPr>
+        <p:spPr>
+          <a:xfrm>
+            <a:off x="7684314" y="3300328"/>
+            <a:ext cx="4239955" cy="2673752"/>
+          </a:xfrm>
+          <a:prstGeom prst="rect">
+            <a:avLst/>
+          </a:prstGeom>
+        </p:spPr>
+        <p:txBody>
+          <a:bodyPr vert="horz" lIns="91440" tIns="45720" rIns="91440" bIns="45720" rtlCol="0">
+            <a:normAutofit/>
+          </a:bodyPr>
+          <a:lstStyle>
+            <a:lvl1pPr marL="342900" indent="-342900" algn="l" defTabSz="457200" rtl="0" eaLnBrk="1" latinLnBrk="0" hangingPunct="1">
+              <a:spcBef>
+                <a:spcPts val="1000"/>
+              </a:spcBef>
+              <a:spcAft>
+                <a:spcPts val="0"/>
+              </a:spcAft>
+              <a:buClr>
+                <a:schemeClr val="accent1"/>
+              </a:buClr>
+              <a:buFont typeface="Wingdings 3" charset="2"/>
+              <a:buChar char=""/>
+              <a:defRPr sz="1800" kern="1200">
+                <a:solidFill>
+                  <a:schemeClr val="tx1">
+                    <a:lumMod val="75000"/>
+                    <a:lumOff val="25000"/>
+                  </a:schemeClr>
+                </a:solidFill>
+                <a:latin typeface="+mn-lt"/>
+                <a:ea typeface="+mn-ea"/>
+                <a:cs typeface="+mn-cs"/>
+              </a:defRPr>
+            </a:lvl1pPr>
+            <a:lvl2pPr marL="742950" indent="-285750" algn="l" defTabSz="457200" rtl="0" eaLnBrk="1" latinLnBrk="0" hangingPunct="1">
+              <a:spcBef>
+                <a:spcPts val="1000"/>
+              </a:spcBef>
+              <a:spcAft>
+                <a:spcPts val="0"/>
+              </a:spcAft>
+              <a:buClr>
+                <a:schemeClr val="accent1"/>
+              </a:buClr>
+              <a:buFont typeface="Wingdings 3" charset="2"/>
+              <a:buChar char=""/>
+              <a:defRPr sz="1600" kern="1200">
+                <a:solidFill>
+                  <a:schemeClr val="tx1">
+                    <a:lumMod val="75000"/>
+                    <a:lumOff val="25000"/>
+                  </a:schemeClr>
+                </a:solidFill>
+                <a:latin typeface="+mn-lt"/>
+                <a:ea typeface="+mn-ea"/>
+                <a:cs typeface="+mn-cs"/>
+              </a:defRPr>
+            </a:lvl2pPr>
+            <a:lvl3pPr marL="1143000" indent="-228600" algn="l" defTabSz="457200" rtl="0" eaLnBrk="1" latinLnBrk="0" hangingPunct="1">
+              <a:spcBef>
+                <a:spcPts val="1000"/>
+              </a:spcBef>
+              <a:spcAft>
+                <a:spcPts val="0"/>
+              </a:spcAft>
+              <a:buClr>
+                <a:schemeClr val="accent1"/>
+              </a:buClr>
+              <a:buFont typeface="Wingdings 3" charset="2"/>
+              <a:buChar char=""/>
+              <a:defRPr sz="1400" kern="1200">
+                <a:solidFill>
+                  <a:schemeClr val="tx1">
+                    <a:lumMod val="75000"/>
+                    <a:lumOff val="25000"/>
+                  </a:schemeClr>
+                </a:solidFill>
+                <a:latin typeface="+mn-lt"/>
+                <a:ea typeface="+mn-ea"/>
+                <a:cs typeface="+mn-cs"/>
+              </a:defRPr>
+            </a:lvl3pPr>
+            <a:lvl4pPr marL="1600200" indent="-228600" algn="l" defTabSz="457200" rtl="0" eaLnBrk="1" latinLnBrk="0" hangingPunct="1">
+              <a:spcBef>
+                <a:spcPts val="1000"/>
+              </a:spcBef>
+              <a:spcAft>
+                <a:spcPts val="0"/>
+              </a:spcAft>
+              <a:buClr>
+                <a:schemeClr val="accent1"/>
+              </a:buClr>
+              <a:buFont typeface="Wingdings 3" charset="2"/>
+              <a:buChar char=""/>
+              <a:defRPr sz="1200" kern="1200">
+                <a:solidFill>
+                  <a:schemeClr val="tx1">
+                    <a:lumMod val="75000"/>
+                    <a:lumOff val="25000"/>
+                  </a:schemeClr>
+                </a:solidFill>
+                <a:latin typeface="+mn-lt"/>
+                <a:ea typeface="+mn-ea"/>
+                <a:cs typeface="+mn-cs"/>
+              </a:defRPr>
+            </a:lvl4pPr>
+            <a:lvl5pPr marL="2057400" indent="-228600" algn="l" defTabSz="457200" rtl="0" eaLnBrk="1" latinLnBrk="0" hangingPunct="1">
+              <a:spcBef>
+                <a:spcPts val="1000"/>
+              </a:spcBef>
+              <a:spcAft>
+                <a:spcPts val="0"/>
+              </a:spcAft>
+              <a:buClr>
+                <a:schemeClr val="accent1"/>
+              </a:buClr>
+              <a:buFont typeface="Wingdings 3" charset="2"/>
+              <a:buChar char=""/>
+              <a:defRPr sz="1200" kern="1200">
+                <a:solidFill>
+                  <a:schemeClr val="tx1">
+                    <a:lumMod val="75000"/>
+                    <a:lumOff val="25000"/>
+                  </a:schemeClr>
+                </a:solidFill>
+                <a:latin typeface="+mn-lt"/>
+                <a:ea typeface="+mn-ea"/>
+                <a:cs typeface="+mn-cs"/>
+              </a:defRPr>
+            </a:lvl5pPr>
+            <a:lvl6pPr marL="2514600" indent="-228600" algn="l" defTabSz="457200" rtl="0" eaLnBrk="1" latinLnBrk="0" hangingPunct="1">
+              <a:spcBef>
+                <a:spcPts val="1000"/>
+              </a:spcBef>
+              <a:spcAft>
+                <a:spcPts val="0"/>
+              </a:spcAft>
+              <a:buClr>
+                <a:schemeClr val="accent1"/>
+              </a:buClr>
+              <a:buFont typeface="Wingdings 3" charset="2"/>
+              <a:buChar char=""/>
+              <a:defRPr sz="1200" kern="1200">
+                <a:solidFill>
+                  <a:schemeClr val="tx1">
+                    <a:lumMod val="75000"/>
+                    <a:lumOff val="25000"/>
+                  </a:schemeClr>
+                </a:solidFill>
+                <a:latin typeface="+mn-lt"/>
+                <a:ea typeface="+mn-ea"/>
+                <a:cs typeface="+mn-cs"/>
+              </a:defRPr>
+            </a:lvl6pPr>
+            <a:lvl7pPr marL="2971800" indent="-228600" algn="l" defTabSz="457200" rtl="0" eaLnBrk="1" latinLnBrk="0" hangingPunct="1">
+              <a:spcBef>
+                <a:spcPts val="1000"/>
+              </a:spcBef>
+              <a:spcAft>
+                <a:spcPts val="0"/>
+              </a:spcAft>
+              <a:buClr>
+                <a:schemeClr val="accent1"/>
+              </a:buClr>
+              <a:buFont typeface="Wingdings 3" charset="2"/>
+              <a:buChar char=""/>
+              <a:defRPr sz="1200" kern="1200">
+                <a:solidFill>
+                  <a:schemeClr val="tx1">
+                    <a:lumMod val="75000"/>
+                    <a:lumOff val="25000"/>
+                  </a:schemeClr>
+                </a:solidFill>
+                <a:latin typeface="+mn-lt"/>
+                <a:ea typeface="+mn-ea"/>
+                <a:cs typeface="+mn-cs"/>
+              </a:defRPr>
+            </a:lvl7pPr>
+            <a:lvl8pPr marL="3429000" indent="-228600" algn="l" defTabSz="457200" rtl="0" eaLnBrk="1" latinLnBrk="0" hangingPunct="1">
+              <a:spcBef>
+                <a:spcPts val="1000"/>
+              </a:spcBef>
+              <a:spcAft>
+                <a:spcPts val="0"/>
+              </a:spcAft>
+              <a:buClr>
+                <a:schemeClr val="accent1"/>
+              </a:buClr>
+              <a:buFont typeface="Wingdings 3" charset="2"/>
+              <a:buChar char=""/>
+              <a:defRPr sz="1200" kern="1200">
+                <a:solidFill>
+                  <a:schemeClr val="tx1">
+                    <a:lumMod val="75000"/>
+                    <a:lumOff val="25000"/>
+                  </a:schemeClr>
+                </a:solidFill>
+                <a:latin typeface="+mn-lt"/>
+                <a:ea typeface="+mn-ea"/>
+                <a:cs typeface="+mn-cs"/>
+              </a:defRPr>
+            </a:lvl8pPr>
+            <a:lvl9pPr marL="3886200" indent="-228600" algn="l" defTabSz="457200" rtl="0" eaLnBrk="1" latinLnBrk="0" hangingPunct="1">
+              <a:spcBef>
+                <a:spcPts val="1000"/>
+              </a:spcBef>
+              <a:spcAft>
+                <a:spcPts val="0"/>
+              </a:spcAft>
+              <a:buClr>
+                <a:schemeClr val="accent1"/>
+              </a:buClr>
+              <a:buFont typeface="Wingdings 3" charset="2"/>
+              <a:buChar char=""/>
+              <a:defRPr sz="1200" kern="1200">
+                <a:solidFill>
+                  <a:schemeClr val="tx1">
+                    <a:lumMod val="75000"/>
+                    <a:lumOff val="25000"/>
+                  </a:schemeClr>
+                </a:solidFill>
+                <a:latin typeface="+mn-lt"/>
+                <a:ea typeface="+mn-ea"/>
+                <a:cs typeface="+mn-cs"/>
+              </a:defRPr>
+            </a:lvl9pPr>
+          </a:lstStyle>
+          <a:p>
+            <a:r>
+              <a:rPr lang="zh-CN" altLang="en-US" dirty="0" smtClean="0"/>
+              <a:t>每个工程都在</a:t>
+            </a:r>
+            <a:r>
+              <a:rPr lang="en-US" altLang="zh-CN" dirty="0" err="1" smtClean="0"/>
+              <a:t>cms</a:t>
+            </a:r>
+            <a:r>
+              <a:rPr lang="zh-CN" altLang="en-US" dirty="0" smtClean="0"/>
+              <a:t>中建立一个项目目录</a:t>
+            </a:r>
+            <a:endParaRPr lang="en-US" altLang="zh-CN" dirty="0" smtClean="0"/>
+          </a:p>
+          <a:p>
+            <a:r>
+              <a:rPr lang="zh-CN" altLang="en-US" dirty="0" smtClean="0"/>
+              <a:t>汇报前整理一份资料链接列表。</a:t>
+            </a:r>
+            <a:endParaRPr lang="en-US" altLang="zh-CN" dirty="0" smtClean="0"/>
+          </a:p>
+          <a:p>
+            <a:r>
+              <a:rPr lang="zh-CN" altLang="en-US" dirty="0" smtClean="0"/>
+              <a:t>汇报时点击列表，按计划展示。下次汇报更新一下资料链接列表</a:t>
+            </a:r>
+            <a:endParaRPr lang="en-US" altLang="zh-CN" dirty="0" smtClean="0"/>
+          </a:p>
+        </p:txBody>
+      </p:sp>
+    </p:spTree>
+    <p:extLst>
+      <p:ext uri="{BB962C8B-B14F-4D97-AF65-F5344CB8AC3E}">
+        <p14:creationId xmlns:p14="http://schemas.microsoft.com/office/powerpoint/2010/main" val="1637659104"/>
+      </p:ext>
+    </p:extLst>
+  </p:cSld>
+  <p:clrMapOvr>
+    <a:masterClrMapping/>
+  </p:clrMapOvr>
+</p:sld>
+</file>
+
+<file path=ppt/slides/slide6.xml><?xml version="1.0" encoding="utf-8"?>
 <p:sld xmlns:a="http://schemas.openxmlformats.org/drawingml/2006/main" xmlns:r="http://schemas.openxmlformats.org/officeDocument/2006/relationships" xmlns:p="http://schemas.openxmlformats.org/presentationml/2006/main">
   <p:cSld>
     <p:spTree>
@@ -31802,7 +29706,7 @@
 </p:sld>
 </file>
 
-<file path=ppt/slides/slide5.xml><?xml version="1.0" encoding="utf-8"?>
+<file path=ppt/slides/slide7.xml><?xml version="1.0" encoding="utf-8"?>
 <p:sld xmlns:a="http://schemas.openxmlformats.org/drawingml/2006/main" xmlns:r="http://schemas.openxmlformats.org/officeDocument/2006/relationships" xmlns:p="http://schemas.openxmlformats.org/presentationml/2006/main">
   <p:cSld>
     <p:spTree>
@@ -31938,7 +29842,131 @@
 </p:sld>
 </file>
 
-<file path=ppt/slides/slide6.xml><?xml version="1.0" encoding="utf-8"?>
+<file path=ppt/slides/slide8.xml><?xml version="1.0" encoding="utf-8"?>
+<p:sld xmlns:a="http://schemas.openxmlformats.org/drawingml/2006/main" xmlns:r="http://schemas.openxmlformats.org/officeDocument/2006/relationships" xmlns:p="http://schemas.openxmlformats.org/presentationml/2006/main">
+  <p:cSld>
+    <p:spTree>
+      <p:nvGrpSpPr>
+        <p:cNvPr id="1" name=""/>
+        <p:cNvGrpSpPr/>
+        <p:nvPr/>
+      </p:nvGrpSpPr>
+      <p:grpSpPr>
+        <a:xfrm>
+          <a:off x="0" y="0"/>
+          <a:ext cx="0" cy="0"/>
+          <a:chOff x="0" y="0"/>
+          <a:chExt cx="0" cy="0"/>
+        </a:xfrm>
+      </p:grpSpPr>
+      <p:sp>
+        <p:nvSpPr>
+          <p:cNvPr id="2" name="标题 1"/>
+          <p:cNvSpPr>
+            <a:spLocks noGrp="1"/>
+          </p:cNvSpPr>
+          <p:nvPr>
+            <p:ph type="title"/>
+          </p:nvPr>
+        </p:nvSpPr>
+        <p:spPr/>
+        <p:txBody>
+          <a:bodyPr/>
+          <a:lstStyle/>
+          <a:p>
+            <a:endParaRPr lang="zh-CN" altLang="en-US"/>
+          </a:p>
+        </p:txBody>
+      </p:sp>
+      <p:sp>
+        <p:nvSpPr>
+          <p:cNvPr id="3" name="内容占位符 2"/>
+          <p:cNvSpPr>
+            <a:spLocks noGrp="1"/>
+          </p:cNvSpPr>
+          <p:nvPr>
+            <p:ph idx="1"/>
+          </p:nvPr>
+        </p:nvSpPr>
+        <p:spPr/>
+        <p:txBody>
+          <a:bodyPr/>
+          <a:lstStyle/>
+          <a:p>
+            <a:r>
+              <a:rPr lang="zh-CN" altLang="en-US" dirty="0" smtClean="0"/>
+              <a:t>轻量、微服务理念、免费、开源、免维护、易使用（门槛低，人人都可以使用）。</a:t>
+            </a:r>
+            <a:endParaRPr lang="en-US" altLang="zh-CN" dirty="0" smtClean="0"/>
+          </a:p>
+          <a:p>
+            <a:r>
+              <a:rPr lang="zh-CN" altLang="en-US" dirty="0" smtClean="0"/>
+              <a:t>产品带有大量工程资料，方便同行入门</a:t>
+            </a:r>
+            <a:endParaRPr lang="en-US" altLang="zh-CN" dirty="0" smtClean="0"/>
+          </a:p>
+          <a:p>
+            <a:r>
+              <a:rPr lang="zh-CN" altLang="en-US" dirty="0" smtClean="0"/>
+              <a:t>原生有效代码行数？</a:t>
+            </a:r>
+            <a:endParaRPr lang="en-US" altLang="zh-CN" dirty="0" smtClean="0"/>
+          </a:p>
+          <a:p>
+            <a:r>
+              <a:rPr lang="zh-CN" altLang="en-US" dirty="0" smtClean="0"/>
+              <a:t>适合个人和中小团队使用。</a:t>
+            </a:r>
+            <a:endParaRPr lang="en-US" altLang="zh-CN" dirty="0" smtClean="0"/>
+          </a:p>
+          <a:p>
+            <a:r>
+              <a:rPr lang="zh-CN" altLang="en-US" dirty="0" smtClean="0"/>
+              <a:t>大部分行业都有自己的</a:t>
+            </a:r>
+            <a:r>
+              <a:rPr lang="en-US" altLang="zh-CN" dirty="0" err="1" smtClean="0"/>
+              <a:t>cms</a:t>
+            </a:r>
+            <a:r>
+              <a:rPr lang="zh-CN" altLang="en-US" dirty="0" smtClean="0"/>
+              <a:t>系统，通用的不大适合水利行业，需要定制的内容多，</a:t>
+            </a:r>
+            <a:r>
+              <a:rPr lang="en-US" altLang="zh-CN" dirty="0" err="1" smtClean="0"/>
+              <a:t>hydrocms</a:t>
+            </a:r>
+            <a:r>
+              <a:rPr lang="zh-CN" altLang="en-US" dirty="0" smtClean="0"/>
+              <a:t>完善水利行业</a:t>
+            </a:r>
+            <a:r>
+              <a:rPr lang="en-US" altLang="zh-CN" dirty="0" err="1" smtClean="0"/>
+              <a:t>cms</a:t>
+            </a:r>
+            <a:r>
+              <a:rPr lang="zh-CN" altLang="en-US" dirty="0" smtClean="0"/>
+              <a:t>系统</a:t>
+            </a:r>
+            <a:endParaRPr lang="zh-CN" altLang="en-US" dirty="0"/>
+          </a:p>
+        </p:txBody>
+      </p:sp>
+    </p:spTree>
+    <p:extLst>
+      <p:ext uri="{BB962C8B-B14F-4D97-AF65-F5344CB8AC3E}">
+        <p14:creationId xmlns:p14="http://schemas.microsoft.com/office/powerpoint/2010/main" val="421060169"/>
+      </p:ext>
+    </p:extLst>
+  </p:cSld>
+  <p:clrMapOvr>
+    <a:masterClrMapping/>
+  </p:clrMapOvr>
+</p:sld>
+</file>
+
+<file path=ppt/slides/slide9.xml><?xml version="1.0" encoding="utf-8"?>
 <p:sld xmlns:a="http://schemas.openxmlformats.org/drawingml/2006/main" xmlns:r="http://schemas.openxmlformats.org/officeDocument/2006/relationships" xmlns:p="http://schemas.openxmlformats.org/presentationml/2006/main">
   <p:cSld>
     <p:spTree>
@@ -32044,391 +30072,6 @@
   <p:clrMapOvr>
     <a:masterClrMapping/>
   </p:clrMapOvr>
-</p:sld>
-</file>
-
-<file path=ppt/slides/slide7.xml><?xml version="1.0" encoding="utf-8"?>
-<p:sld xmlns:a="http://schemas.openxmlformats.org/drawingml/2006/main" xmlns:r="http://schemas.openxmlformats.org/officeDocument/2006/relationships" xmlns:p="http://schemas.openxmlformats.org/presentationml/2006/main">
-  <p:cSld>
-    <p:spTree>
-      <p:nvGrpSpPr>
-        <p:cNvPr id="1" name=""/>
-        <p:cNvGrpSpPr/>
-        <p:nvPr/>
-      </p:nvGrpSpPr>
-      <p:grpSpPr>
-        <a:xfrm>
-          <a:off x="0" y="0"/>
-          <a:ext cx="0" cy="0"/>
-          <a:chOff x="0" y="0"/>
-          <a:chExt cx="0" cy="0"/>
-        </a:xfrm>
-      </p:grpSpPr>
-      <p:sp>
-        <p:nvSpPr>
-          <p:cNvPr id="6" name="标题 1"/>
-          <p:cNvSpPr>
-            <a:spLocks noGrp="1"/>
-          </p:cNvSpPr>
-          <p:nvPr>
-            <p:ph type="title"/>
-          </p:nvPr>
-        </p:nvSpPr>
-        <p:spPr>
-          <a:xfrm>
-            <a:off x="2682781" y="707785"/>
-            <a:ext cx="4807619" cy="912082"/>
-          </a:xfrm>
-        </p:spPr>
-        <p:txBody>
-          <a:bodyPr>
-            <a:normAutofit/>
-          </a:bodyPr>
-          <a:lstStyle/>
-          <a:p>
-            <a:r>
-              <a:rPr lang="zh-CN" altLang="en-US" dirty="0" smtClean="0"/>
-              <a:t>产品差异性及竞争优势</a:t>
-            </a:r>
-            <a:endParaRPr lang="zh-CN" altLang="en-US" dirty="0"/>
-          </a:p>
-        </p:txBody>
-      </p:sp>
-      <p:sp>
-        <p:nvSpPr>
-          <p:cNvPr id="3" name="内容占位符 2"/>
-          <p:cNvSpPr>
-            <a:spLocks noGrp="1"/>
-          </p:cNvSpPr>
-          <p:nvPr>
-            <p:ph idx="1"/>
-          </p:nvPr>
-        </p:nvSpPr>
-        <p:spPr>
-          <a:xfrm>
-            <a:off x="2829925" y="2167588"/>
-            <a:ext cx="7201864" cy="2655629"/>
-          </a:xfrm>
-        </p:spPr>
-        <p:txBody>
-          <a:bodyPr>
-            <a:normAutofit/>
-          </a:bodyPr>
-          <a:lstStyle/>
-          <a:p>
-            <a:r>
-              <a:rPr lang="zh-CN" altLang="en-US" sz="2000" dirty="0" smtClean="0"/>
-              <a:t>基于工程师个人电脑运行，又与局域网中其它</a:t>
-            </a:r>
-            <a:r>
-              <a:rPr lang="en-US" altLang="zh-CN" sz="2000" dirty="0" err="1" smtClean="0"/>
-              <a:t>cms</a:t>
-            </a:r>
-            <a:r>
-              <a:rPr lang="zh-CN" altLang="en-US" sz="2000" dirty="0"/>
-              <a:t>无障</a:t>
-            </a:r>
-            <a:r>
-              <a:rPr lang="zh-CN" altLang="en-US" sz="2000" dirty="0" smtClean="0"/>
-              <a:t>碍搜索、互访。</a:t>
-            </a:r>
-            <a:endParaRPr lang="en-US" altLang="zh-CN" sz="2000" dirty="0"/>
-          </a:p>
-          <a:p>
-            <a:r>
-              <a:rPr lang="zh-CN" altLang="en-US" sz="2000" dirty="0" smtClean="0"/>
-              <a:t>符合水利行业资料管理习惯。</a:t>
-            </a:r>
-            <a:endParaRPr lang="en-US" altLang="zh-CN" sz="2000" dirty="0" smtClean="0"/>
-          </a:p>
-          <a:p>
-            <a:r>
-              <a:rPr lang="zh-CN" altLang="en-US" sz="2000" dirty="0" smtClean="0"/>
-              <a:t>快捷上传资料。</a:t>
-            </a:r>
-            <a:endParaRPr lang="en-US" altLang="zh-CN" sz="2000" dirty="0" smtClean="0"/>
-          </a:p>
-          <a:p>
-            <a:r>
-              <a:rPr lang="zh-CN" altLang="en-US" sz="2000" dirty="0" smtClean="0"/>
-              <a:t>规范、图集的管理。</a:t>
-            </a:r>
-            <a:endParaRPr lang="en-US" altLang="zh-CN" sz="2000" dirty="0" smtClean="0"/>
-          </a:p>
-          <a:p>
-            <a:endParaRPr lang="zh-CN" altLang="en-US" sz="2000" dirty="0"/>
-          </a:p>
-        </p:txBody>
-      </p:sp>
-    </p:spTree>
-    <p:extLst>
-      <p:ext uri="{BB962C8B-B14F-4D97-AF65-F5344CB8AC3E}">
-        <p14:creationId xmlns:p14="http://schemas.microsoft.com/office/powerpoint/2010/main" val="2052053070"/>
-      </p:ext>
-    </p:extLst>
-  </p:cSld>
-  <p:clrMapOvr>
-    <a:masterClrMapping/>
-  </p:clrMapOvr>
-</p:sld>
-</file>
-
-<file path=ppt/slides/slide8.xml><?xml version="1.0" encoding="utf-8"?>
-<p:sld xmlns:a="http://schemas.openxmlformats.org/drawingml/2006/main" xmlns:r="http://schemas.openxmlformats.org/officeDocument/2006/relationships" xmlns:p="http://schemas.openxmlformats.org/presentationml/2006/main">
-  <p:cSld>
-    <p:spTree>
-      <p:nvGrpSpPr>
-        <p:cNvPr id="1" name=""/>
-        <p:cNvGrpSpPr/>
-        <p:nvPr/>
-      </p:nvGrpSpPr>
-      <p:grpSpPr>
-        <a:xfrm>
-          <a:off x="0" y="0"/>
-          <a:ext cx="0" cy="0"/>
-          <a:chOff x="0" y="0"/>
-          <a:chExt cx="0" cy="0"/>
-        </a:xfrm>
-      </p:grpSpPr>
-      <p:sp>
-        <p:nvSpPr>
-          <p:cNvPr id="2" name="标题 1"/>
-          <p:cNvSpPr>
-            <a:spLocks noGrp="1"/>
-          </p:cNvSpPr>
-          <p:nvPr>
-            <p:ph type="title"/>
-          </p:nvPr>
-        </p:nvSpPr>
-        <p:spPr/>
-        <p:txBody>
-          <a:bodyPr/>
-          <a:lstStyle/>
-          <a:p>
-            <a:r>
-              <a:rPr lang="zh-CN" altLang="en-US" dirty="0" smtClean="0"/>
-              <a:t>一、核心功能</a:t>
-            </a:r>
-            <a:endParaRPr lang="zh-CN" altLang="en-US" dirty="0"/>
-          </a:p>
-        </p:txBody>
-      </p:sp>
-      <p:sp>
-        <p:nvSpPr>
-          <p:cNvPr id="3" name="内容占位符 2"/>
-          <p:cNvSpPr>
-            <a:spLocks noGrp="1"/>
-          </p:cNvSpPr>
-          <p:nvPr>
-            <p:ph idx="1"/>
-          </p:nvPr>
-        </p:nvSpPr>
-        <p:spPr/>
-        <p:txBody>
-          <a:bodyPr>
-            <a:normAutofit/>
-          </a:bodyPr>
-          <a:lstStyle/>
-          <a:p>
-            <a:r>
-              <a:rPr lang="zh-CN" altLang="en-US" sz="2800" dirty="0"/>
-              <a:t>完善的资料</a:t>
-            </a:r>
-            <a:r>
-              <a:rPr lang="zh-CN" altLang="en-US" sz="2800" dirty="0" smtClean="0"/>
-              <a:t>管理</a:t>
-            </a:r>
-            <a:endParaRPr lang="en-US" altLang="zh-CN" sz="2800" dirty="0" smtClean="0"/>
-          </a:p>
-          <a:p>
-            <a:r>
-              <a:rPr lang="zh-CN" altLang="en-US" sz="2800" dirty="0"/>
-              <a:t>水利档案</a:t>
-            </a:r>
-            <a:r>
-              <a:rPr lang="zh-CN" altLang="en-US" sz="2800" dirty="0" smtClean="0"/>
-              <a:t>标准化</a:t>
-            </a:r>
-            <a:endParaRPr lang="en-US" altLang="zh-CN" sz="2800" dirty="0" smtClean="0"/>
-          </a:p>
-          <a:p>
-            <a:r>
-              <a:rPr lang="zh-CN" altLang="en-US" sz="2800" dirty="0"/>
-              <a:t>水利设计全流程</a:t>
-            </a:r>
-            <a:r>
-              <a:rPr lang="zh-CN" altLang="en-US" sz="2800" dirty="0" smtClean="0"/>
-              <a:t>文档：项目</a:t>
-            </a:r>
-            <a:r>
-              <a:rPr lang="en-US" altLang="zh-CN" sz="2800" dirty="0" smtClean="0"/>
-              <a:t>&gt;</a:t>
-            </a:r>
-            <a:r>
-              <a:rPr lang="zh-CN" altLang="en-US" sz="2800" dirty="0" smtClean="0"/>
-              <a:t>阶段</a:t>
-            </a:r>
-            <a:r>
-              <a:rPr lang="en-US" altLang="zh-CN" sz="2800" dirty="0" smtClean="0"/>
-              <a:t>&gt;</a:t>
-            </a:r>
-            <a:r>
-              <a:rPr lang="zh-CN" altLang="en-US" sz="2800" dirty="0"/>
-              <a:t>文</a:t>
-            </a:r>
-            <a:r>
-              <a:rPr lang="zh-CN" altLang="en-US" sz="2800" dirty="0" smtClean="0"/>
-              <a:t>档类型</a:t>
-            </a:r>
-            <a:r>
-              <a:rPr lang="en-US" altLang="zh-CN" sz="2800" dirty="0" smtClean="0"/>
-              <a:t>&gt;</a:t>
-            </a:r>
-            <a:r>
-              <a:rPr lang="zh-CN" altLang="en-US" sz="2800" dirty="0"/>
-              <a:t>专业</a:t>
-            </a:r>
-            <a:endParaRPr lang="en-US" altLang="zh-CN" sz="2800" dirty="0"/>
-          </a:p>
-          <a:p>
-            <a:r>
-              <a:rPr lang="zh-CN" altLang="en-US" sz="2800" dirty="0" smtClean="0"/>
-              <a:t>一</a:t>
-            </a:r>
-            <a:r>
-              <a:rPr lang="zh-CN" altLang="en-US" sz="2800" dirty="0"/>
-              <a:t>键发布</a:t>
-            </a:r>
-            <a:r>
-              <a:rPr lang="zh-CN" altLang="en-US" sz="2800" dirty="0" smtClean="0"/>
-              <a:t>，快捷共享</a:t>
-            </a:r>
-            <a:r>
-              <a:rPr lang="zh-CN" altLang="en-US" sz="2800" dirty="0"/>
-              <a:t>：</a:t>
-            </a:r>
-            <a:r>
-              <a:rPr lang="zh-CN" altLang="en-US" sz="2800" dirty="0" smtClean="0"/>
-              <a:t>现场图文记录、图文日记</a:t>
-            </a:r>
-            <a:endParaRPr lang="zh-CN" altLang="en-US" sz="2800" dirty="0"/>
-          </a:p>
-        </p:txBody>
-      </p:sp>
-    </p:spTree>
-    <p:extLst>
-      <p:ext uri="{BB962C8B-B14F-4D97-AF65-F5344CB8AC3E}">
-        <p14:creationId xmlns:p14="http://schemas.microsoft.com/office/powerpoint/2010/main" val="3730729"/>
-      </p:ext>
-    </p:extLst>
-  </p:cSld>
-  <p:clrMapOvr>
-    <a:masterClrMapping/>
-  </p:clrMapOvr>
-  <p:timing>
-    <p:tnLst>
-      <p:par>
-        <p:cTn id="1" dur="indefinite" restart="never" nodeType="tmRoot"/>
-      </p:par>
-    </p:tnLst>
-  </p:timing>
-</p:sld>
-</file>
-
-<file path=ppt/slides/slide9.xml><?xml version="1.0" encoding="utf-8"?>
-<p:sld xmlns:a="http://schemas.openxmlformats.org/drawingml/2006/main" xmlns:r="http://schemas.openxmlformats.org/officeDocument/2006/relationships" xmlns:p="http://schemas.openxmlformats.org/presentationml/2006/main">
-  <p:cSld>
-    <p:spTree>
-      <p:nvGrpSpPr>
-        <p:cNvPr id="1" name=""/>
-        <p:cNvGrpSpPr/>
-        <p:nvPr/>
-      </p:nvGrpSpPr>
-      <p:grpSpPr>
-        <a:xfrm>
-          <a:off x="0" y="0"/>
-          <a:ext cx="0" cy="0"/>
-          <a:chOff x="0" y="0"/>
-          <a:chExt cx="0" cy="0"/>
-        </a:xfrm>
-      </p:grpSpPr>
-      <p:sp>
-        <p:nvSpPr>
-          <p:cNvPr id="2" name="标题 1"/>
-          <p:cNvSpPr>
-            <a:spLocks noGrp="1"/>
-          </p:cNvSpPr>
-          <p:nvPr>
-            <p:ph type="title"/>
-          </p:nvPr>
-        </p:nvSpPr>
-        <p:spPr/>
-        <p:txBody>
-          <a:bodyPr/>
-          <a:lstStyle/>
-          <a:p>
-            <a:r>
-              <a:rPr lang="en-US" altLang="zh-CN" dirty="0" smtClean="0"/>
-              <a:t>1.1</a:t>
-            </a:r>
-            <a:r>
-              <a:rPr lang="zh-CN" altLang="en-US" dirty="0" smtClean="0"/>
-              <a:t> 核心功能</a:t>
-            </a:r>
-            <a:r>
-              <a:rPr lang="en-US" altLang="zh-CN" dirty="0" smtClean="0"/>
-              <a:t>——</a:t>
-            </a:r>
-            <a:r>
-              <a:rPr lang="zh-CN" altLang="en-US" dirty="0" smtClean="0"/>
-              <a:t>完善的资料管理</a:t>
-            </a:r>
-            <a:endParaRPr lang="zh-CN" altLang="en-US" dirty="0"/>
-          </a:p>
-        </p:txBody>
-      </p:sp>
-      <p:graphicFrame>
-        <p:nvGraphicFramePr>
-          <p:cNvPr id="4" name="内容占位符 3"/>
-          <p:cNvGraphicFramePr>
-            <a:graphicFrameLocks noGrp="1"/>
-          </p:cNvGraphicFramePr>
-          <p:nvPr>
-            <p:ph idx="1"/>
-            <p:extLst>
-              <p:ext uri="{D42A27DB-BD31-4B8C-83A1-F6EECF244321}">
-                <p14:modId xmlns:p14="http://schemas.microsoft.com/office/powerpoint/2010/main" val="1590062711"/>
-              </p:ext>
-            </p:extLst>
-          </p:nvPr>
-        </p:nvGraphicFramePr>
-        <p:xfrm>
-          <a:off x="1723581" y="1962912"/>
-          <a:ext cx="8915400" cy="3778250"/>
-        </p:xfrm>
-        <a:graphic>
-          <a:graphicData uri="http://schemas.openxmlformats.org/drawingml/2006/diagram">
-            <dgm:relIds xmlns:dgm="http://schemas.openxmlformats.org/drawingml/2006/diagram" xmlns:r="http://schemas.openxmlformats.org/officeDocument/2006/relationships" r:dm="rId2" r:lo="rId3" r:qs="rId4" r:cs="rId5"/>
-          </a:graphicData>
-        </a:graphic>
-      </p:graphicFrame>
-    </p:spTree>
-    <p:extLst>
-      <p:ext uri="{BB962C8B-B14F-4D97-AF65-F5344CB8AC3E}">
-        <p14:creationId xmlns:p14="http://schemas.microsoft.com/office/powerpoint/2010/main" val="393846539"/>
-      </p:ext>
-    </p:extLst>
-  </p:cSld>
-  <p:clrMapOvr>
-    <a:masterClrMapping/>
-  </p:clrMapOvr>
-  <p:timing>
-    <p:tnLst>
-      <p:par>
-        <p:cTn id="1" dur="indefinite" restart="never" nodeType="tmRoot"/>
-      </p:par>
-    </p:tnLst>
-  </p:timing>
 </p:sld>
 </file>
 
